--- a/WIP/User/Son/capstone.pptx
+++ b/WIP/User/Son/capstone.pptx
@@ -10,19 +10,19 @@
   </p:notesMasterIdLst>
   <p:sldIdLst>
     <p:sldId id="256" r:id="rId3"/>
-    <p:sldId id="258" r:id="rId4"/>
-    <p:sldId id="264" r:id="rId5"/>
+    <p:sldId id="264" r:id="rId4"/>
+    <p:sldId id="269" r:id="rId5"/>
     <p:sldId id="257" r:id="rId6"/>
-    <p:sldId id="269" r:id="rId7"/>
-    <p:sldId id="259" r:id="rId8"/>
-    <p:sldId id="261" r:id="rId9"/>
-    <p:sldId id="263" r:id="rId10"/>
-    <p:sldId id="270" r:id="rId11"/>
-    <p:sldId id="260" r:id="rId12"/>
-    <p:sldId id="265" r:id="rId13"/>
-    <p:sldId id="271" r:id="rId14"/>
+    <p:sldId id="259" r:id="rId7"/>
+    <p:sldId id="261" r:id="rId8"/>
+    <p:sldId id="263" r:id="rId9"/>
+    <p:sldId id="270" r:id="rId10"/>
+    <p:sldId id="260" r:id="rId11"/>
+    <p:sldId id="265" r:id="rId12"/>
+    <p:sldId id="271" r:id="rId13"/>
+    <p:sldId id="267" r:id="rId14"/>
     <p:sldId id="266" r:id="rId15"/>
-    <p:sldId id="267" r:id="rId16"/>
+    <p:sldId id="273" r:id="rId16"/>
     <p:sldId id="268" r:id="rId17"/>
   </p:sldIdLst>
   <p:sldSz cx="9144000" cy="6858000" type="screen4x3"/>
@@ -122,6 +122,22 @@
       </a:defRPr>
     </a:lvl9pPr>
   </p:defaultTextStyle>
+  <p:extLst>
+    <p:ext uri="{EFAFB233-063F-42B5-8137-9DF3F51BA10A}">
+      <p15:sldGuideLst xmlns:p15="http://schemas.microsoft.com/office/powerpoint/2012/main">
+        <p15:guide id="1" orient="horz" pos="2160">
+          <p15:clr>
+            <a:srgbClr val="A4A3A4"/>
+          </p15:clr>
+        </p15:guide>
+        <p15:guide id="2" pos="2880">
+          <p15:clr>
+            <a:srgbClr val="A4A3A4"/>
+          </p15:clr>
+        </p15:guide>
+      </p15:sldGuideLst>
+    </p:ext>
+  </p:extLst>
 </p:presentation>
 </file>
 
@@ -204,20 +220,21 @@
           <c:showBubbleSize val="0"/>
         </c:dLbls>
         <c:gapWidth val="150"/>
-        <c:axId val="41367424"/>
-        <c:axId val="41368960"/>
+        <c:axId val="173776256"/>
+        <c:axId val="222999952"/>
       </c:barChart>
       <c:catAx>
-        <c:axId val="41367424"/>
+        <c:axId val="173776256"/>
         <c:scaling>
           <c:orientation val="minMax"/>
         </c:scaling>
         <c:delete val="0"/>
         <c:axPos val="b"/>
+        <c:numFmt formatCode="General" sourceLinked="0"/>
         <c:majorTickMark val="out"/>
         <c:minorTickMark val="none"/>
         <c:tickLblPos val="nextTo"/>
-        <c:crossAx val="41368960"/>
+        <c:crossAx val="222999952"/>
         <c:crosses val="autoZero"/>
         <c:auto val="1"/>
         <c:lblAlgn val="ctr"/>
@@ -225,7 +242,7 @@
         <c:noMultiLvlLbl val="0"/>
       </c:catAx>
       <c:valAx>
-        <c:axId val="41368960"/>
+        <c:axId val="222999952"/>
         <c:scaling>
           <c:orientation val="minMax"/>
         </c:scaling>
@@ -236,7 +253,7 @@
         <c:majorTickMark val="out"/>
         <c:minorTickMark val="none"/>
         <c:tickLblPos val="nextTo"/>
-        <c:crossAx val="41367424"/>
+        <c:crossAx val="173776256"/>
         <c:crosses val="autoZero"/>
         <c:crossBetween val="between"/>
       </c:valAx>
@@ -286,7 +303,17 @@
     </c:title>
     <c:autoTitleDeleted val="0"/>
     <c:plotArea>
-      <c:layout/>
+      <c:layout>
+        <c:manualLayout>
+          <c:layoutTarget val="inner"/>
+          <c:xMode val="edge"/>
+          <c:yMode val="edge"/>
+          <c:x val="0.21470897020225416"/>
+          <c:y val="0.12672148481439821"/>
+          <c:w val="0.57920436416036236"/>
+          <c:h val="0.6764879640044994"/>
+        </c:manualLayout>
+      </c:layout>
       <c:barChart>
         <c:barDir val="col"/>
         <c:grouping val="clustered"/>
@@ -353,20 +380,21 @@
           <c:showBubbleSize val="0"/>
         </c:dLbls>
         <c:gapWidth val="150"/>
-        <c:axId val="41393536"/>
-        <c:axId val="41411712"/>
+        <c:axId val="223000344"/>
+        <c:axId val="223000736"/>
       </c:barChart>
       <c:catAx>
-        <c:axId val="41393536"/>
+        <c:axId val="223000344"/>
         <c:scaling>
           <c:orientation val="minMax"/>
         </c:scaling>
         <c:delete val="0"/>
         <c:axPos val="b"/>
+        <c:numFmt formatCode="General" sourceLinked="0"/>
         <c:majorTickMark val="out"/>
         <c:minorTickMark val="none"/>
         <c:tickLblPos val="nextTo"/>
-        <c:crossAx val="41411712"/>
+        <c:crossAx val="223000736"/>
         <c:crosses val="autoZero"/>
         <c:auto val="1"/>
         <c:lblAlgn val="ctr"/>
@@ -374,7 +402,7 @@
         <c:noMultiLvlLbl val="0"/>
       </c:catAx>
       <c:valAx>
-        <c:axId val="41411712"/>
+        <c:axId val="223000736"/>
         <c:scaling>
           <c:orientation val="minMax"/>
         </c:scaling>
@@ -385,7 +413,7 @@
         <c:majorTickMark val="out"/>
         <c:minorTickMark val="none"/>
         <c:tickLblPos val="nextTo"/>
-        <c:crossAx val="41393536"/>
+        <c:crossAx val="223000344"/>
         <c:crosses val="autoZero"/>
         <c:crossBetween val="between"/>
       </c:valAx>
@@ -809,6 +837,68 @@
           <a:bodyPr/>
           <a:lstStyle/>
           <a:p>
+            <a:pPr marL="457200" indent="-457200" algn="l">
+              <a:buFont typeface="Arial" pitchFamily="34" charset="0"/>
+              <a:buChar char="•"/>
+            </a:pPr>
+            <a:r>
+              <a:rPr lang="en-US" dirty="0" smtClean="0">
+                <a:solidFill>
+                  <a:schemeClr val="tx1"/>
+                </a:solidFill>
+              </a:rPr>
+              <a:t>The needs of travelling is raising these days. Based on statistics from Mien Dong Bus Station of Ho Chi Minh City website (</a:t>
+            </a:r>
+            <a:r>
+              <a:rPr lang="en-US" u="sng" dirty="0" smtClean="0">
+                <a:solidFill>
+                  <a:schemeClr val="tx1"/>
+                </a:solidFill>
+                <a:hlinkClick r:id="rId3"/>
+              </a:rPr>
+              <a:t>http://www.benxemiendong.com.vn/</a:t>
+            </a:r>
+            <a:r>
+              <a:rPr lang="en-US" dirty="0" smtClean="0">
+                <a:solidFill>
+                  <a:schemeClr val="tx1"/>
+                </a:solidFill>
+              </a:rPr>
+              <a:t> ), in 2010:</a:t>
+            </a:r>
+          </a:p>
+          <a:p>
+            <a:pPr marL="457200" lvl="0" indent="-457200" algn="l" fontAlgn="base">
+              <a:buFont typeface="Arial" pitchFamily="34" charset="0"/>
+              <a:buChar char="•"/>
+            </a:pPr>
+            <a:r>
+              <a:rPr lang="en-US" dirty="0" smtClean="0">
+                <a:solidFill>
+                  <a:schemeClr val="tx1"/>
+                </a:solidFill>
+              </a:rPr>
+              <a:t>Average number of bus departures in a day is about 1,124. On holidays it can raise to 2,000.</a:t>
+            </a:r>
+          </a:p>
+          <a:p>
+            <a:pPr marL="457200" lvl="0" indent="-457200" algn="l" fontAlgn="base">
+              <a:buFont typeface="Arial" pitchFamily="34" charset="0"/>
+              <a:buChar char="•"/>
+            </a:pPr>
+            <a:r>
+              <a:rPr lang="en-US" dirty="0" smtClean="0">
+                <a:solidFill>
+                  <a:schemeClr val="tx1"/>
+                </a:solidFill>
+              </a:rPr>
+              <a:t>Average number of passengers in a day is 23,000 and 62,000 on holidays.</a:t>
+            </a:r>
+          </a:p>
+          <a:p>
+            <a:endParaRPr lang="en-US" dirty="0" smtClean="0"/>
+          </a:p>
+          <a:p>
             <a:endParaRPr lang="en-US" dirty="0"/>
           </a:p>
         </p:txBody>
@@ -830,7 +920,7 @@
           <a:p>
             <a:fld id="{DD76C206-178F-4538-A058-AAFC1692A271}" type="slidenum">
               <a:rPr lang="en-US" smtClean="0"/>
-              <a:t>4</a:t>
+              <a:t>3</a:t>
             </a:fld>
             <a:endParaRPr lang="en-US"/>
           </a:p>
@@ -839,7 +929,7 @@
     </p:spTree>
     <p:extLst>
       <p:ext uri="{BB962C8B-B14F-4D97-AF65-F5344CB8AC3E}">
-        <p14:creationId xmlns:p14="http://schemas.microsoft.com/office/powerpoint/2010/main" val="3208224128"/>
+        <p14:creationId xmlns:p14="http://schemas.microsoft.com/office/powerpoint/2010/main" val="1064648369"/>
       </p:ext>
     </p:extLst>
   </p:cSld>
@@ -893,68 +983,6 @@
           <a:bodyPr/>
           <a:lstStyle/>
           <a:p>
-            <a:pPr marL="457200" indent="-457200" algn="l">
-              <a:buFont typeface="Arial" pitchFamily="34" charset="0"/>
-              <a:buChar char="•"/>
-            </a:pPr>
-            <a:r>
-              <a:rPr lang="en-US" dirty="0" smtClean="0">
-                <a:solidFill>
-                  <a:schemeClr val="tx1"/>
-                </a:solidFill>
-              </a:rPr>
-              <a:t>The needs of travelling is raising these days. Based on statistics from Mien Dong Bus Station of Ho Chi Minh City website (</a:t>
-            </a:r>
-            <a:r>
-              <a:rPr lang="en-US" u="sng" dirty="0" smtClean="0">
-                <a:solidFill>
-                  <a:schemeClr val="tx1"/>
-                </a:solidFill>
-                <a:hlinkClick r:id="rId3"/>
-              </a:rPr>
-              <a:t>http://www.benxemiendong.com.vn/</a:t>
-            </a:r>
-            <a:r>
-              <a:rPr lang="en-US" dirty="0" smtClean="0">
-                <a:solidFill>
-                  <a:schemeClr val="tx1"/>
-                </a:solidFill>
-              </a:rPr>
-              <a:t> ), in 2010:</a:t>
-            </a:r>
-          </a:p>
-          <a:p>
-            <a:pPr marL="457200" lvl="0" indent="-457200" algn="l" fontAlgn="base">
-              <a:buFont typeface="Arial" pitchFamily="34" charset="0"/>
-              <a:buChar char="•"/>
-            </a:pPr>
-            <a:r>
-              <a:rPr lang="en-US" dirty="0" smtClean="0">
-                <a:solidFill>
-                  <a:schemeClr val="tx1"/>
-                </a:solidFill>
-              </a:rPr>
-              <a:t>Average number of bus departures in a day is about 1,124. On holidays it can raise to 2,000.</a:t>
-            </a:r>
-          </a:p>
-          <a:p>
-            <a:pPr marL="457200" lvl="0" indent="-457200" algn="l" fontAlgn="base">
-              <a:buFont typeface="Arial" pitchFamily="34" charset="0"/>
-              <a:buChar char="•"/>
-            </a:pPr>
-            <a:r>
-              <a:rPr lang="en-US" dirty="0" smtClean="0">
-                <a:solidFill>
-                  <a:schemeClr val="tx1"/>
-                </a:solidFill>
-              </a:rPr>
-              <a:t>Average number of passengers in a day is 23,000 and 62,000 on holidays.</a:t>
-            </a:r>
-          </a:p>
-          <a:p>
-            <a:endParaRPr lang="en-US" dirty="0" smtClean="0"/>
-          </a:p>
-          <a:p>
             <a:endParaRPr lang="en-US" dirty="0"/>
           </a:p>
         </p:txBody>
@@ -976,7 +1004,7 @@
           <a:p>
             <a:fld id="{DD76C206-178F-4538-A058-AAFC1692A271}" type="slidenum">
               <a:rPr lang="en-US" smtClean="0"/>
-              <a:t>5</a:t>
+              <a:t>4</a:t>
             </a:fld>
             <a:endParaRPr lang="en-US"/>
           </a:p>
@@ -985,7 +1013,7 @@
     </p:spTree>
     <p:extLst>
       <p:ext uri="{BB962C8B-B14F-4D97-AF65-F5344CB8AC3E}">
-        <p14:creationId xmlns:p14="http://schemas.microsoft.com/office/powerpoint/2010/main" val="1064648369"/>
+        <p14:creationId xmlns:p14="http://schemas.microsoft.com/office/powerpoint/2010/main" val="3208224128"/>
       </p:ext>
     </p:extLst>
   </p:cSld>
@@ -4197,7 +4225,12 @@
             <p:ph type="ctrTitle"/>
           </p:nvPr>
         </p:nvSpPr>
-        <p:spPr/>
+        <p:spPr>
+          <a:xfrm>
+            <a:off x="762000" y="897416"/>
+            <a:ext cx="7681913" cy="1523495"/>
+          </a:xfrm>
+        </p:spPr>
         <p:txBody>
           <a:bodyPr/>
           <a:lstStyle/>
@@ -4206,25 +4239,6 @@
               <a:rPr lang="en-US" b="1" dirty="0"/>
               <a:t>Long Travel Bus Reservation</a:t>
             </a:r>
-          </a:p>
-        </p:txBody>
-      </p:sp>
-      <p:sp>
-        <p:nvSpPr>
-          <p:cNvPr id="3" name="Subtitle 2"/>
-          <p:cNvSpPr>
-            <a:spLocks noGrp="1"/>
-          </p:cNvSpPr>
-          <p:nvPr>
-            <p:ph type="subTitle" idx="1"/>
-          </p:nvPr>
-        </p:nvSpPr>
-        <p:spPr/>
-        <p:txBody>
-          <a:bodyPr/>
-          <a:lstStyle/>
-          <a:p>
-            <a:endParaRPr lang="en-US" dirty="0"/>
           </a:p>
         </p:txBody>
       </p:sp>
@@ -4269,6 +4283,350 @@
           </a:extLst>
         </p:spPr>
       </p:pic>
+      <p:sp>
+        <p:nvSpPr>
+          <p:cNvPr id="5" name="Subtitle 2"/>
+          <p:cNvSpPr>
+            <a:spLocks noGrp="1"/>
+          </p:cNvSpPr>
+          <p:nvPr>
+            <p:ph type="subTitle" idx="1"/>
+          </p:nvPr>
+        </p:nvSpPr>
+        <p:spPr>
+          <a:xfrm>
+            <a:off x="1102028" y="2438400"/>
+            <a:ext cx="6400800" cy="3048000"/>
+          </a:xfrm>
+        </p:spPr>
+        <p:txBody>
+          <a:bodyPr>
+            <a:normAutofit/>
+          </a:bodyPr>
+          <a:lstStyle/>
+          <a:p>
+            <a:pPr algn="l"/>
+            <a:r>
+              <a:rPr lang="en-US" dirty="0" smtClean="0">
+                <a:solidFill>
+                  <a:schemeClr val="tx1"/>
+                </a:solidFill>
+              </a:rPr>
+              <a:t>Group member :</a:t>
+            </a:r>
+          </a:p>
+          <a:p>
+            <a:pPr marL="285750" indent="-285750" algn="l">
+              <a:buFont typeface="Arial" pitchFamily="34" charset="0"/>
+              <a:buChar char="•"/>
+            </a:pPr>
+            <a:r>
+              <a:rPr lang="en-US" sz="2400" dirty="0" err="1">
+                <a:solidFill>
+                  <a:schemeClr val="tx1"/>
+                </a:solidFill>
+              </a:rPr>
+              <a:t>Nguyễn</a:t>
+            </a:r>
+            <a:r>
+              <a:rPr lang="en-US" sz="2400" dirty="0">
+                <a:solidFill>
+                  <a:schemeClr val="tx1"/>
+                </a:solidFill>
+              </a:rPr>
+              <a:t> </a:t>
+            </a:r>
+            <a:r>
+              <a:rPr lang="en-US" sz="2400" dirty="0" err="1">
+                <a:solidFill>
+                  <a:schemeClr val="tx1"/>
+                </a:solidFill>
+              </a:rPr>
+              <a:t>Sơn</a:t>
+            </a:r>
+            <a:r>
+              <a:rPr lang="en-US" sz="2400" dirty="0">
+                <a:solidFill>
+                  <a:schemeClr val="tx1"/>
+                </a:solidFill>
+              </a:rPr>
+              <a:t> </a:t>
+            </a:r>
+            <a:r>
+              <a:rPr lang="en-US" sz="2400" dirty="0" err="1">
+                <a:solidFill>
+                  <a:schemeClr val="tx1"/>
+                </a:solidFill>
+              </a:rPr>
+              <a:t>Trường</a:t>
+            </a:r>
+            <a:r>
+              <a:rPr lang="en-US" sz="2400" dirty="0">
+                <a:solidFill>
+                  <a:schemeClr val="tx1"/>
+                </a:solidFill>
+              </a:rPr>
+              <a:t> – Team Leader – 60466</a:t>
+            </a:r>
+          </a:p>
+          <a:p>
+            <a:pPr marL="285750" indent="-285750" algn="l">
+              <a:buFont typeface="Arial" pitchFamily="34" charset="0"/>
+              <a:buChar char="•"/>
+            </a:pPr>
+            <a:r>
+              <a:rPr lang="en-US" sz="2400" dirty="0" err="1">
+                <a:solidFill>
+                  <a:schemeClr val="tx1"/>
+                </a:solidFill>
+              </a:rPr>
+              <a:t>Nguyễn</a:t>
+            </a:r>
+            <a:r>
+              <a:rPr lang="en-US" sz="2400" dirty="0">
+                <a:solidFill>
+                  <a:schemeClr val="tx1"/>
+                </a:solidFill>
+              </a:rPr>
+              <a:t> </a:t>
+            </a:r>
+            <a:r>
+              <a:rPr lang="en-US" sz="2400" dirty="0" err="1">
+                <a:solidFill>
+                  <a:schemeClr val="tx1"/>
+                </a:solidFill>
+              </a:rPr>
+              <a:t>Lương</a:t>
+            </a:r>
+            <a:r>
+              <a:rPr lang="en-US" sz="2400" dirty="0">
+                <a:solidFill>
+                  <a:schemeClr val="tx1"/>
+                </a:solidFill>
+              </a:rPr>
+              <a:t> </a:t>
+            </a:r>
+            <a:r>
+              <a:rPr lang="en-US" sz="2400" dirty="0" err="1">
+                <a:solidFill>
+                  <a:schemeClr val="tx1"/>
+                </a:solidFill>
+              </a:rPr>
+              <a:t>Hải</a:t>
+            </a:r>
+            <a:r>
+              <a:rPr lang="en-US" sz="2400" dirty="0">
+                <a:solidFill>
+                  <a:schemeClr val="tx1"/>
+                </a:solidFill>
+              </a:rPr>
+              <a:t> – Member – 60335</a:t>
+            </a:r>
+          </a:p>
+          <a:p>
+            <a:pPr marL="285750" indent="-285750" algn="l">
+              <a:buFont typeface="Arial" pitchFamily="34" charset="0"/>
+              <a:buChar char="•"/>
+            </a:pPr>
+            <a:r>
+              <a:rPr lang="en-US" sz="2400" dirty="0" err="1">
+                <a:solidFill>
+                  <a:schemeClr val="tx1"/>
+                </a:solidFill>
+              </a:rPr>
+              <a:t>Nguyễn</a:t>
+            </a:r>
+            <a:r>
+              <a:rPr lang="en-US" sz="2400" dirty="0">
+                <a:solidFill>
+                  <a:schemeClr val="tx1"/>
+                </a:solidFill>
+              </a:rPr>
+              <a:t> </a:t>
+            </a:r>
+            <a:r>
+              <a:rPr lang="en-US" sz="2400" dirty="0" err="1">
+                <a:solidFill>
+                  <a:schemeClr val="tx1"/>
+                </a:solidFill>
+              </a:rPr>
+              <a:t>Thị</a:t>
+            </a:r>
+            <a:r>
+              <a:rPr lang="en-US" sz="2400" dirty="0">
+                <a:solidFill>
+                  <a:schemeClr val="tx1"/>
+                </a:solidFill>
+              </a:rPr>
+              <a:t> </a:t>
+            </a:r>
+            <a:r>
+              <a:rPr lang="en-US" sz="2400" dirty="0" err="1">
+                <a:solidFill>
+                  <a:schemeClr val="tx1"/>
+                </a:solidFill>
+              </a:rPr>
+              <a:t>Bích</a:t>
+            </a:r>
+            <a:r>
+              <a:rPr lang="en-US" sz="2400" dirty="0">
+                <a:solidFill>
+                  <a:schemeClr val="tx1"/>
+                </a:solidFill>
+              </a:rPr>
+              <a:t> </a:t>
+            </a:r>
+            <a:r>
+              <a:rPr lang="en-US" sz="2400" dirty="0" err="1">
+                <a:solidFill>
+                  <a:schemeClr val="tx1"/>
+                </a:solidFill>
+              </a:rPr>
+              <a:t>Trâm</a:t>
+            </a:r>
+            <a:r>
+              <a:rPr lang="en-US" sz="2400" dirty="0">
+                <a:solidFill>
+                  <a:schemeClr val="tx1"/>
+                </a:solidFill>
+              </a:rPr>
+              <a:t> – Member – 60156</a:t>
+            </a:r>
+          </a:p>
+          <a:p>
+            <a:pPr marL="285750" indent="-285750" algn="l">
+              <a:buFont typeface="Arial" pitchFamily="34" charset="0"/>
+              <a:buChar char="•"/>
+            </a:pPr>
+            <a:r>
+              <a:rPr lang="en-US" sz="2400" dirty="0" err="1">
+                <a:solidFill>
+                  <a:schemeClr val="tx1"/>
+                </a:solidFill>
+              </a:rPr>
+              <a:t>Nguyễn</a:t>
+            </a:r>
+            <a:r>
+              <a:rPr lang="en-US" sz="2400" dirty="0">
+                <a:solidFill>
+                  <a:schemeClr val="tx1"/>
+                </a:solidFill>
+              </a:rPr>
+              <a:t> </a:t>
+            </a:r>
+            <a:r>
+              <a:rPr lang="en-US" sz="2400" dirty="0" err="1">
+                <a:solidFill>
+                  <a:schemeClr val="tx1"/>
+                </a:solidFill>
+              </a:rPr>
+              <a:t>Ngọc</a:t>
+            </a:r>
+            <a:r>
+              <a:rPr lang="en-US" sz="2400" dirty="0">
+                <a:solidFill>
+                  <a:schemeClr val="tx1"/>
+                </a:solidFill>
+              </a:rPr>
+              <a:t> </a:t>
+            </a:r>
+            <a:r>
+              <a:rPr lang="en-US" sz="2400" dirty="0" err="1">
+                <a:solidFill>
+                  <a:schemeClr val="tx1"/>
+                </a:solidFill>
+              </a:rPr>
+              <a:t>Sơn</a:t>
+            </a:r>
+            <a:r>
+              <a:rPr lang="en-US" sz="2400" dirty="0">
+                <a:solidFill>
+                  <a:schemeClr val="tx1"/>
+                </a:solidFill>
+              </a:rPr>
+              <a:t> – Member – </a:t>
+            </a:r>
+            <a:r>
+              <a:rPr lang="en-US" sz="2400" dirty="0" smtClean="0">
+                <a:solidFill>
+                  <a:schemeClr val="tx1"/>
+                </a:solidFill>
+              </a:rPr>
+              <a:t>60409</a:t>
+            </a:r>
+          </a:p>
+          <a:p>
+            <a:pPr algn="l"/>
+            <a:r>
+              <a:rPr lang="en-US" dirty="0">
+                <a:solidFill>
+                  <a:schemeClr val="tx1"/>
+                </a:solidFill>
+              </a:rPr>
+              <a:t>Supervisor </a:t>
+            </a:r>
+            <a:r>
+              <a:rPr lang="en-US" dirty="0" smtClean="0">
+                <a:solidFill>
+                  <a:schemeClr val="tx1"/>
+                </a:solidFill>
+              </a:rPr>
+              <a:t>:</a:t>
+            </a:r>
+          </a:p>
+          <a:p>
+            <a:pPr marL="285750" indent="-285750" algn="l">
+              <a:buFont typeface="Arial" pitchFamily="34" charset="0"/>
+              <a:buChar char="•"/>
+            </a:pPr>
+            <a:r>
+              <a:rPr lang="en-US" sz="2400" dirty="0" err="1">
+                <a:solidFill>
+                  <a:schemeClr val="tx1"/>
+                </a:solidFill>
+              </a:rPr>
+              <a:t>Kiều</a:t>
+            </a:r>
+            <a:r>
+              <a:rPr lang="en-US" sz="2400" dirty="0">
+                <a:solidFill>
+                  <a:schemeClr val="tx1"/>
+                </a:solidFill>
+              </a:rPr>
+              <a:t> </a:t>
+            </a:r>
+            <a:r>
+              <a:rPr lang="en-US" sz="2400" dirty="0" err="1">
+                <a:solidFill>
+                  <a:schemeClr val="tx1"/>
+                </a:solidFill>
+              </a:rPr>
+              <a:t>Trọng</a:t>
+            </a:r>
+            <a:r>
+              <a:rPr lang="en-US" sz="2400" dirty="0">
+                <a:solidFill>
+                  <a:schemeClr val="tx1"/>
+                </a:solidFill>
+              </a:rPr>
+              <a:t> </a:t>
+            </a:r>
+            <a:r>
+              <a:rPr lang="en-US" sz="2400" dirty="0" err="1" smtClean="0">
+                <a:solidFill>
+                  <a:schemeClr val="tx1"/>
+                </a:solidFill>
+              </a:rPr>
+              <a:t>Khánh</a:t>
+            </a:r>
+            <a:endParaRPr lang="en-US" sz="2400" dirty="0" smtClean="0">
+              <a:solidFill>
+                <a:schemeClr val="tx1"/>
+              </a:solidFill>
+            </a:endParaRPr>
+          </a:p>
+        </p:txBody>
+      </p:sp>
     </p:spTree>
     <p:extLst>
       <p:ext uri="{BB962C8B-B14F-4D97-AF65-F5344CB8AC3E}">
@@ -4321,8 +4679,8 @@
         </p:nvSpPr>
         <p:spPr>
           <a:xfrm>
-            <a:off x="1371600" y="2133600"/>
-            <a:ext cx="6400800" cy="3505200"/>
+            <a:off x="1219200" y="3733800"/>
+            <a:ext cx="1780540" cy="452439"/>
           </a:xfrm>
         </p:spPr>
         <p:txBody>
@@ -4331,51 +4689,45 @@
           </a:bodyPr>
           <a:lstStyle/>
           <a:p>
-            <a:pPr algn="l" fontAlgn="base"/>
-            <a:endParaRPr lang="en-US" sz="2000" dirty="0">
-              <a:solidFill>
-                <a:schemeClr val="tx1"/>
-              </a:solidFill>
+            <a:pPr fontAlgn="base"/>
+            <a:r>
+              <a:rPr lang="en-US" sz="2400" dirty="0"/>
+              <a:t>Eclipse Indigo</a:t>
+            </a:r>
+            <a:endParaRPr lang="en-US" sz="2400" spc="-150" dirty="0">
+              <a:ln w="3175">
+                <a:noFill/>
+              </a:ln>
+              <a:gradFill flip="none" rotWithShape="1">
+                <a:gsLst>
+                  <a:gs pos="0">
+                    <a:srgbClr val="FFFFB9"/>
+                  </a:gs>
+                  <a:gs pos="36000">
+                    <a:srgbClr val="FFFF99"/>
+                  </a:gs>
+                  <a:gs pos="86000">
+                    <a:srgbClr val="F6AE1E"/>
+                  </a:gs>
+                </a:gsLst>
+                <a:lin ang="5400000" scaled="0"/>
+                <a:tileRect/>
+              </a:gradFill>
+              <a:effectLst>
+                <a:glow>
+                  <a:srgbClr val="000000"/>
+                </a:glow>
+                <a:outerShdw sx="0" sy="0">
+                  <a:srgbClr val="000000"/>
+                </a:outerShdw>
+                <a:reflection stA="0" endPos="0" fadeDir="0" sx="0" sy="0"/>
+              </a:effectLst>
+              <a:latin typeface="+mj-lt"/>
+              <a:cs typeface="Arial" charset="0"/>
             </a:endParaRPr>
           </a:p>
         </p:txBody>
       </p:sp>
-      <p:pic>
-        <p:nvPicPr>
-          <p:cNvPr id="6" name="Picture 5" descr="ScrumCycle"/>
-          <p:cNvPicPr/>
-          <p:nvPr/>
-        </p:nvPicPr>
-        <p:blipFill rotWithShape="1">
-          <a:blip r:embed="rId2">
-            <a:extLst>
-              <a:ext uri="{28A0092B-C50C-407E-A947-70E740481C1C}">
-                <a14:useLocalDpi xmlns:a14="http://schemas.microsoft.com/office/drawing/2010/main" val="0"/>
-              </a:ext>
-            </a:extLst>
-          </a:blip>
-          <a:srcRect t="-685"/>
-          <a:stretch/>
-        </p:blipFill>
-        <p:spPr bwMode="auto">
-          <a:xfrm>
-            <a:off x="914400" y="1676400"/>
-            <a:ext cx="7257697" cy="3966210"/>
-          </a:xfrm>
-          <a:prstGeom prst="rect">
-            <a:avLst/>
-          </a:prstGeom>
-          <a:noFill/>
-          <a:ln>
-            <a:noFill/>
-          </a:ln>
-          <a:extLst>
-            <a:ext uri="{53640926-AAD7-44D8-BBD7-CCE9431645EC}">
-              <a14:shadowObscured xmlns:a14="http://schemas.microsoft.com/office/drawing/2010/main"/>
-            </a:ext>
-          </a:extLst>
-        </p:spPr>
-      </p:pic>
       <p:sp>
         <p:nvSpPr>
           <p:cNvPr id="2" name="Title 1"/>
@@ -4408,7 +4760,7 @@
                   <a:reflection stA="0" endPos="0" fadeDir="0" sx="0" sy="0"/>
                 </a:effectLst>
               </a:rPr>
-              <a:t>Software Process Model</a:t>
+              <a:t>Tools And Techniques</a:t>
             </a:r>
             <a:endParaRPr lang="en-US" dirty="0"/>
           </a:p>
@@ -4416,14 +4768,1377 @@
       </p:sp>
       <p:pic>
         <p:nvPicPr>
-          <p:cNvPr id="5" name="Picture 2" descr="F:\workspace\Capstone Project\logo fpt university.jpg"/>
+          <p:cNvPr id="2050" name="Picture 2" descr="F:\workspace\Capstone Project\eclipse.png"/>
           <p:cNvPicPr>
             <a:picLocks noChangeAspect="1" noChangeArrowheads="1"/>
           </p:cNvPicPr>
           <p:nvPr/>
         </p:nvPicPr>
         <p:blipFill>
-          <a:blip r:embed="rId3" cstate="print">
+          <a:blip r:embed="rId2">
+            <a:extLst>
+              <a:ext uri="{28A0092B-C50C-407E-A947-70E740481C1C}">
+                <a14:useLocalDpi xmlns:a14="http://schemas.microsoft.com/office/drawing/2010/main" val="0"/>
+              </a:ext>
+            </a:extLst>
+          </a:blip>
+          <a:srcRect/>
+          <a:stretch>
+            <a:fillRect/>
+          </a:stretch>
+        </p:blipFill>
+        <p:spPr bwMode="auto">
+          <a:xfrm>
+            <a:off x="1447800" y="2438400"/>
+            <a:ext cx="1295400" cy="1295400"/>
+          </a:xfrm>
+          <a:prstGeom prst="rect">
+            <a:avLst/>
+          </a:prstGeom>
+          <a:noFill/>
+          <a:extLst>
+            <a:ext uri="{909E8E84-426E-40DD-AFC4-6F175D3DCCD1}">
+              <a14:hiddenFill xmlns:a14="http://schemas.microsoft.com/office/drawing/2010/main">
+                <a:solidFill>
+                  <a:srgbClr val="FFFFFF"/>
+                </a:solidFill>
+              </a14:hiddenFill>
+            </a:ext>
+          </a:extLst>
+        </p:spPr>
+      </p:pic>
+      <p:pic>
+        <p:nvPicPr>
+          <p:cNvPr id="2051" name="Picture 3" descr="F:\workspace\Capstone Project\apache-tomcat-icon.png"/>
+          <p:cNvPicPr>
+            <a:picLocks noChangeAspect="1" noChangeArrowheads="1"/>
+          </p:cNvPicPr>
+          <p:nvPr/>
+        </p:nvPicPr>
+        <p:blipFill>
+          <a:blip r:embed="rId3">
+            <a:extLst>
+              <a:ext uri="{28A0092B-C50C-407E-A947-70E740481C1C}">
+                <a14:useLocalDpi xmlns:a14="http://schemas.microsoft.com/office/drawing/2010/main" val="0"/>
+              </a:ext>
+            </a:extLst>
+          </a:blip>
+          <a:srcRect/>
+          <a:stretch>
+            <a:fillRect/>
+          </a:stretch>
+        </p:blipFill>
+        <p:spPr bwMode="auto">
+          <a:xfrm>
+            <a:off x="3733800" y="2400300"/>
+            <a:ext cx="1219200" cy="1219200"/>
+          </a:xfrm>
+          <a:prstGeom prst="rect">
+            <a:avLst/>
+          </a:prstGeom>
+          <a:noFill/>
+          <a:extLst>
+            <a:ext uri="{909E8E84-426E-40DD-AFC4-6F175D3DCCD1}">
+              <a14:hiddenFill xmlns:a14="http://schemas.microsoft.com/office/drawing/2010/main">
+                <a:solidFill>
+                  <a:srgbClr val="FFFFFF"/>
+                </a:solidFill>
+              </a14:hiddenFill>
+            </a:ext>
+          </a:extLst>
+        </p:spPr>
+      </p:pic>
+      <p:pic>
+        <p:nvPicPr>
+          <p:cNvPr id="2052" name="Picture 4" descr="F:\workspace\Capstone Project\434mysql-centos-6.png"/>
+          <p:cNvPicPr>
+            <a:picLocks noChangeAspect="1" noChangeArrowheads="1"/>
+          </p:cNvPicPr>
+          <p:nvPr/>
+        </p:nvPicPr>
+        <p:blipFill>
+          <a:blip r:embed="rId4">
+            <a:extLst>
+              <a:ext uri="{28A0092B-C50C-407E-A947-70E740481C1C}">
+                <a14:useLocalDpi xmlns:a14="http://schemas.microsoft.com/office/drawing/2010/main" val="0"/>
+              </a:ext>
+            </a:extLst>
+          </a:blip>
+          <a:srcRect/>
+          <a:stretch>
+            <a:fillRect/>
+          </a:stretch>
+        </p:blipFill>
+        <p:spPr bwMode="auto">
+          <a:xfrm>
+            <a:off x="5562600" y="2477669"/>
+            <a:ext cx="2057400" cy="1064462"/>
+          </a:xfrm>
+          <a:prstGeom prst="rect">
+            <a:avLst/>
+          </a:prstGeom>
+          <a:noFill/>
+          <a:extLst>
+            <a:ext uri="{909E8E84-426E-40DD-AFC4-6F175D3DCCD1}">
+              <a14:hiddenFill xmlns:a14="http://schemas.microsoft.com/office/drawing/2010/main">
+                <a:solidFill>
+                  <a:srgbClr val="FFFFFF"/>
+                </a:solidFill>
+              </a14:hiddenFill>
+            </a:ext>
+          </a:extLst>
+        </p:spPr>
+      </p:pic>
+      <p:pic>
+        <p:nvPicPr>
+          <p:cNvPr id="2053" name="Picture 5" descr="F:\workspace\Capstone Project\host-codes-googlecode.png"/>
+          <p:cNvPicPr>
+            <a:picLocks noChangeAspect="1" noChangeArrowheads="1"/>
+          </p:cNvPicPr>
+          <p:nvPr/>
+        </p:nvPicPr>
+        <p:blipFill>
+          <a:blip r:embed="rId5">
+            <a:extLst>
+              <a:ext uri="{28A0092B-C50C-407E-A947-70E740481C1C}">
+                <a14:useLocalDpi xmlns:a14="http://schemas.microsoft.com/office/drawing/2010/main" val="0"/>
+              </a:ext>
+            </a:extLst>
+          </a:blip>
+          <a:srcRect/>
+          <a:stretch>
+            <a:fillRect/>
+          </a:stretch>
+        </p:blipFill>
+        <p:spPr bwMode="auto">
+          <a:xfrm>
+            <a:off x="2341880" y="4043361"/>
+            <a:ext cx="2489200" cy="1866900"/>
+          </a:xfrm>
+          <a:prstGeom prst="rect">
+            <a:avLst/>
+          </a:prstGeom>
+          <a:noFill/>
+          <a:extLst>
+            <a:ext uri="{909E8E84-426E-40DD-AFC4-6F175D3DCCD1}">
+              <a14:hiddenFill xmlns:a14="http://schemas.microsoft.com/office/drawing/2010/main">
+                <a:solidFill>
+                  <a:srgbClr val="FFFFFF"/>
+                </a:solidFill>
+              </a14:hiddenFill>
+            </a:ext>
+          </a:extLst>
+        </p:spPr>
+      </p:pic>
+      <p:pic>
+        <p:nvPicPr>
+          <p:cNvPr id="2054" name="Picture 6" descr="F:\workspace\Capstone Project\88b0f6faebe7058023e324149b60f069.png"/>
+          <p:cNvPicPr>
+            <a:picLocks noChangeAspect="1" noChangeArrowheads="1"/>
+          </p:cNvPicPr>
+          <p:nvPr/>
+        </p:nvPicPr>
+        <p:blipFill>
+          <a:blip r:embed="rId6">
+            <a:extLst>
+              <a:ext uri="{28A0092B-C50C-407E-A947-70E740481C1C}">
+                <a14:useLocalDpi xmlns:a14="http://schemas.microsoft.com/office/drawing/2010/main" val="0"/>
+              </a:ext>
+            </a:extLst>
+          </a:blip>
+          <a:srcRect/>
+          <a:stretch>
+            <a:fillRect/>
+          </a:stretch>
+        </p:blipFill>
+        <p:spPr bwMode="auto">
+          <a:xfrm>
+            <a:off x="5576886" y="4043361"/>
+            <a:ext cx="1571625" cy="1571625"/>
+          </a:xfrm>
+          <a:prstGeom prst="rect">
+            <a:avLst/>
+          </a:prstGeom>
+          <a:noFill/>
+          <a:extLst>
+            <a:ext uri="{909E8E84-426E-40DD-AFC4-6F175D3DCCD1}">
+              <a14:hiddenFill xmlns:a14="http://schemas.microsoft.com/office/drawing/2010/main">
+                <a:solidFill>
+                  <a:srgbClr val="FFFFFF"/>
+                </a:solidFill>
+              </a14:hiddenFill>
+            </a:ext>
+          </a:extLst>
+        </p:spPr>
+      </p:pic>
+      <p:sp>
+        <p:nvSpPr>
+          <p:cNvPr id="11" name="Subtitle 2"/>
+          <p:cNvSpPr txBox="1">
+            <a:spLocks/>
+          </p:cNvSpPr>
+          <p:nvPr/>
+        </p:nvSpPr>
+        <p:spPr>
+          <a:xfrm>
+            <a:off x="1524000" y="1828800"/>
+            <a:ext cx="1219200" cy="609600"/>
+          </a:xfrm>
+          <a:prstGeom prst="rect">
+            <a:avLst/>
+          </a:prstGeom>
+        </p:spPr>
+        <p:txBody>
+          <a:bodyPr vert="horz" lIns="0" tIns="0" rIns="0" bIns="0" rtlCol="0">
+            <a:normAutofit/>
+          </a:bodyPr>
+          <a:lstStyle>
+            <a:lvl1pPr marL="0" indent="0" algn="l" defTabSz="914363" rtl="0" eaLnBrk="1" latinLnBrk="0" hangingPunct="1">
+              <a:lnSpc>
+                <a:spcPct val="90000"/>
+              </a:lnSpc>
+              <a:spcBef>
+                <a:spcPts val="0"/>
+              </a:spcBef>
+              <a:buFontTx/>
+              <a:buNone/>
+              <a:defRPr sz="3200" kern="1200">
+                <a:solidFill>
+                  <a:schemeClr val="tx1">
+                    <a:tint val="75000"/>
+                  </a:schemeClr>
+                </a:solidFill>
+                <a:latin typeface="+mn-lt"/>
+                <a:ea typeface="+mn-ea"/>
+                <a:cs typeface="+mn-cs"/>
+              </a:defRPr>
+            </a:lvl1pPr>
+            <a:lvl2pPr marL="457182" indent="0" algn="ctr" defTabSz="914363" rtl="0" eaLnBrk="1" latinLnBrk="0" hangingPunct="1">
+              <a:lnSpc>
+                <a:spcPct val="90000"/>
+              </a:lnSpc>
+              <a:spcBef>
+                <a:spcPct val="20000"/>
+              </a:spcBef>
+              <a:buFontTx/>
+              <a:buNone/>
+              <a:defRPr sz="2800" kern="1200">
+                <a:solidFill>
+                  <a:schemeClr val="tx1">
+                    <a:tint val="75000"/>
+                  </a:schemeClr>
+                </a:solidFill>
+                <a:latin typeface="+mn-lt"/>
+                <a:ea typeface="+mn-ea"/>
+                <a:cs typeface="+mn-cs"/>
+              </a:defRPr>
+            </a:lvl2pPr>
+            <a:lvl3pPr marL="914363" indent="0" algn="ctr" defTabSz="914363" rtl="0" eaLnBrk="1" latinLnBrk="0" hangingPunct="1">
+              <a:lnSpc>
+                <a:spcPct val="90000"/>
+              </a:lnSpc>
+              <a:spcBef>
+                <a:spcPct val="20000"/>
+              </a:spcBef>
+              <a:buFontTx/>
+              <a:buNone/>
+              <a:defRPr sz="2400" kern="1200">
+                <a:solidFill>
+                  <a:schemeClr val="tx1">
+                    <a:tint val="75000"/>
+                  </a:schemeClr>
+                </a:solidFill>
+                <a:latin typeface="+mn-lt"/>
+                <a:ea typeface="+mn-ea"/>
+                <a:cs typeface="+mn-cs"/>
+              </a:defRPr>
+            </a:lvl3pPr>
+            <a:lvl4pPr marL="1371545" indent="0" algn="ctr" defTabSz="914363" rtl="0" eaLnBrk="1" latinLnBrk="0" hangingPunct="1">
+              <a:lnSpc>
+                <a:spcPct val="90000"/>
+              </a:lnSpc>
+              <a:spcBef>
+                <a:spcPct val="20000"/>
+              </a:spcBef>
+              <a:buFontTx/>
+              <a:buNone/>
+              <a:defRPr sz="2400" kern="1200">
+                <a:solidFill>
+                  <a:schemeClr val="tx1">
+                    <a:tint val="75000"/>
+                  </a:schemeClr>
+                </a:solidFill>
+                <a:latin typeface="+mn-lt"/>
+                <a:ea typeface="+mn-ea"/>
+                <a:cs typeface="+mn-cs"/>
+              </a:defRPr>
+            </a:lvl4pPr>
+            <a:lvl5pPr marL="1828727" indent="0" algn="ctr" defTabSz="914363" rtl="0" eaLnBrk="1" latinLnBrk="0" hangingPunct="1">
+              <a:lnSpc>
+                <a:spcPct val="90000"/>
+              </a:lnSpc>
+              <a:spcBef>
+                <a:spcPct val="20000"/>
+              </a:spcBef>
+              <a:buFontTx/>
+              <a:buNone/>
+              <a:defRPr sz="2400" kern="1200">
+                <a:solidFill>
+                  <a:schemeClr val="tx1">
+                    <a:tint val="75000"/>
+                  </a:schemeClr>
+                </a:solidFill>
+                <a:latin typeface="+mn-lt"/>
+                <a:ea typeface="+mn-ea"/>
+                <a:cs typeface="+mn-cs"/>
+              </a:defRPr>
+            </a:lvl5pPr>
+            <a:lvl6pPr marL="2285909" indent="0" algn="ctr" defTabSz="914363" rtl="0" eaLnBrk="1" latinLnBrk="0" hangingPunct="1">
+              <a:spcBef>
+                <a:spcPct val="20000"/>
+              </a:spcBef>
+              <a:buFont typeface="Arial" pitchFamily="34" charset="0"/>
+              <a:buNone/>
+              <a:defRPr sz="2000" kern="1200">
+                <a:solidFill>
+                  <a:schemeClr val="tx1">
+                    <a:tint val="75000"/>
+                  </a:schemeClr>
+                </a:solidFill>
+                <a:latin typeface="+mn-lt"/>
+                <a:ea typeface="+mn-ea"/>
+                <a:cs typeface="+mn-cs"/>
+              </a:defRPr>
+            </a:lvl6pPr>
+            <a:lvl7pPr marL="2743090" indent="0" algn="ctr" defTabSz="914363" rtl="0" eaLnBrk="1" latinLnBrk="0" hangingPunct="1">
+              <a:spcBef>
+                <a:spcPct val="20000"/>
+              </a:spcBef>
+              <a:buFont typeface="Arial" pitchFamily="34" charset="0"/>
+              <a:buNone/>
+              <a:defRPr sz="2000" kern="1200">
+                <a:solidFill>
+                  <a:schemeClr val="tx1">
+                    <a:tint val="75000"/>
+                  </a:schemeClr>
+                </a:solidFill>
+                <a:latin typeface="+mn-lt"/>
+                <a:ea typeface="+mn-ea"/>
+                <a:cs typeface="+mn-cs"/>
+              </a:defRPr>
+            </a:lvl7pPr>
+            <a:lvl8pPr marL="3200272" indent="0" algn="ctr" defTabSz="914363" rtl="0" eaLnBrk="1" latinLnBrk="0" hangingPunct="1">
+              <a:spcBef>
+                <a:spcPct val="20000"/>
+              </a:spcBef>
+              <a:buFont typeface="Arial" pitchFamily="34" charset="0"/>
+              <a:buNone/>
+              <a:defRPr sz="2000" kern="1200">
+                <a:solidFill>
+                  <a:schemeClr val="tx1">
+                    <a:tint val="75000"/>
+                  </a:schemeClr>
+                </a:solidFill>
+                <a:latin typeface="+mn-lt"/>
+                <a:ea typeface="+mn-ea"/>
+                <a:cs typeface="+mn-cs"/>
+              </a:defRPr>
+            </a:lvl8pPr>
+            <a:lvl9pPr marL="3657454" indent="0" algn="ctr" defTabSz="914363" rtl="0" eaLnBrk="1" latinLnBrk="0" hangingPunct="1">
+              <a:spcBef>
+                <a:spcPct val="20000"/>
+              </a:spcBef>
+              <a:buFont typeface="Arial" pitchFamily="34" charset="0"/>
+              <a:buNone/>
+              <a:defRPr sz="2000" kern="1200">
+                <a:solidFill>
+                  <a:schemeClr val="tx1">
+                    <a:tint val="75000"/>
+                  </a:schemeClr>
+                </a:solidFill>
+                <a:latin typeface="+mn-lt"/>
+                <a:ea typeface="+mn-ea"/>
+                <a:cs typeface="+mn-cs"/>
+              </a:defRPr>
+            </a:lvl9pPr>
+          </a:lstStyle>
+          <a:p>
+            <a:pPr fontAlgn="base"/>
+            <a:r>
+              <a:rPr lang="en-US" sz="3600" spc="-150" smtClean="0">
+                <a:ln w="3175">
+                  <a:noFill/>
+                </a:ln>
+                <a:gradFill flip="none" rotWithShape="1">
+                  <a:gsLst>
+                    <a:gs pos="0">
+                      <a:srgbClr val="FFFFB9"/>
+                    </a:gs>
+                    <a:gs pos="36000">
+                      <a:srgbClr val="FFFF99"/>
+                    </a:gs>
+                    <a:gs pos="86000">
+                      <a:srgbClr val="F6AE1E"/>
+                    </a:gs>
+                  </a:gsLst>
+                  <a:lin ang="5400000" scaled="0"/>
+                  <a:tileRect/>
+                </a:gradFill>
+                <a:effectLst>
+                  <a:glow>
+                    <a:srgbClr val="000000"/>
+                  </a:glow>
+                  <a:outerShdw sx="0" sy="0">
+                    <a:srgbClr val="000000"/>
+                  </a:outerShdw>
+                  <a:reflection stA="0" endPos="0" fadeDir="0" sx="0" sy="0"/>
+                </a:effectLst>
+                <a:latin typeface="+mj-lt"/>
+                <a:cs typeface="Arial" charset="0"/>
+              </a:rPr>
+              <a:t>Tools :</a:t>
+            </a:r>
+            <a:endParaRPr lang="en-US" sz="3600" spc="-150" dirty="0">
+              <a:ln w="3175">
+                <a:noFill/>
+              </a:ln>
+              <a:gradFill flip="none" rotWithShape="1">
+                <a:gsLst>
+                  <a:gs pos="0">
+                    <a:srgbClr val="FFFFB9"/>
+                  </a:gs>
+                  <a:gs pos="36000">
+                    <a:srgbClr val="FFFF99"/>
+                  </a:gs>
+                  <a:gs pos="86000">
+                    <a:srgbClr val="F6AE1E"/>
+                  </a:gs>
+                </a:gsLst>
+                <a:lin ang="5400000" scaled="0"/>
+                <a:tileRect/>
+              </a:gradFill>
+              <a:effectLst>
+                <a:glow>
+                  <a:srgbClr val="000000"/>
+                </a:glow>
+                <a:outerShdw sx="0" sy="0">
+                  <a:srgbClr val="000000"/>
+                </a:outerShdw>
+                <a:reflection stA="0" endPos="0" fadeDir="0" sx="0" sy="0"/>
+              </a:effectLst>
+              <a:latin typeface="+mj-lt"/>
+              <a:cs typeface="Arial" charset="0"/>
+            </a:endParaRPr>
+          </a:p>
+        </p:txBody>
+      </p:sp>
+      <p:sp>
+        <p:nvSpPr>
+          <p:cNvPr id="12" name="Subtitle 2"/>
+          <p:cNvSpPr txBox="1">
+            <a:spLocks/>
+          </p:cNvSpPr>
+          <p:nvPr/>
+        </p:nvSpPr>
+        <p:spPr>
+          <a:xfrm>
+            <a:off x="3401060" y="3749040"/>
+            <a:ext cx="1780540" cy="452439"/>
+          </a:xfrm>
+          <a:prstGeom prst="rect">
+            <a:avLst/>
+          </a:prstGeom>
+        </p:spPr>
+        <p:txBody>
+          <a:bodyPr vert="horz" lIns="0" tIns="0" rIns="0" bIns="0" rtlCol="0">
+            <a:normAutofit/>
+          </a:bodyPr>
+          <a:lstStyle>
+            <a:lvl1pPr marL="0" indent="0" algn="l" defTabSz="914363" rtl="0" eaLnBrk="1" latinLnBrk="0" hangingPunct="1">
+              <a:lnSpc>
+                <a:spcPct val="90000"/>
+              </a:lnSpc>
+              <a:spcBef>
+                <a:spcPts val="0"/>
+              </a:spcBef>
+              <a:buFontTx/>
+              <a:buNone/>
+              <a:defRPr sz="3200" kern="1200">
+                <a:solidFill>
+                  <a:schemeClr val="tx1">
+                    <a:tint val="75000"/>
+                  </a:schemeClr>
+                </a:solidFill>
+                <a:latin typeface="+mn-lt"/>
+                <a:ea typeface="+mn-ea"/>
+                <a:cs typeface="+mn-cs"/>
+              </a:defRPr>
+            </a:lvl1pPr>
+            <a:lvl2pPr marL="457182" indent="0" algn="ctr" defTabSz="914363" rtl="0" eaLnBrk="1" latinLnBrk="0" hangingPunct="1">
+              <a:lnSpc>
+                <a:spcPct val="90000"/>
+              </a:lnSpc>
+              <a:spcBef>
+                <a:spcPct val="20000"/>
+              </a:spcBef>
+              <a:buFontTx/>
+              <a:buNone/>
+              <a:defRPr sz="2800" kern="1200">
+                <a:solidFill>
+                  <a:schemeClr val="tx1">
+                    <a:tint val="75000"/>
+                  </a:schemeClr>
+                </a:solidFill>
+                <a:latin typeface="+mn-lt"/>
+                <a:ea typeface="+mn-ea"/>
+                <a:cs typeface="+mn-cs"/>
+              </a:defRPr>
+            </a:lvl2pPr>
+            <a:lvl3pPr marL="914363" indent="0" algn="ctr" defTabSz="914363" rtl="0" eaLnBrk="1" latinLnBrk="0" hangingPunct="1">
+              <a:lnSpc>
+                <a:spcPct val="90000"/>
+              </a:lnSpc>
+              <a:spcBef>
+                <a:spcPct val="20000"/>
+              </a:spcBef>
+              <a:buFontTx/>
+              <a:buNone/>
+              <a:defRPr sz="2400" kern="1200">
+                <a:solidFill>
+                  <a:schemeClr val="tx1">
+                    <a:tint val="75000"/>
+                  </a:schemeClr>
+                </a:solidFill>
+                <a:latin typeface="+mn-lt"/>
+                <a:ea typeface="+mn-ea"/>
+                <a:cs typeface="+mn-cs"/>
+              </a:defRPr>
+            </a:lvl3pPr>
+            <a:lvl4pPr marL="1371545" indent="0" algn="ctr" defTabSz="914363" rtl="0" eaLnBrk="1" latinLnBrk="0" hangingPunct="1">
+              <a:lnSpc>
+                <a:spcPct val="90000"/>
+              </a:lnSpc>
+              <a:spcBef>
+                <a:spcPct val="20000"/>
+              </a:spcBef>
+              <a:buFontTx/>
+              <a:buNone/>
+              <a:defRPr sz="2400" kern="1200">
+                <a:solidFill>
+                  <a:schemeClr val="tx1">
+                    <a:tint val="75000"/>
+                  </a:schemeClr>
+                </a:solidFill>
+                <a:latin typeface="+mn-lt"/>
+                <a:ea typeface="+mn-ea"/>
+                <a:cs typeface="+mn-cs"/>
+              </a:defRPr>
+            </a:lvl4pPr>
+            <a:lvl5pPr marL="1828727" indent="0" algn="ctr" defTabSz="914363" rtl="0" eaLnBrk="1" latinLnBrk="0" hangingPunct="1">
+              <a:lnSpc>
+                <a:spcPct val="90000"/>
+              </a:lnSpc>
+              <a:spcBef>
+                <a:spcPct val="20000"/>
+              </a:spcBef>
+              <a:buFontTx/>
+              <a:buNone/>
+              <a:defRPr sz="2400" kern="1200">
+                <a:solidFill>
+                  <a:schemeClr val="tx1">
+                    <a:tint val="75000"/>
+                  </a:schemeClr>
+                </a:solidFill>
+                <a:latin typeface="+mn-lt"/>
+                <a:ea typeface="+mn-ea"/>
+                <a:cs typeface="+mn-cs"/>
+              </a:defRPr>
+            </a:lvl5pPr>
+            <a:lvl6pPr marL="2285909" indent="0" algn="ctr" defTabSz="914363" rtl="0" eaLnBrk="1" latinLnBrk="0" hangingPunct="1">
+              <a:spcBef>
+                <a:spcPct val="20000"/>
+              </a:spcBef>
+              <a:buFont typeface="Arial" pitchFamily="34" charset="0"/>
+              <a:buNone/>
+              <a:defRPr sz="2000" kern="1200">
+                <a:solidFill>
+                  <a:schemeClr val="tx1">
+                    <a:tint val="75000"/>
+                  </a:schemeClr>
+                </a:solidFill>
+                <a:latin typeface="+mn-lt"/>
+                <a:ea typeface="+mn-ea"/>
+                <a:cs typeface="+mn-cs"/>
+              </a:defRPr>
+            </a:lvl6pPr>
+            <a:lvl7pPr marL="2743090" indent="0" algn="ctr" defTabSz="914363" rtl="0" eaLnBrk="1" latinLnBrk="0" hangingPunct="1">
+              <a:spcBef>
+                <a:spcPct val="20000"/>
+              </a:spcBef>
+              <a:buFont typeface="Arial" pitchFamily="34" charset="0"/>
+              <a:buNone/>
+              <a:defRPr sz="2000" kern="1200">
+                <a:solidFill>
+                  <a:schemeClr val="tx1">
+                    <a:tint val="75000"/>
+                  </a:schemeClr>
+                </a:solidFill>
+                <a:latin typeface="+mn-lt"/>
+                <a:ea typeface="+mn-ea"/>
+                <a:cs typeface="+mn-cs"/>
+              </a:defRPr>
+            </a:lvl7pPr>
+            <a:lvl8pPr marL="3200272" indent="0" algn="ctr" defTabSz="914363" rtl="0" eaLnBrk="1" latinLnBrk="0" hangingPunct="1">
+              <a:spcBef>
+                <a:spcPct val="20000"/>
+              </a:spcBef>
+              <a:buFont typeface="Arial" pitchFamily="34" charset="0"/>
+              <a:buNone/>
+              <a:defRPr sz="2000" kern="1200">
+                <a:solidFill>
+                  <a:schemeClr val="tx1">
+                    <a:tint val="75000"/>
+                  </a:schemeClr>
+                </a:solidFill>
+                <a:latin typeface="+mn-lt"/>
+                <a:ea typeface="+mn-ea"/>
+                <a:cs typeface="+mn-cs"/>
+              </a:defRPr>
+            </a:lvl8pPr>
+            <a:lvl9pPr marL="3657454" indent="0" algn="ctr" defTabSz="914363" rtl="0" eaLnBrk="1" latinLnBrk="0" hangingPunct="1">
+              <a:spcBef>
+                <a:spcPct val="20000"/>
+              </a:spcBef>
+              <a:buFont typeface="Arial" pitchFamily="34" charset="0"/>
+              <a:buNone/>
+              <a:defRPr sz="2000" kern="1200">
+                <a:solidFill>
+                  <a:schemeClr val="tx1">
+                    <a:tint val="75000"/>
+                  </a:schemeClr>
+                </a:solidFill>
+                <a:latin typeface="+mn-lt"/>
+                <a:ea typeface="+mn-ea"/>
+                <a:cs typeface="+mn-cs"/>
+              </a:defRPr>
+            </a:lvl9pPr>
+          </a:lstStyle>
+          <a:p>
+            <a:pPr fontAlgn="base"/>
+            <a:r>
+              <a:rPr lang="en-US" sz="2400" dirty="0" smtClean="0"/>
+              <a:t>Tomcat 6.0.26</a:t>
+            </a:r>
+            <a:endParaRPr lang="en-US" sz="2400" spc="-150" dirty="0">
+              <a:ln w="3175">
+                <a:noFill/>
+              </a:ln>
+              <a:gradFill flip="none" rotWithShape="1">
+                <a:gsLst>
+                  <a:gs pos="0">
+                    <a:srgbClr val="FFFFB9"/>
+                  </a:gs>
+                  <a:gs pos="36000">
+                    <a:srgbClr val="FFFF99"/>
+                  </a:gs>
+                  <a:gs pos="86000">
+                    <a:srgbClr val="F6AE1E"/>
+                  </a:gs>
+                </a:gsLst>
+                <a:lin ang="5400000" scaled="0"/>
+                <a:tileRect/>
+              </a:gradFill>
+              <a:effectLst>
+                <a:glow>
+                  <a:srgbClr val="000000"/>
+                </a:glow>
+                <a:outerShdw sx="0" sy="0">
+                  <a:srgbClr val="000000"/>
+                </a:outerShdw>
+                <a:reflection stA="0" endPos="0" fadeDir="0" sx="0" sy="0"/>
+              </a:effectLst>
+              <a:latin typeface="+mj-lt"/>
+              <a:cs typeface="Arial" charset="0"/>
+            </a:endParaRPr>
+          </a:p>
+        </p:txBody>
+      </p:sp>
+      <p:sp>
+        <p:nvSpPr>
+          <p:cNvPr id="13" name="Subtitle 2"/>
+          <p:cNvSpPr txBox="1">
+            <a:spLocks/>
+          </p:cNvSpPr>
+          <p:nvPr/>
+        </p:nvSpPr>
+        <p:spPr>
+          <a:xfrm>
+            <a:off x="5701030" y="3733800"/>
+            <a:ext cx="1918970" cy="452439"/>
+          </a:xfrm>
+          <a:prstGeom prst="rect">
+            <a:avLst/>
+          </a:prstGeom>
+        </p:spPr>
+        <p:txBody>
+          <a:bodyPr vert="horz" lIns="0" tIns="0" rIns="0" bIns="0" rtlCol="0">
+            <a:normAutofit fontScale="92500"/>
+          </a:bodyPr>
+          <a:lstStyle>
+            <a:lvl1pPr marL="0" indent="0" algn="l" defTabSz="914363" rtl="0" eaLnBrk="1" latinLnBrk="0" hangingPunct="1">
+              <a:lnSpc>
+                <a:spcPct val="90000"/>
+              </a:lnSpc>
+              <a:spcBef>
+                <a:spcPts val="0"/>
+              </a:spcBef>
+              <a:buFontTx/>
+              <a:buNone/>
+              <a:defRPr sz="3200" kern="1200">
+                <a:solidFill>
+                  <a:schemeClr val="tx1">
+                    <a:tint val="75000"/>
+                  </a:schemeClr>
+                </a:solidFill>
+                <a:latin typeface="+mn-lt"/>
+                <a:ea typeface="+mn-ea"/>
+                <a:cs typeface="+mn-cs"/>
+              </a:defRPr>
+            </a:lvl1pPr>
+            <a:lvl2pPr marL="457182" indent="0" algn="ctr" defTabSz="914363" rtl="0" eaLnBrk="1" latinLnBrk="0" hangingPunct="1">
+              <a:lnSpc>
+                <a:spcPct val="90000"/>
+              </a:lnSpc>
+              <a:spcBef>
+                <a:spcPct val="20000"/>
+              </a:spcBef>
+              <a:buFontTx/>
+              <a:buNone/>
+              <a:defRPr sz="2800" kern="1200">
+                <a:solidFill>
+                  <a:schemeClr val="tx1">
+                    <a:tint val="75000"/>
+                  </a:schemeClr>
+                </a:solidFill>
+                <a:latin typeface="+mn-lt"/>
+                <a:ea typeface="+mn-ea"/>
+                <a:cs typeface="+mn-cs"/>
+              </a:defRPr>
+            </a:lvl2pPr>
+            <a:lvl3pPr marL="914363" indent="0" algn="ctr" defTabSz="914363" rtl="0" eaLnBrk="1" latinLnBrk="0" hangingPunct="1">
+              <a:lnSpc>
+                <a:spcPct val="90000"/>
+              </a:lnSpc>
+              <a:spcBef>
+                <a:spcPct val="20000"/>
+              </a:spcBef>
+              <a:buFontTx/>
+              <a:buNone/>
+              <a:defRPr sz="2400" kern="1200">
+                <a:solidFill>
+                  <a:schemeClr val="tx1">
+                    <a:tint val="75000"/>
+                  </a:schemeClr>
+                </a:solidFill>
+                <a:latin typeface="+mn-lt"/>
+                <a:ea typeface="+mn-ea"/>
+                <a:cs typeface="+mn-cs"/>
+              </a:defRPr>
+            </a:lvl3pPr>
+            <a:lvl4pPr marL="1371545" indent="0" algn="ctr" defTabSz="914363" rtl="0" eaLnBrk="1" latinLnBrk="0" hangingPunct="1">
+              <a:lnSpc>
+                <a:spcPct val="90000"/>
+              </a:lnSpc>
+              <a:spcBef>
+                <a:spcPct val="20000"/>
+              </a:spcBef>
+              <a:buFontTx/>
+              <a:buNone/>
+              <a:defRPr sz="2400" kern="1200">
+                <a:solidFill>
+                  <a:schemeClr val="tx1">
+                    <a:tint val="75000"/>
+                  </a:schemeClr>
+                </a:solidFill>
+                <a:latin typeface="+mn-lt"/>
+                <a:ea typeface="+mn-ea"/>
+                <a:cs typeface="+mn-cs"/>
+              </a:defRPr>
+            </a:lvl4pPr>
+            <a:lvl5pPr marL="1828727" indent="0" algn="ctr" defTabSz="914363" rtl="0" eaLnBrk="1" latinLnBrk="0" hangingPunct="1">
+              <a:lnSpc>
+                <a:spcPct val="90000"/>
+              </a:lnSpc>
+              <a:spcBef>
+                <a:spcPct val="20000"/>
+              </a:spcBef>
+              <a:buFontTx/>
+              <a:buNone/>
+              <a:defRPr sz="2400" kern="1200">
+                <a:solidFill>
+                  <a:schemeClr val="tx1">
+                    <a:tint val="75000"/>
+                  </a:schemeClr>
+                </a:solidFill>
+                <a:latin typeface="+mn-lt"/>
+                <a:ea typeface="+mn-ea"/>
+                <a:cs typeface="+mn-cs"/>
+              </a:defRPr>
+            </a:lvl5pPr>
+            <a:lvl6pPr marL="2285909" indent="0" algn="ctr" defTabSz="914363" rtl="0" eaLnBrk="1" latinLnBrk="0" hangingPunct="1">
+              <a:spcBef>
+                <a:spcPct val="20000"/>
+              </a:spcBef>
+              <a:buFont typeface="Arial" pitchFamily="34" charset="0"/>
+              <a:buNone/>
+              <a:defRPr sz="2000" kern="1200">
+                <a:solidFill>
+                  <a:schemeClr val="tx1">
+                    <a:tint val="75000"/>
+                  </a:schemeClr>
+                </a:solidFill>
+                <a:latin typeface="+mn-lt"/>
+                <a:ea typeface="+mn-ea"/>
+                <a:cs typeface="+mn-cs"/>
+              </a:defRPr>
+            </a:lvl6pPr>
+            <a:lvl7pPr marL="2743090" indent="0" algn="ctr" defTabSz="914363" rtl="0" eaLnBrk="1" latinLnBrk="0" hangingPunct="1">
+              <a:spcBef>
+                <a:spcPct val="20000"/>
+              </a:spcBef>
+              <a:buFont typeface="Arial" pitchFamily="34" charset="0"/>
+              <a:buNone/>
+              <a:defRPr sz="2000" kern="1200">
+                <a:solidFill>
+                  <a:schemeClr val="tx1">
+                    <a:tint val="75000"/>
+                  </a:schemeClr>
+                </a:solidFill>
+                <a:latin typeface="+mn-lt"/>
+                <a:ea typeface="+mn-ea"/>
+                <a:cs typeface="+mn-cs"/>
+              </a:defRPr>
+            </a:lvl7pPr>
+            <a:lvl8pPr marL="3200272" indent="0" algn="ctr" defTabSz="914363" rtl="0" eaLnBrk="1" latinLnBrk="0" hangingPunct="1">
+              <a:spcBef>
+                <a:spcPct val="20000"/>
+              </a:spcBef>
+              <a:buFont typeface="Arial" pitchFamily="34" charset="0"/>
+              <a:buNone/>
+              <a:defRPr sz="2000" kern="1200">
+                <a:solidFill>
+                  <a:schemeClr val="tx1">
+                    <a:tint val="75000"/>
+                  </a:schemeClr>
+                </a:solidFill>
+                <a:latin typeface="+mn-lt"/>
+                <a:ea typeface="+mn-ea"/>
+                <a:cs typeface="+mn-cs"/>
+              </a:defRPr>
+            </a:lvl8pPr>
+            <a:lvl9pPr marL="3657454" indent="0" algn="ctr" defTabSz="914363" rtl="0" eaLnBrk="1" latinLnBrk="0" hangingPunct="1">
+              <a:spcBef>
+                <a:spcPct val="20000"/>
+              </a:spcBef>
+              <a:buFont typeface="Arial" pitchFamily="34" charset="0"/>
+              <a:buNone/>
+              <a:defRPr sz="2000" kern="1200">
+                <a:solidFill>
+                  <a:schemeClr val="tx1">
+                    <a:tint val="75000"/>
+                  </a:schemeClr>
+                </a:solidFill>
+                <a:latin typeface="+mn-lt"/>
+                <a:ea typeface="+mn-ea"/>
+                <a:cs typeface="+mn-cs"/>
+              </a:defRPr>
+            </a:lvl9pPr>
+          </a:lstStyle>
+          <a:p>
+            <a:pPr fontAlgn="base"/>
+            <a:r>
+              <a:rPr lang="en-US" sz="2400" dirty="0" err="1" smtClean="0"/>
+              <a:t>Mysql</a:t>
+            </a:r>
+            <a:r>
+              <a:rPr lang="en-US" sz="2400" dirty="0" smtClean="0"/>
+              <a:t> Server 5.5</a:t>
+            </a:r>
+            <a:endParaRPr lang="en-US" sz="2400" spc="-150" dirty="0">
+              <a:ln w="3175">
+                <a:noFill/>
+              </a:ln>
+              <a:gradFill flip="none" rotWithShape="1">
+                <a:gsLst>
+                  <a:gs pos="0">
+                    <a:srgbClr val="FFFFB9"/>
+                  </a:gs>
+                  <a:gs pos="36000">
+                    <a:srgbClr val="FFFF99"/>
+                  </a:gs>
+                  <a:gs pos="86000">
+                    <a:srgbClr val="F6AE1E"/>
+                  </a:gs>
+                </a:gsLst>
+                <a:lin ang="5400000" scaled="0"/>
+                <a:tileRect/>
+              </a:gradFill>
+              <a:effectLst>
+                <a:glow>
+                  <a:srgbClr val="000000"/>
+                </a:glow>
+                <a:outerShdw sx="0" sy="0">
+                  <a:srgbClr val="000000"/>
+                </a:outerShdw>
+                <a:reflection stA="0" endPos="0" fadeDir="0" sx="0" sy="0"/>
+              </a:effectLst>
+              <a:latin typeface="+mj-lt"/>
+              <a:cs typeface="Arial" charset="0"/>
+            </a:endParaRPr>
+          </a:p>
+        </p:txBody>
+      </p:sp>
+      <p:sp>
+        <p:nvSpPr>
+          <p:cNvPr id="14" name="Subtitle 2"/>
+          <p:cNvSpPr txBox="1">
+            <a:spLocks/>
+          </p:cNvSpPr>
+          <p:nvPr/>
+        </p:nvSpPr>
+        <p:spPr>
+          <a:xfrm>
+            <a:off x="2709545" y="5491161"/>
+            <a:ext cx="1664335" cy="452439"/>
+          </a:xfrm>
+          <a:prstGeom prst="rect">
+            <a:avLst/>
+          </a:prstGeom>
+        </p:spPr>
+        <p:txBody>
+          <a:bodyPr vert="horz" lIns="0" tIns="0" rIns="0" bIns="0" rtlCol="0">
+            <a:normAutofit/>
+          </a:bodyPr>
+          <a:lstStyle>
+            <a:lvl1pPr marL="0" indent="0" algn="l" defTabSz="914363" rtl="0" eaLnBrk="1" latinLnBrk="0" hangingPunct="1">
+              <a:lnSpc>
+                <a:spcPct val="90000"/>
+              </a:lnSpc>
+              <a:spcBef>
+                <a:spcPts val="0"/>
+              </a:spcBef>
+              <a:buFontTx/>
+              <a:buNone/>
+              <a:defRPr sz="3200" kern="1200">
+                <a:solidFill>
+                  <a:schemeClr val="tx1">
+                    <a:tint val="75000"/>
+                  </a:schemeClr>
+                </a:solidFill>
+                <a:latin typeface="+mn-lt"/>
+                <a:ea typeface="+mn-ea"/>
+                <a:cs typeface="+mn-cs"/>
+              </a:defRPr>
+            </a:lvl1pPr>
+            <a:lvl2pPr marL="457182" indent="0" algn="ctr" defTabSz="914363" rtl="0" eaLnBrk="1" latinLnBrk="0" hangingPunct="1">
+              <a:lnSpc>
+                <a:spcPct val="90000"/>
+              </a:lnSpc>
+              <a:spcBef>
+                <a:spcPct val="20000"/>
+              </a:spcBef>
+              <a:buFontTx/>
+              <a:buNone/>
+              <a:defRPr sz="2800" kern="1200">
+                <a:solidFill>
+                  <a:schemeClr val="tx1">
+                    <a:tint val="75000"/>
+                  </a:schemeClr>
+                </a:solidFill>
+                <a:latin typeface="+mn-lt"/>
+                <a:ea typeface="+mn-ea"/>
+                <a:cs typeface="+mn-cs"/>
+              </a:defRPr>
+            </a:lvl2pPr>
+            <a:lvl3pPr marL="914363" indent="0" algn="ctr" defTabSz="914363" rtl="0" eaLnBrk="1" latinLnBrk="0" hangingPunct="1">
+              <a:lnSpc>
+                <a:spcPct val="90000"/>
+              </a:lnSpc>
+              <a:spcBef>
+                <a:spcPct val="20000"/>
+              </a:spcBef>
+              <a:buFontTx/>
+              <a:buNone/>
+              <a:defRPr sz="2400" kern="1200">
+                <a:solidFill>
+                  <a:schemeClr val="tx1">
+                    <a:tint val="75000"/>
+                  </a:schemeClr>
+                </a:solidFill>
+                <a:latin typeface="+mn-lt"/>
+                <a:ea typeface="+mn-ea"/>
+                <a:cs typeface="+mn-cs"/>
+              </a:defRPr>
+            </a:lvl3pPr>
+            <a:lvl4pPr marL="1371545" indent="0" algn="ctr" defTabSz="914363" rtl="0" eaLnBrk="1" latinLnBrk="0" hangingPunct="1">
+              <a:lnSpc>
+                <a:spcPct val="90000"/>
+              </a:lnSpc>
+              <a:spcBef>
+                <a:spcPct val="20000"/>
+              </a:spcBef>
+              <a:buFontTx/>
+              <a:buNone/>
+              <a:defRPr sz="2400" kern="1200">
+                <a:solidFill>
+                  <a:schemeClr val="tx1">
+                    <a:tint val="75000"/>
+                  </a:schemeClr>
+                </a:solidFill>
+                <a:latin typeface="+mn-lt"/>
+                <a:ea typeface="+mn-ea"/>
+                <a:cs typeface="+mn-cs"/>
+              </a:defRPr>
+            </a:lvl4pPr>
+            <a:lvl5pPr marL="1828727" indent="0" algn="ctr" defTabSz="914363" rtl="0" eaLnBrk="1" latinLnBrk="0" hangingPunct="1">
+              <a:lnSpc>
+                <a:spcPct val="90000"/>
+              </a:lnSpc>
+              <a:spcBef>
+                <a:spcPct val="20000"/>
+              </a:spcBef>
+              <a:buFontTx/>
+              <a:buNone/>
+              <a:defRPr sz="2400" kern="1200">
+                <a:solidFill>
+                  <a:schemeClr val="tx1">
+                    <a:tint val="75000"/>
+                  </a:schemeClr>
+                </a:solidFill>
+                <a:latin typeface="+mn-lt"/>
+                <a:ea typeface="+mn-ea"/>
+                <a:cs typeface="+mn-cs"/>
+              </a:defRPr>
+            </a:lvl5pPr>
+            <a:lvl6pPr marL="2285909" indent="0" algn="ctr" defTabSz="914363" rtl="0" eaLnBrk="1" latinLnBrk="0" hangingPunct="1">
+              <a:spcBef>
+                <a:spcPct val="20000"/>
+              </a:spcBef>
+              <a:buFont typeface="Arial" pitchFamily="34" charset="0"/>
+              <a:buNone/>
+              <a:defRPr sz="2000" kern="1200">
+                <a:solidFill>
+                  <a:schemeClr val="tx1">
+                    <a:tint val="75000"/>
+                  </a:schemeClr>
+                </a:solidFill>
+                <a:latin typeface="+mn-lt"/>
+                <a:ea typeface="+mn-ea"/>
+                <a:cs typeface="+mn-cs"/>
+              </a:defRPr>
+            </a:lvl6pPr>
+            <a:lvl7pPr marL="2743090" indent="0" algn="ctr" defTabSz="914363" rtl="0" eaLnBrk="1" latinLnBrk="0" hangingPunct="1">
+              <a:spcBef>
+                <a:spcPct val="20000"/>
+              </a:spcBef>
+              <a:buFont typeface="Arial" pitchFamily="34" charset="0"/>
+              <a:buNone/>
+              <a:defRPr sz="2000" kern="1200">
+                <a:solidFill>
+                  <a:schemeClr val="tx1">
+                    <a:tint val="75000"/>
+                  </a:schemeClr>
+                </a:solidFill>
+                <a:latin typeface="+mn-lt"/>
+                <a:ea typeface="+mn-ea"/>
+                <a:cs typeface="+mn-cs"/>
+              </a:defRPr>
+            </a:lvl7pPr>
+            <a:lvl8pPr marL="3200272" indent="0" algn="ctr" defTabSz="914363" rtl="0" eaLnBrk="1" latinLnBrk="0" hangingPunct="1">
+              <a:spcBef>
+                <a:spcPct val="20000"/>
+              </a:spcBef>
+              <a:buFont typeface="Arial" pitchFamily="34" charset="0"/>
+              <a:buNone/>
+              <a:defRPr sz="2000" kern="1200">
+                <a:solidFill>
+                  <a:schemeClr val="tx1">
+                    <a:tint val="75000"/>
+                  </a:schemeClr>
+                </a:solidFill>
+                <a:latin typeface="+mn-lt"/>
+                <a:ea typeface="+mn-ea"/>
+                <a:cs typeface="+mn-cs"/>
+              </a:defRPr>
+            </a:lvl8pPr>
+            <a:lvl9pPr marL="3657454" indent="0" algn="ctr" defTabSz="914363" rtl="0" eaLnBrk="1" latinLnBrk="0" hangingPunct="1">
+              <a:spcBef>
+                <a:spcPct val="20000"/>
+              </a:spcBef>
+              <a:buFont typeface="Arial" pitchFamily="34" charset="0"/>
+              <a:buNone/>
+              <a:defRPr sz="2000" kern="1200">
+                <a:solidFill>
+                  <a:schemeClr val="tx1">
+                    <a:tint val="75000"/>
+                  </a:schemeClr>
+                </a:solidFill>
+                <a:latin typeface="+mn-lt"/>
+                <a:ea typeface="+mn-ea"/>
+                <a:cs typeface="+mn-cs"/>
+              </a:defRPr>
+            </a:lvl9pPr>
+          </a:lstStyle>
+          <a:p>
+            <a:pPr fontAlgn="base"/>
+            <a:r>
+              <a:rPr lang="en-US" sz="2400" dirty="0" smtClean="0"/>
+              <a:t>Google Code</a:t>
+            </a:r>
+            <a:endParaRPr lang="en-US" sz="2400" spc="-150" dirty="0">
+              <a:ln w="3175">
+                <a:noFill/>
+              </a:ln>
+              <a:gradFill flip="none" rotWithShape="1">
+                <a:gsLst>
+                  <a:gs pos="0">
+                    <a:srgbClr val="FFFFB9"/>
+                  </a:gs>
+                  <a:gs pos="36000">
+                    <a:srgbClr val="FFFF99"/>
+                  </a:gs>
+                  <a:gs pos="86000">
+                    <a:srgbClr val="F6AE1E"/>
+                  </a:gs>
+                </a:gsLst>
+                <a:lin ang="5400000" scaled="0"/>
+                <a:tileRect/>
+              </a:gradFill>
+              <a:effectLst>
+                <a:glow>
+                  <a:srgbClr val="000000"/>
+                </a:glow>
+                <a:outerShdw sx="0" sy="0">
+                  <a:srgbClr val="000000"/>
+                </a:outerShdw>
+                <a:reflection stA="0" endPos="0" fadeDir="0" sx="0" sy="0"/>
+              </a:effectLst>
+              <a:latin typeface="+mj-lt"/>
+              <a:cs typeface="Arial" charset="0"/>
+            </a:endParaRPr>
+          </a:p>
+        </p:txBody>
+      </p:sp>
+      <p:sp>
+        <p:nvSpPr>
+          <p:cNvPr id="15" name="Subtitle 2"/>
+          <p:cNvSpPr txBox="1">
+            <a:spLocks/>
+          </p:cNvSpPr>
+          <p:nvPr/>
+        </p:nvSpPr>
+        <p:spPr>
+          <a:xfrm>
+            <a:off x="5498465" y="5457822"/>
+            <a:ext cx="1664335" cy="452439"/>
+          </a:xfrm>
+          <a:prstGeom prst="rect">
+            <a:avLst/>
+          </a:prstGeom>
+        </p:spPr>
+        <p:txBody>
+          <a:bodyPr vert="horz" lIns="0" tIns="0" rIns="0" bIns="0" rtlCol="0">
+            <a:normAutofit/>
+          </a:bodyPr>
+          <a:lstStyle>
+            <a:lvl1pPr marL="0" indent="0" algn="l" defTabSz="914363" rtl="0" eaLnBrk="1" latinLnBrk="0" hangingPunct="1">
+              <a:lnSpc>
+                <a:spcPct val="90000"/>
+              </a:lnSpc>
+              <a:spcBef>
+                <a:spcPts val="0"/>
+              </a:spcBef>
+              <a:buFontTx/>
+              <a:buNone/>
+              <a:defRPr sz="3200" kern="1200">
+                <a:solidFill>
+                  <a:schemeClr val="tx1">
+                    <a:tint val="75000"/>
+                  </a:schemeClr>
+                </a:solidFill>
+                <a:latin typeface="+mn-lt"/>
+                <a:ea typeface="+mn-ea"/>
+                <a:cs typeface="+mn-cs"/>
+              </a:defRPr>
+            </a:lvl1pPr>
+            <a:lvl2pPr marL="457182" indent="0" algn="ctr" defTabSz="914363" rtl="0" eaLnBrk="1" latinLnBrk="0" hangingPunct="1">
+              <a:lnSpc>
+                <a:spcPct val="90000"/>
+              </a:lnSpc>
+              <a:spcBef>
+                <a:spcPct val="20000"/>
+              </a:spcBef>
+              <a:buFontTx/>
+              <a:buNone/>
+              <a:defRPr sz="2800" kern="1200">
+                <a:solidFill>
+                  <a:schemeClr val="tx1">
+                    <a:tint val="75000"/>
+                  </a:schemeClr>
+                </a:solidFill>
+                <a:latin typeface="+mn-lt"/>
+                <a:ea typeface="+mn-ea"/>
+                <a:cs typeface="+mn-cs"/>
+              </a:defRPr>
+            </a:lvl2pPr>
+            <a:lvl3pPr marL="914363" indent="0" algn="ctr" defTabSz="914363" rtl="0" eaLnBrk="1" latinLnBrk="0" hangingPunct="1">
+              <a:lnSpc>
+                <a:spcPct val="90000"/>
+              </a:lnSpc>
+              <a:spcBef>
+                <a:spcPct val="20000"/>
+              </a:spcBef>
+              <a:buFontTx/>
+              <a:buNone/>
+              <a:defRPr sz="2400" kern="1200">
+                <a:solidFill>
+                  <a:schemeClr val="tx1">
+                    <a:tint val="75000"/>
+                  </a:schemeClr>
+                </a:solidFill>
+                <a:latin typeface="+mn-lt"/>
+                <a:ea typeface="+mn-ea"/>
+                <a:cs typeface="+mn-cs"/>
+              </a:defRPr>
+            </a:lvl3pPr>
+            <a:lvl4pPr marL="1371545" indent="0" algn="ctr" defTabSz="914363" rtl="0" eaLnBrk="1" latinLnBrk="0" hangingPunct="1">
+              <a:lnSpc>
+                <a:spcPct val="90000"/>
+              </a:lnSpc>
+              <a:spcBef>
+                <a:spcPct val="20000"/>
+              </a:spcBef>
+              <a:buFontTx/>
+              <a:buNone/>
+              <a:defRPr sz="2400" kern="1200">
+                <a:solidFill>
+                  <a:schemeClr val="tx1">
+                    <a:tint val="75000"/>
+                  </a:schemeClr>
+                </a:solidFill>
+                <a:latin typeface="+mn-lt"/>
+                <a:ea typeface="+mn-ea"/>
+                <a:cs typeface="+mn-cs"/>
+              </a:defRPr>
+            </a:lvl4pPr>
+            <a:lvl5pPr marL="1828727" indent="0" algn="ctr" defTabSz="914363" rtl="0" eaLnBrk="1" latinLnBrk="0" hangingPunct="1">
+              <a:lnSpc>
+                <a:spcPct val="90000"/>
+              </a:lnSpc>
+              <a:spcBef>
+                <a:spcPct val="20000"/>
+              </a:spcBef>
+              <a:buFontTx/>
+              <a:buNone/>
+              <a:defRPr sz="2400" kern="1200">
+                <a:solidFill>
+                  <a:schemeClr val="tx1">
+                    <a:tint val="75000"/>
+                  </a:schemeClr>
+                </a:solidFill>
+                <a:latin typeface="+mn-lt"/>
+                <a:ea typeface="+mn-ea"/>
+                <a:cs typeface="+mn-cs"/>
+              </a:defRPr>
+            </a:lvl5pPr>
+            <a:lvl6pPr marL="2285909" indent="0" algn="ctr" defTabSz="914363" rtl="0" eaLnBrk="1" latinLnBrk="0" hangingPunct="1">
+              <a:spcBef>
+                <a:spcPct val="20000"/>
+              </a:spcBef>
+              <a:buFont typeface="Arial" pitchFamily="34" charset="0"/>
+              <a:buNone/>
+              <a:defRPr sz="2000" kern="1200">
+                <a:solidFill>
+                  <a:schemeClr val="tx1">
+                    <a:tint val="75000"/>
+                  </a:schemeClr>
+                </a:solidFill>
+                <a:latin typeface="+mn-lt"/>
+                <a:ea typeface="+mn-ea"/>
+                <a:cs typeface="+mn-cs"/>
+              </a:defRPr>
+            </a:lvl6pPr>
+            <a:lvl7pPr marL="2743090" indent="0" algn="ctr" defTabSz="914363" rtl="0" eaLnBrk="1" latinLnBrk="0" hangingPunct="1">
+              <a:spcBef>
+                <a:spcPct val="20000"/>
+              </a:spcBef>
+              <a:buFont typeface="Arial" pitchFamily="34" charset="0"/>
+              <a:buNone/>
+              <a:defRPr sz="2000" kern="1200">
+                <a:solidFill>
+                  <a:schemeClr val="tx1">
+                    <a:tint val="75000"/>
+                  </a:schemeClr>
+                </a:solidFill>
+                <a:latin typeface="+mn-lt"/>
+                <a:ea typeface="+mn-ea"/>
+                <a:cs typeface="+mn-cs"/>
+              </a:defRPr>
+            </a:lvl7pPr>
+            <a:lvl8pPr marL="3200272" indent="0" algn="ctr" defTabSz="914363" rtl="0" eaLnBrk="1" latinLnBrk="0" hangingPunct="1">
+              <a:spcBef>
+                <a:spcPct val="20000"/>
+              </a:spcBef>
+              <a:buFont typeface="Arial" pitchFamily="34" charset="0"/>
+              <a:buNone/>
+              <a:defRPr sz="2000" kern="1200">
+                <a:solidFill>
+                  <a:schemeClr val="tx1">
+                    <a:tint val="75000"/>
+                  </a:schemeClr>
+                </a:solidFill>
+                <a:latin typeface="+mn-lt"/>
+                <a:ea typeface="+mn-ea"/>
+                <a:cs typeface="+mn-cs"/>
+              </a:defRPr>
+            </a:lvl8pPr>
+            <a:lvl9pPr marL="3657454" indent="0" algn="ctr" defTabSz="914363" rtl="0" eaLnBrk="1" latinLnBrk="0" hangingPunct="1">
+              <a:spcBef>
+                <a:spcPct val="20000"/>
+              </a:spcBef>
+              <a:buFont typeface="Arial" pitchFamily="34" charset="0"/>
+              <a:buNone/>
+              <a:defRPr sz="2000" kern="1200">
+                <a:solidFill>
+                  <a:schemeClr val="tx1">
+                    <a:tint val="75000"/>
+                  </a:schemeClr>
+                </a:solidFill>
+                <a:latin typeface="+mn-lt"/>
+                <a:ea typeface="+mn-ea"/>
+                <a:cs typeface="+mn-cs"/>
+              </a:defRPr>
+            </a:lvl9pPr>
+          </a:lstStyle>
+          <a:p>
+            <a:pPr fontAlgn="base"/>
+            <a:r>
+              <a:rPr lang="en-US" sz="2400" dirty="0"/>
+              <a:t>Tortoise SVN</a:t>
+            </a:r>
+          </a:p>
+        </p:txBody>
+      </p:sp>
+      <p:pic>
+        <p:nvPicPr>
+          <p:cNvPr id="16" name="Picture 2" descr="F:\workspace\Capstone Project\logo fpt university.jpg"/>
+          <p:cNvPicPr>
+            <a:picLocks noChangeAspect="1" noChangeArrowheads="1"/>
+          </p:cNvPicPr>
+          <p:nvPr/>
+        </p:nvPicPr>
+        <p:blipFill>
+          <a:blip r:embed="rId7" cstate="print">
             <a:extLst>
               <a:ext uri="{28A0092B-C50C-407E-A947-70E740481C1C}">
                 <a14:useLocalDpi xmlns:a14="http://schemas.microsoft.com/office/drawing/2010/main" val="0"/>
@@ -4458,7 +6173,7 @@
     </p:spTree>
     <p:extLst>
       <p:ext uri="{BB962C8B-B14F-4D97-AF65-F5344CB8AC3E}">
-        <p14:creationId xmlns:p14="http://schemas.microsoft.com/office/powerpoint/2010/main" val="716443205"/>
+        <p14:creationId xmlns:p14="http://schemas.microsoft.com/office/powerpoint/2010/main" val="3181807627"/>
       </p:ext>
     </p:extLst>
   </p:cSld>
@@ -4507,8 +6222,8 @@
         </p:nvSpPr>
         <p:spPr>
           <a:xfrm>
-            <a:off x="1219200" y="3733800"/>
-            <a:ext cx="1780540" cy="452439"/>
+            <a:off x="1371600" y="1676400"/>
+            <a:ext cx="2320051" cy="609600"/>
           </a:xfrm>
         </p:spPr>
         <p:txBody>
@@ -4517,483 +6232,9 @@
           </a:bodyPr>
           <a:lstStyle/>
           <a:p>
-            <a:pPr fontAlgn="base"/>
-            <a:r>
-              <a:rPr lang="en-US" sz="2400" dirty="0"/>
-              <a:t>Eclipse Indigo</a:t>
-            </a:r>
-            <a:endParaRPr lang="en-US" sz="2400" spc="-150" dirty="0">
-              <a:ln w="3175">
-                <a:noFill/>
-              </a:ln>
-              <a:gradFill flip="none" rotWithShape="1">
-                <a:gsLst>
-                  <a:gs pos="0">
-                    <a:srgbClr val="FFFFB9"/>
-                  </a:gs>
-                  <a:gs pos="36000">
-                    <a:srgbClr val="FFFF99"/>
-                  </a:gs>
-                  <a:gs pos="86000">
-                    <a:srgbClr val="F6AE1E"/>
-                  </a:gs>
-                </a:gsLst>
-                <a:lin ang="5400000" scaled="0"/>
-                <a:tileRect/>
-              </a:gradFill>
-              <a:effectLst>
-                <a:glow>
-                  <a:srgbClr val="000000"/>
-                </a:glow>
-                <a:outerShdw sx="0" sy="0">
-                  <a:srgbClr val="000000"/>
-                </a:outerShdw>
-                <a:reflection stA="0" endPos="0" fadeDir="0" sx="0" sy="0"/>
-              </a:effectLst>
-              <a:latin typeface="+mj-lt"/>
-              <a:cs typeface="Arial" charset="0"/>
-            </a:endParaRPr>
-          </a:p>
-        </p:txBody>
-      </p:sp>
-      <p:sp>
-        <p:nvSpPr>
-          <p:cNvPr id="2" name="Title 1"/>
-          <p:cNvSpPr>
-            <a:spLocks noGrp="1"/>
-          </p:cNvSpPr>
-          <p:nvPr>
-            <p:ph type="ctrTitle"/>
-          </p:nvPr>
-        </p:nvSpPr>
-        <p:spPr>
-          <a:xfrm>
-            <a:off x="609600" y="457200"/>
-            <a:ext cx="7681913" cy="1523495"/>
-          </a:xfrm>
-        </p:spPr>
-        <p:txBody>
-          <a:bodyPr/>
-          <a:lstStyle/>
-          <a:p>
-            <a:r>
-              <a:rPr lang="en-US" dirty="0">
-                <a:effectLst>
-                  <a:glow>
-                    <a:srgbClr val="000000"/>
-                  </a:glow>
-                  <a:outerShdw sx="0" sy="0">
-                    <a:srgbClr val="000000"/>
-                  </a:outerShdw>
-                  <a:reflection stA="0" endPos="0" fadeDir="0" sx="0" sy="0"/>
-                </a:effectLst>
-              </a:rPr>
-              <a:t>Tools And Techniques</a:t>
-            </a:r>
-            <a:endParaRPr lang="en-US" dirty="0"/>
-          </a:p>
-        </p:txBody>
-      </p:sp>
-      <p:pic>
-        <p:nvPicPr>
-          <p:cNvPr id="2050" name="Picture 2" descr="F:\workspace\Capstone Project\eclipse.png"/>
-          <p:cNvPicPr>
-            <a:picLocks noChangeAspect="1" noChangeArrowheads="1"/>
-          </p:cNvPicPr>
-          <p:nvPr/>
-        </p:nvPicPr>
-        <p:blipFill>
-          <a:blip r:embed="rId2">
-            <a:extLst>
-              <a:ext uri="{28A0092B-C50C-407E-A947-70E740481C1C}">
-                <a14:useLocalDpi xmlns:a14="http://schemas.microsoft.com/office/drawing/2010/main" val="0"/>
-              </a:ext>
-            </a:extLst>
-          </a:blip>
-          <a:srcRect/>
-          <a:stretch>
-            <a:fillRect/>
-          </a:stretch>
-        </p:blipFill>
-        <p:spPr bwMode="auto">
-          <a:xfrm>
-            <a:off x="1447800" y="2438400"/>
-            <a:ext cx="1295400" cy="1295400"/>
-          </a:xfrm>
-          <a:prstGeom prst="rect">
-            <a:avLst/>
-          </a:prstGeom>
-          <a:noFill/>
-          <a:extLst>
-            <a:ext uri="{909E8E84-426E-40DD-AFC4-6F175D3DCCD1}">
-              <a14:hiddenFill xmlns:a14="http://schemas.microsoft.com/office/drawing/2010/main">
-                <a:solidFill>
-                  <a:srgbClr val="FFFFFF"/>
-                </a:solidFill>
-              </a14:hiddenFill>
-            </a:ext>
-          </a:extLst>
-        </p:spPr>
-      </p:pic>
-      <p:pic>
-        <p:nvPicPr>
-          <p:cNvPr id="2051" name="Picture 3" descr="F:\workspace\Capstone Project\apache-tomcat-icon.png"/>
-          <p:cNvPicPr>
-            <a:picLocks noChangeAspect="1" noChangeArrowheads="1"/>
-          </p:cNvPicPr>
-          <p:nvPr/>
-        </p:nvPicPr>
-        <p:blipFill>
-          <a:blip r:embed="rId3">
-            <a:extLst>
-              <a:ext uri="{28A0092B-C50C-407E-A947-70E740481C1C}">
-                <a14:useLocalDpi xmlns:a14="http://schemas.microsoft.com/office/drawing/2010/main" val="0"/>
-              </a:ext>
-            </a:extLst>
-          </a:blip>
-          <a:srcRect/>
-          <a:stretch>
-            <a:fillRect/>
-          </a:stretch>
-        </p:blipFill>
-        <p:spPr bwMode="auto">
-          <a:xfrm>
-            <a:off x="3733800" y="2400300"/>
-            <a:ext cx="1219200" cy="1219200"/>
-          </a:xfrm>
-          <a:prstGeom prst="rect">
-            <a:avLst/>
-          </a:prstGeom>
-          <a:noFill/>
-          <a:extLst>
-            <a:ext uri="{909E8E84-426E-40DD-AFC4-6F175D3DCCD1}">
-              <a14:hiddenFill xmlns:a14="http://schemas.microsoft.com/office/drawing/2010/main">
-                <a:solidFill>
-                  <a:srgbClr val="FFFFFF"/>
-                </a:solidFill>
-              </a14:hiddenFill>
-            </a:ext>
-          </a:extLst>
-        </p:spPr>
-      </p:pic>
-      <p:pic>
-        <p:nvPicPr>
-          <p:cNvPr id="2052" name="Picture 4" descr="F:\workspace\Capstone Project\434mysql-centos-6.png"/>
-          <p:cNvPicPr>
-            <a:picLocks noChangeAspect="1" noChangeArrowheads="1"/>
-          </p:cNvPicPr>
-          <p:nvPr/>
-        </p:nvPicPr>
-        <p:blipFill>
-          <a:blip r:embed="rId4">
-            <a:extLst>
-              <a:ext uri="{28A0092B-C50C-407E-A947-70E740481C1C}">
-                <a14:useLocalDpi xmlns:a14="http://schemas.microsoft.com/office/drawing/2010/main" val="0"/>
-              </a:ext>
-            </a:extLst>
-          </a:blip>
-          <a:srcRect/>
-          <a:stretch>
-            <a:fillRect/>
-          </a:stretch>
-        </p:blipFill>
-        <p:spPr bwMode="auto">
-          <a:xfrm>
-            <a:off x="5562600" y="2477669"/>
-            <a:ext cx="2057400" cy="1064462"/>
-          </a:xfrm>
-          <a:prstGeom prst="rect">
-            <a:avLst/>
-          </a:prstGeom>
-          <a:noFill/>
-          <a:extLst>
-            <a:ext uri="{909E8E84-426E-40DD-AFC4-6F175D3DCCD1}">
-              <a14:hiddenFill xmlns:a14="http://schemas.microsoft.com/office/drawing/2010/main">
-                <a:solidFill>
-                  <a:srgbClr val="FFFFFF"/>
-                </a:solidFill>
-              </a14:hiddenFill>
-            </a:ext>
-          </a:extLst>
-        </p:spPr>
-      </p:pic>
-      <p:pic>
-        <p:nvPicPr>
-          <p:cNvPr id="2053" name="Picture 5" descr="F:\workspace\Capstone Project\host-codes-googlecode.png"/>
-          <p:cNvPicPr>
-            <a:picLocks noChangeAspect="1" noChangeArrowheads="1"/>
-          </p:cNvPicPr>
-          <p:nvPr/>
-        </p:nvPicPr>
-        <p:blipFill>
-          <a:blip r:embed="rId5">
-            <a:extLst>
-              <a:ext uri="{28A0092B-C50C-407E-A947-70E740481C1C}">
-                <a14:useLocalDpi xmlns:a14="http://schemas.microsoft.com/office/drawing/2010/main" val="0"/>
-              </a:ext>
-            </a:extLst>
-          </a:blip>
-          <a:srcRect/>
-          <a:stretch>
-            <a:fillRect/>
-          </a:stretch>
-        </p:blipFill>
-        <p:spPr bwMode="auto">
-          <a:xfrm>
-            <a:off x="2341880" y="4043361"/>
-            <a:ext cx="2489200" cy="1866900"/>
-          </a:xfrm>
-          <a:prstGeom prst="rect">
-            <a:avLst/>
-          </a:prstGeom>
-          <a:noFill/>
-          <a:extLst>
-            <a:ext uri="{909E8E84-426E-40DD-AFC4-6F175D3DCCD1}">
-              <a14:hiddenFill xmlns:a14="http://schemas.microsoft.com/office/drawing/2010/main">
-                <a:solidFill>
-                  <a:srgbClr val="FFFFFF"/>
-                </a:solidFill>
-              </a14:hiddenFill>
-            </a:ext>
-          </a:extLst>
-        </p:spPr>
-      </p:pic>
-      <p:pic>
-        <p:nvPicPr>
-          <p:cNvPr id="2054" name="Picture 6" descr="F:\workspace\Capstone Project\88b0f6faebe7058023e324149b60f069.png"/>
-          <p:cNvPicPr>
-            <a:picLocks noChangeAspect="1" noChangeArrowheads="1"/>
-          </p:cNvPicPr>
-          <p:nvPr/>
-        </p:nvPicPr>
-        <p:blipFill>
-          <a:blip r:embed="rId6">
-            <a:extLst>
-              <a:ext uri="{28A0092B-C50C-407E-A947-70E740481C1C}">
-                <a14:useLocalDpi xmlns:a14="http://schemas.microsoft.com/office/drawing/2010/main" val="0"/>
-              </a:ext>
-            </a:extLst>
-          </a:blip>
-          <a:srcRect/>
-          <a:stretch>
-            <a:fillRect/>
-          </a:stretch>
-        </p:blipFill>
-        <p:spPr bwMode="auto">
-          <a:xfrm>
-            <a:off x="5576886" y="4043361"/>
-            <a:ext cx="1571625" cy="1571625"/>
-          </a:xfrm>
-          <a:prstGeom prst="rect">
-            <a:avLst/>
-          </a:prstGeom>
-          <a:noFill/>
-          <a:extLst>
-            <a:ext uri="{909E8E84-426E-40DD-AFC4-6F175D3DCCD1}">
-              <a14:hiddenFill xmlns:a14="http://schemas.microsoft.com/office/drawing/2010/main">
-                <a:solidFill>
-                  <a:srgbClr val="FFFFFF"/>
-                </a:solidFill>
-              </a14:hiddenFill>
-            </a:ext>
-          </a:extLst>
-        </p:spPr>
-      </p:pic>
-      <p:sp>
-        <p:nvSpPr>
-          <p:cNvPr id="11" name="Subtitle 2"/>
-          <p:cNvSpPr txBox="1">
-            <a:spLocks/>
-          </p:cNvSpPr>
-          <p:nvPr/>
-        </p:nvSpPr>
-        <p:spPr>
-          <a:xfrm>
-            <a:off x="1524000" y="1828800"/>
-            <a:ext cx="1219200" cy="609600"/>
-          </a:xfrm>
-          <a:prstGeom prst="rect">
-            <a:avLst/>
-          </a:prstGeom>
-        </p:spPr>
-        <p:txBody>
-          <a:bodyPr vert="horz" lIns="0" tIns="0" rIns="0" bIns="0" rtlCol="0">
-            <a:normAutofit/>
-          </a:bodyPr>
-          <a:lstStyle>
-            <a:lvl1pPr marL="0" indent="0" algn="l" defTabSz="914363" rtl="0" eaLnBrk="1" latinLnBrk="0" hangingPunct="1">
-              <a:lnSpc>
-                <a:spcPct val="90000"/>
-              </a:lnSpc>
-              <a:spcBef>
-                <a:spcPts val="0"/>
-              </a:spcBef>
-              <a:buFontTx/>
-              <a:buNone/>
-              <a:defRPr sz="3200" kern="1200">
-                <a:solidFill>
-                  <a:schemeClr val="tx1">
-                    <a:tint val="75000"/>
-                  </a:schemeClr>
-                </a:solidFill>
-                <a:latin typeface="+mn-lt"/>
-                <a:ea typeface="+mn-ea"/>
-                <a:cs typeface="+mn-cs"/>
-              </a:defRPr>
-            </a:lvl1pPr>
-            <a:lvl2pPr marL="457182" indent="0" algn="ctr" defTabSz="914363" rtl="0" eaLnBrk="1" latinLnBrk="0" hangingPunct="1">
-              <a:lnSpc>
-                <a:spcPct val="90000"/>
-              </a:lnSpc>
-              <a:spcBef>
-                <a:spcPct val="20000"/>
-              </a:spcBef>
-              <a:buFontTx/>
-              <a:buNone/>
-              <a:defRPr sz="2800" kern="1200">
-                <a:solidFill>
-                  <a:schemeClr val="tx1">
-                    <a:tint val="75000"/>
-                  </a:schemeClr>
-                </a:solidFill>
-                <a:latin typeface="+mn-lt"/>
-                <a:ea typeface="+mn-ea"/>
-                <a:cs typeface="+mn-cs"/>
-              </a:defRPr>
-            </a:lvl2pPr>
-            <a:lvl3pPr marL="914363" indent="0" algn="ctr" defTabSz="914363" rtl="0" eaLnBrk="1" latinLnBrk="0" hangingPunct="1">
-              <a:lnSpc>
-                <a:spcPct val="90000"/>
-              </a:lnSpc>
-              <a:spcBef>
-                <a:spcPct val="20000"/>
-              </a:spcBef>
-              <a:buFontTx/>
-              <a:buNone/>
-              <a:defRPr sz="2400" kern="1200">
-                <a:solidFill>
-                  <a:schemeClr val="tx1">
-                    <a:tint val="75000"/>
-                  </a:schemeClr>
-                </a:solidFill>
-                <a:latin typeface="+mn-lt"/>
-                <a:ea typeface="+mn-ea"/>
-                <a:cs typeface="+mn-cs"/>
-              </a:defRPr>
-            </a:lvl3pPr>
-            <a:lvl4pPr marL="1371545" indent="0" algn="ctr" defTabSz="914363" rtl="0" eaLnBrk="1" latinLnBrk="0" hangingPunct="1">
-              <a:lnSpc>
-                <a:spcPct val="90000"/>
-              </a:lnSpc>
-              <a:spcBef>
-                <a:spcPct val="20000"/>
-              </a:spcBef>
-              <a:buFontTx/>
-              <a:buNone/>
-              <a:defRPr sz="2400" kern="1200">
-                <a:solidFill>
-                  <a:schemeClr val="tx1">
-                    <a:tint val="75000"/>
-                  </a:schemeClr>
-                </a:solidFill>
-                <a:latin typeface="+mn-lt"/>
-                <a:ea typeface="+mn-ea"/>
-                <a:cs typeface="+mn-cs"/>
-              </a:defRPr>
-            </a:lvl4pPr>
-            <a:lvl5pPr marL="1828727" indent="0" algn="ctr" defTabSz="914363" rtl="0" eaLnBrk="1" latinLnBrk="0" hangingPunct="1">
-              <a:lnSpc>
-                <a:spcPct val="90000"/>
-              </a:lnSpc>
-              <a:spcBef>
-                <a:spcPct val="20000"/>
-              </a:spcBef>
-              <a:buFontTx/>
-              <a:buNone/>
-              <a:defRPr sz="2400" kern="1200">
-                <a:solidFill>
-                  <a:schemeClr val="tx1">
-                    <a:tint val="75000"/>
-                  </a:schemeClr>
-                </a:solidFill>
-                <a:latin typeface="+mn-lt"/>
-                <a:ea typeface="+mn-ea"/>
-                <a:cs typeface="+mn-cs"/>
-              </a:defRPr>
-            </a:lvl5pPr>
-            <a:lvl6pPr marL="2285909" indent="0" algn="ctr" defTabSz="914363" rtl="0" eaLnBrk="1" latinLnBrk="0" hangingPunct="1">
-              <a:spcBef>
-                <a:spcPct val="20000"/>
-              </a:spcBef>
-              <a:buFont typeface="Arial" pitchFamily="34" charset="0"/>
-              <a:buNone/>
-              <a:defRPr sz="2000" kern="1200">
-                <a:solidFill>
-                  <a:schemeClr val="tx1">
-                    <a:tint val="75000"/>
-                  </a:schemeClr>
-                </a:solidFill>
-                <a:latin typeface="+mn-lt"/>
-                <a:ea typeface="+mn-ea"/>
-                <a:cs typeface="+mn-cs"/>
-              </a:defRPr>
-            </a:lvl6pPr>
-            <a:lvl7pPr marL="2743090" indent="0" algn="ctr" defTabSz="914363" rtl="0" eaLnBrk="1" latinLnBrk="0" hangingPunct="1">
-              <a:spcBef>
-                <a:spcPct val="20000"/>
-              </a:spcBef>
-              <a:buFont typeface="Arial" pitchFamily="34" charset="0"/>
-              <a:buNone/>
-              <a:defRPr sz="2000" kern="1200">
-                <a:solidFill>
-                  <a:schemeClr val="tx1">
-                    <a:tint val="75000"/>
-                  </a:schemeClr>
-                </a:solidFill>
-                <a:latin typeface="+mn-lt"/>
-                <a:ea typeface="+mn-ea"/>
-                <a:cs typeface="+mn-cs"/>
-              </a:defRPr>
-            </a:lvl7pPr>
-            <a:lvl8pPr marL="3200272" indent="0" algn="ctr" defTabSz="914363" rtl="0" eaLnBrk="1" latinLnBrk="0" hangingPunct="1">
-              <a:spcBef>
-                <a:spcPct val="20000"/>
-              </a:spcBef>
-              <a:buFont typeface="Arial" pitchFamily="34" charset="0"/>
-              <a:buNone/>
-              <a:defRPr sz="2000" kern="1200">
-                <a:solidFill>
-                  <a:schemeClr val="tx1">
-                    <a:tint val="75000"/>
-                  </a:schemeClr>
-                </a:solidFill>
-                <a:latin typeface="+mn-lt"/>
-                <a:ea typeface="+mn-ea"/>
-                <a:cs typeface="+mn-cs"/>
-              </a:defRPr>
-            </a:lvl8pPr>
-            <a:lvl9pPr marL="3657454" indent="0" algn="ctr" defTabSz="914363" rtl="0" eaLnBrk="1" latinLnBrk="0" hangingPunct="1">
-              <a:spcBef>
-                <a:spcPct val="20000"/>
-              </a:spcBef>
-              <a:buFont typeface="Arial" pitchFamily="34" charset="0"/>
-              <a:buNone/>
-              <a:defRPr sz="2000" kern="1200">
-                <a:solidFill>
-                  <a:schemeClr val="tx1">
-                    <a:tint val="75000"/>
-                  </a:schemeClr>
-                </a:solidFill>
-                <a:latin typeface="+mn-lt"/>
-                <a:ea typeface="+mn-ea"/>
-                <a:cs typeface="+mn-cs"/>
-              </a:defRPr>
-            </a:lvl9pPr>
-          </a:lstStyle>
-          <a:p>
-            <a:pPr fontAlgn="base"/>
-            <a:r>
-              <a:rPr lang="en-US" sz="3600" spc="-150" smtClean="0">
+            <a:pPr algn="l" fontAlgn="base"/>
+            <a:r>
+              <a:rPr lang="en-US" sz="3600" spc="-150" dirty="0" smtClean="0">
                 <a:ln w="3175">
                   <a:noFill/>
                 </a:ln>
@@ -5024,939 +6265,575 @@
                 <a:latin typeface="+mj-lt"/>
                 <a:cs typeface="Arial" charset="0"/>
               </a:rPr>
-              <a:t>Tools :</a:t>
-            </a:r>
-            <a:endParaRPr lang="en-US" sz="3600" spc="-150" dirty="0">
-              <a:ln w="3175">
-                <a:noFill/>
-              </a:ln>
-              <a:gradFill flip="none" rotWithShape="1">
-                <a:gsLst>
-                  <a:gs pos="0">
-                    <a:srgbClr val="FFFFB9"/>
-                  </a:gs>
-                  <a:gs pos="36000">
-                    <a:srgbClr val="FFFF99"/>
-                  </a:gs>
-                  <a:gs pos="86000">
-                    <a:srgbClr val="F6AE1E"/>
-                  </a:gs>
-                </a:gsLst>
-                <a:lin ang="5400000" scaled="0"/>
-                <a:tileRect/>
-              </a:gradFill>
-              <a:effectLst>
-                <a:glow>
-                  <a:srgbClr val="000000"/>
-                </a:glow>
-                <a:outerShdw sx="0" sy="0">
-                  <a:srgbClr val="000000"/>
-                </a:outerShdw>
-                <a:reflection stA="0" endPos="0" fadeDir="0" sx="0" sy="0"/>
-              </a:effectLst>
-              <a:latin typeface="+mj-lt"/>
-              <a:cs typeface="Arial" charset="0"/>
-            </a:endParaRPr>
+              <a:t>Techniques </a:t>
+            </a:r>
+            <a:r>
+              <a:rPr lang="en-US" sz="3600" spc="-150" dirty="0">
+                <a:ln w="3175">
+                  <a:noFill/>
+                </a:ln>
+                <a:gradFill flip="none" rotWithShape="1">
+                  <a:gsLst>
+                    <a:gs pos="0">
+                      <a:srgbClr val="FFFFB9"/>
+                    </a:gs>
+                    <a:gs pos="36000">
+                      <a:srgbClr val="FFFF99"/>
+                    </a:gs>
+                    <a:gs pos="86000">
+                      <a:srgbClr val="F6AE1E"/>
+                    </a:gs>
+                  </a:gsLst>
+                  <a:lin ang="5400000" scaled="0"/>
+                  <a:tileRect/>
+                </a:gradFill>
+                <a:effectLst>
+                  <a:glow>
+                    <a:srgbClr val="000000"/>
+                  </a:glow>
+                  <a:outerShdw sx="0" sy="0">
+                    <a:srgbClr val="000000"/>
+                  </a:outerShdw>
+                  <a:reflection stA="0" endPos="0" fadeDir="0" sx="0" sy="0"/>
+                </a:effectLst>
+                <a:latin typeface="+mj-lt"/>
+                <a:cs typeface="Arial" charset="0"/>
+              </a:rPr>
+              <a:t>:</a:t>
+            </a:r>
           </a:p>
         </p:txBody>
       </p:sp>
       <p:sp>
         <p:nvSpPr>
-          <p:cNvPr id="12" name="Subtitle 2"/>
-          <p:cNvSpPr txBox="1">
-            <a:spLocks/>
+          <p:cNvPr id="2" name="Title 1"/>
+          <p:cNvSpPr>
+            <a:spLocks noGrp="1"/>
           </p:cNvSpPr>
-          <p:nvPr/>
+          <p:nvPr>
+            <p:ph type="ctrTitle"/>
+          </p:nvPr>
         </p:nvSpPr>
         <p:spPr>
           <a:xfrm>
-            <a:off x="3401060" y="3749040"/>
-            <a:ext cx="1780540" cy="452439"/>
+            <a:off x="609600" y="457200"/>
+            <a:ext cx="7681913" cy="1523495"/>
+          </a:xfrm>
+        </p:spPr>
+        <p:txBody>
+          <a:bodyPr/>
+          <a:lstStyle/>
+          <a:p>
+            <a:r>
+              <a:rPr lang="en-US" dirty="0">
+                <a:effectLst>
+                  <a:glow>
+                    <a:srgbClr val="000000"/>
+                  </a:glow>
+                  <a:outerShdw sx="0" sy="0">
+                    <a:srgbClr val="000000"/>
+                  </a:outerShdw>
+                  <a:reflection stA="0" endPos="0" fadeDir="0" sx="0" sy="0"/>
+                </a:effectLst>
+              </a:rPr>
+              <a:t>Tools And Techniques</a:t>
+            </a:r>
+            <a:endParaRPr lang="en-US" dirty="0"/>
+          </a:p>
+        </p:txBody>
+      </p:sp>
+      <p:pic>
+        <p:nvPicPr>
+          <p:cNvPr id="3074" name="Picture 2" descr="F:\workspace\Capstone Project\html2.png"/>
+          <p:cNvPicPr>
+            <a:picLocks noChangeAspect="1" noChangeArrowheads="1"/>
+          </p:cNvPicPr>
+          <p:nvPr/>
+        </p:nvPicPr>
+        <p:blipFill>
+          <a:blip r:embed="rId2" cstate="print">
+            <a:extLst>
+              <a:ext uri="{28A0092B-C50C-407E-A947-70E740481C1C}">
+                <a14:useLocalDpi xmlns:a14="http://schemas.microsoft.com/office/drawing/2010/main" val="0"/>
+              </a:ext>
+            </a:extLst>
+          </a:blip>
+          <a:srcRect/>
+          <a:stretch>
+            <a:fillRect/>
+          </a:stretch>
+        </p:blipFill>
+        <p:spPr bwMode="auto">
+          <a:xfrm>
+            <a:off x="1371600" y="2514600"/>
+            <a:ext cx="990599" cy="990599"/>
           </a:xfrm>
           <a:prstGeom prst="rect">
             <a:avLst/>
           </a:prstGeom>
+          <a:noFill/>
+          <a:extLst>
+            <a:ext uri="{909E8E84-426E-40DD-AFC4-6F175D3DCCD1}">
+              <a14:hiddenFill xmlns:a14="http://schemas.microsoft.com/office/drawing/2010/main">
+                <a:solidFill>
+                  <a:srgbClr val="FFFFFF"/>
+                </a:solidFill>
+              </a14:hiddenFill>
+            </a:ext>
+          </a:extLst>
         </p:spPr>
-        <p:txBody>
-          <a:bodyPr vert="horz" lIns="0" tIns="0" rIns="0" bIns="0" rtlCol="0">
-            <a:normAutofit/>
-          </a:bodyPr>
-          <a:lstStyle>
-            <a:lvl1pPr marL="0" indent="0" algn="l" defTabSz="914363" rtl="0" eaLnBrk="1" latinLnBrk="0" hangingPunct="1">
-              <a:lnSpc>
-                <a:spcPct val="90000"/>
-              </a:lnSpc>
-              <a:spcBef>
-                <a:spcPts val="0"/>
-              </a:spcBef>
-              <a:buFontTx/>
-              <a:buNone/>
-              <a:defRPr sz="3200" kern="1200">
-                <a:solidFill>
-                  <a:schemeClr val="tx1">
-                    <a:tint val="75000"/>
-                  </a:schemeClr>
-                </a:solidFill>
-                <a:latin typeface="+mn-lt"/>
-                <a:ea typeface="+mn-ea"/>
-                <a:cs typeface="+mn-cs"/>
-              </a:defRPr>
-            </a:lvl1pPr>
-            <a:lvl2pPr marL="457182" indent="0" algn="ctr" defTabSz="914363" rtl="0" eaLnBrk="1" latinLnBrk="0" hangingPunct="1">
-              <a:lnSpc>
-                <a:spcPct val="90000"/>
-              </a:lnSpc>
-              <a:spcBef>
-                <a:spcPct val="20000"/>
-              </a:spcBef>
-              <a:buFontTx/>
-              <a:buNone/>
-              <a:defRPr sz="2800" kern="1200">
-                <a:solidFill>
-                  <a:schemeClr val="tx1">
-                    <a:tint val="75000"/>
-                  </a:schemeClr>
-                </a:solidFill>
-                <a:latin typeface="+mn-lt"/>
-                <a:ea typeface="+mn-ea"/>
-                <a:cs typeface="+mn-cs"/>
-              </a:defRPr>
-            </a:lvl2pPr>
-            <a:lvl3pPr marL="914363" indent="0" algn="ctr" defTabSz="914363" rtl="0" eaLnBrk="1" latinLnBrk="0" hangingPunct="1">
-              <a:lnSpc>
-                <a:spcPct val="90000"/>
-              </a:lnSpc>
-              <a:spcBef>
-                <a:spcPct val="20000"/>
-              </a:spcBef>
-              <a:buFontTx/>
-              <a:buNone/>
-              <a:defRPr sz="2400" kern="1200">
-                <a:solidFill>
-                  <a:schemeClr val="tx1">
-                    <a:tint val="75000"/>
-                  </a:schemeClr>
-                </a:solidFill>
-                <a:latin typeface="+mn-lt"/>
-                <a:ea typeface="+mn-ea"/>
-                <a:cs typeface="+mn-cs"/>
-              </a:defRPr>
-            </a:lvl3pPr>
-            <a:lvl4pPr marL="1371545" indent="0" algn="ctr" defTabSz="914363" rtl="0" eaLnBrk="1" latinLnBrk="0" hangingPunct="1">
-              <a:lnSpc>
-                <a:spcPct val="90000"/>
-              </a:lnSpc>
-              <a:spcBef>
-                <a:spcPct val="20000"/>
-              </a:spcBef>
-              <a:buFontTx/>
-              <a:buNone/>
-              <a:defRPr sz="2400" kern="1200">
-                <a:solidFill>
-                  <a:schemeClr val="tx1">
-                    <a:tint val="75000"/>
-                  </a:schemeClr>
-                </a:solidFill>
-                <a:latin typeface="+mn-lt"/>
-                <a:ea typeface="+mn-ea"/>
-                <a:cs typeface="+mn-cs"/>
-              </a:defRPr>
-            </a:lvl4pPr>
-            <a:lvl5pPr marL="1828727" indent="0" algn="ctr" defTabSz="914363" rtl="0" eaLnBrk="1" latinLnBrk="0" hangingPunct="1">
-              <a:lnSpc>
-                <a:spcPct val="90000"/>
-              </a:lnSpc>
-              <a:spcBef>
-                <a:spcPct val="20000"/>
-              </a:spcBef>
-              <a:buFontTx/>
-              <a:buNone/>
-              <a:defRPr sz="2400" kern="1200">
-                <a:solidFill>
-                  <a:schemeClr val="tx1">
-                    <a:tint val="75000"/>
-                  </a:schemeClr>
-                </a:solidFill>
-                <a:latin typeface="+mn-lt"/>
-                <a:ea typeface="+mn-ea"/>
-                <a:cs typeface="+mn-cs"/>
-              </a:defRPr>
-            </a:lvl5pPr>
-            <a:lvl6pPr marL="2285909" indent="0" algn="ctr" defTabSz="914363" rtl="0" eaLnBrk="1" latinLnBrk="0" hangingPunct="1">
-              <a:spcBef>
-                <a:spcPct val="20000"/>
-              </a:spcBef>
-              <a:buFont typeface="Arial" pitchFamily="34" charset="0"/>
-              <a:buNone/>
-              <a:defRPr sz="2000" kern="1200">
-                <a:solidFill>
-                  <a:schemeClr val="tx1">
-                    <a:tint val="75000"/>
-                  </a:schemeClr>
-                </a:solidFill>
-                <a:latin typeface="+mn-lt"/>
-                <a:ea typeface="+mn-ea"/>
-                <a:cs typeface="+mn-cs"/>
-              </a:defRPr>
-            </a:lvl6pPr>
-            <a:lvl7pPr marL="2743090" indent="0" algn="ctr" defTabSz="914363" rtl="0" eaLnBrk="1" latinLnBrk="0" hangingPunct="1">
-              <a:spcBef>
-                <a:spcPct val="20000"/>
-              </a:spcBef>
-              <a:buFont typeface="Arial" pitchFamily="34" charset="0"/>
-              <a:buNone/>
-              <a:defRPr sz="2000" kern="1200">
-                <a:solidFill>
-                  <a:schemeClr val="tx1">
-                    <a:tint val="75000"/>
-                  </a:schemeClr>
-                </a:solidFill>
-                <a:latin typeface="+mn-lt"/>
-                <a:ea typeface="+mn-ea"/>
-                <a:cs typeface="+mn-cs"/>
-              </a:defRPr>
-            </a:lvl7pPr>
-            <a:lvl8pPr marL="3200272" indent="0" algn="ctr" defTabSz="914363" rtl="0" eaLnBrk="1" latinLnBrk="0" hangingPunct="1">
-              <a:spcBef>
-                <a:spcPct val="20000"/>
-              </a:spcBef>
-              <a:buFont typeface="Arial" pitchFamily="34" charset="0"/>
-              <a:buNone/>
-              <a:defRPr sz="2000" kern="1200">
-                <a:solidFill>
-                  <a:schemeClr val="tx1">
-                    <a:tint val="75000"/>
-                  </a:schemeClr>
-                </a:solidFill>
-                <a:latin typeface="+mn-lt"/>
-                <a:ea typeface="+mn-ea"/>
-                <a:cs typeface="+mn-cs"/>
-              </a:defRPr>
-            </a:lvl8pPr>
-            <a:lvl9pPr marL="3657454" indent="0" algn="ctr" defTabSz="914363" rtl="0" eaLnBrk="1" latinLnBrk="0" hangingPunct="1">
-              <a:spcBef>
-                <a:spcPct val="20000"/>
-              </a:spcBef>
-              <a:buFont typeface="Arial" pitchFamily="34" charset="0"/>
-              <a:buNone/>
-              <a:defRPr sz="2000" kern="1200">
-                <a:solidFill>
-                  <a:schemeClr val="tx1">
-                    <a:tint val="75000"/>
-                  </a:schemeClr>
-                </a:solidFill>
-                <a:latin typeface="+mn-lt"/>
-                <a:ea typeface="+mn-ea"/>
-                <a:cs typeface="+mn-cs"/>
-              </a:defRPr>
-            </a:lvl9pPr>
-          </a:lstStyle>
-          <a:p>
-            <a:pPr fontAlgn="base"/>
-            <a:r>
-              <a:rPr lang="en-US" sz="2400" dirty="0" smtClean="0"/>
-              <a:t>Tomcat 6.0.26</a:t>
-            </a:r>
-            <a:endParaRPr lang="en-US" sz="2400" spc="-150" dirty="0">
-              <a:ln w="3175">
-                <a:noFill/>
-              </a:ln>
-              <a:gradFill flip="none" rotWithShape="1">
-                <a:gsLst>
-                  <a:gs pos="0">
-                    <a:srgbClr val="FFFFB9"/>
-                  </a:gs>
-                  <a:gs pos="36000">
-                    <a:srgbClr val="FFFF99"/>
-                  </a:gs>
-                  <a:gs pos="86000">
-                    <a:srgbClr val="F6AE1E"/>
-                  </a:gs>
-                </a:gsLst>
-                <a:lin ang="5400000" scaled="0"/>
-                <a:tileRect/>
-              </a:gradFill>
-              <a:effectLst>
-                <a:glow>
-                  <a:srgbClr val="000000"/>
-                </a:glow>
-                <a:outerShdw sx="0" sy="0">
-                  <a:srgbClr val="000000"/>
-                </a:outerShdw>
-                <a:reflection stA="0" endPos="0" fadeDir="0" sx="0" sy="0"/>
-              </a:effectLst>
-              <a:latin typeface="+mj-lt"/>
-              <a:cs typeface="Arial" charset="0"/>
-            </a:endParaRPr>
-          </a:p>
-        </p:txBody>
-      </p:sp>
-      <p:sp>
-        <p:nvSpPr>
-          <p:cNvPr id="13" name="Subtitle 2"/>
-          <p:cNvSpPr txBox="1">
-            <a:spLocks/>
-          </p:cNvSpPr>
+      </p:pic>
+      <p:pic>
+        <p:nvPicPr>
+          <p:cNvPr id="3075" name="Picture 3" descr="F:\workspace\Capstone Project\File Adobe Dreamweaver CSS-01.png"/>
+          <p:cNvPicPr>
+            <a:picLocks noChangeAspect="1" noChangeArrowheads="1"/>
+          </p:cNvPicPr>
           <p:nvPr/>
-        </p:nvSpPr>
-        <p:spPr>
+        </p:nvPicPr>
+        <p:blipFill>
+          <a:blip r:embed="rId3" cstate="print">
+            <a:extLst>
+              <a:ext uri="{28A0092B-C50C-407E-A947-70E740481C1C}">
+                <a14:useLocalDpi xmlns:a14="http://schemas.microsoft.com/office/drawing/2010/main" val="0"/>
+              </a:ext>
+            </a:extLst>
+          </a:blip>
+          <a:srcRect/>
+          <a:stretch>
+            <a:fillRect/>
+          </a:stretch>
+        </p:blipFill>
+        <p:spPr bwMode="auto">
           <a:xfrm>
-            <a:off x="5701030" y="3733800"/>
-            <a:ext cx="1918970" cy="452439"/>
+            <a:off x="2701052" y="2514600"/>
+            <a:ext cx="990599" cy="990599"/>
           </a:xfrm>
           <a:prstGeom prst="rect">
             <a:avLst/>
           </a:prstGeom>
+          <a:noFill/>
+          <a:extLst>
+            <a:ext uri="{909E8E84-426E-40DD-AFC4-6F175D3DCCD1}">
+              <a14:hiddenFill xmlns:a14="http://schemas.microsoft.com/office/drawing/2010/main">
+                <a:solidFill>
+                  <a:srgbClr val="FFFFFF"/>
+                </a:solidFill>
+              </a14:hiddenFill>
+            </a:ext>
+          </a:extLst>
         </p:spPr>
-        <p:txBody>
-          <a:bodyPr vert="horz" lIns="0" tIns="0" rIns="0" bIns="0" rtlCol="0">
-            <a:normAutofit fontScale="92500"/>
-          </a:bodyPr>
-          <a:lstStyle>
-            <a:lvl1pPr marL="0" indent="0" algn="l" defTabSz="914363" rtl="0" eaLnBrk="1" latinLnBrk="0" hangingPunct="1">
-              <a:lnSpc>
-                <a:spcPct val="90000"/>
-              </a:lnSpc>
-              <a:spcBef>
-                <a:spcPts val="0"/>
-              </a:spcBef>
-              <a:buFontTx/>
-              <a:buNone/>
-              <a:defRPr sz="3200" kern="1200">
-                <a:solidFill>
-                  <a:schemeClr val="tx1">
-                    <a:tint val="75000"/>
-                  </a:schemeClr>
-                </a:solidFill>
-                <a:latin typeface="+mn-lt"/>
-                <a:ea typeface="+mn-ea"/>
-                <a:cs typeface="+mn-cs"/>
-              </a:defRPr>
-            </a:lvl1pPr>
-            <a:lvl2pPr marL="457182" indent="0" algn="ctr" defTabSz="914363" rtl="0" eaLnBrk="1" latinLnBrk="0" hangingPunct="1">
-              <a:lnSpc>
-                <a:spcPct val="90000"/>
-              </a:lnSpc>
-              <a:spcBef>
-                <a:spcPct val="20000"/>
-              </a:spcBef>
-              <a:buFontTx/>
-              <a:buNone/>
-              <a:defRPr sz="2800" kern="1200">
-                <a:solidFill>
-                  <a:schemeClr val="tx1">
-                    <a:tint val="75000"/>
-                  </a:schemeClr>
-                </a:solidFill>
-                <a:latin typeface="+mn-lt"/>
-                <a:ea typeface="+mn-ea"/>
-                <a:cs typeface="+mn-cs"/>
-              </a:defRPr>
-            </a:lvl2pPr>
-            <a:lvl3pPr marL="914363" indent="0" algn="ctr" defTabSz="914363" rtl="0" eaLnBrk="1" latinLnBrk="0" hangingPunct="1">
-              <a:lnSpc>
-                <a:spcPct val="90000"/>
-              </a:lnSpc>
-              <a:spcBef>
-                <a:spcPct val="20000"/>
-              </a:spcBef>
-              <a:buFontTx/>
-              <a:buNone/>
-              <a:defRPr sz="2400" kern="1200">
-                <a:solidFill>
-                  <a:schemeClr val="tx1">
-                    <a:tint val="75000"/>
-                  </a:schemeClr>
-                </a:solidFill>
-                <a:latin typeface="+mn-lt"/>
-                <a:ea typeface="+mn-ea"/>
-                <a:cs typeface="+mn-cs"/>
-              </a:defRPr>
-            </a:lvl3pPr>
-            <a:lvl4pPr marL="1371545" indent="0" algn="ctr" defTabSz="914363" rtl="0" eaLnBrk="1" latinLnBrk="0" hangingPunct="1">
-              <a:lnSpc>
-                <a:spcPct val="90000"/>
-              </a:lnSpc>
-              <a:spcBef>
-                <a:spcPct val="20000"/>
-              </a:spcBef>
-              <a:buFontTx/>
-              <a:buNone/>
-              <a:defRPr sz="2400" kern="1200">
-                <a:solidFill>
-                  <a:schemeClr val="tx1">
-                    <a:tint val="75000"/>
-                  </a:schemeClr>
-                </a:solidFill>
-                <a:latin typeface="+mn-lt"/>
-                <a:ea typeface="+mn-ea"/>
-                <a:cs typeface="+mn-cs"/>
-              </a:defRPr>
-            </a:lvl4pPr>
-            <a:lvl5pPr marL="1828727" indent="0" algn="ctr" defTabSz="914363" rtl="0" eaLnBrk="1" latinLnBrk="0" hangingPunct="1">
-              <a:lnSpc>
-                <a:spcPct val="90000"/>
-              </a:lnSpc>
-              <a:spcBef>
-                <a:spcPct val="20000"/>
-              </a:spcBef>
-              <a:buFontTx/>
-              <a:buNone/>
-              <a:defRPr sz="2400" kern="1200">
-                <a:solidFill>
-                  <a:schemeClr val="tx1">
-                    <a:tint val="75000"/>
-                  </a:schemeClr>
-                </a:solidFill>
-                <a:latin typeface="+mn-lt"/>
-                <a:ea typeface="+mn-ea"/>
-                <a:cs typeface="+mn-cs"/>
-              </a:defRPr>
-            </a:lvl5pPr>
-            <a:lvl6pPr marL="2285909" indent="0" algn="ctr" defTabSz="914363" rtl="0" eaLnBrk="1" latinLnBrk="0" hangingPunct="1">
-              <a:spcBef>
-                <a:spcPct val="20000"/>
-              </a:spcBef>
-              <a:buFont typeface="Arial" pitchFamily="34" charset="0"/>
-              <a:buNone/>
-              <a:defRPr sz="2000" kern="1200">
-                <a:solidFill>
-                  <a:schemeClr val="tx1">
-                    <a:tint val="75000"/>
-                  </a:schemeClr>
-                </a:solidFill>
-                <a:latin typeface="+mn-lt"/>
-                <a:ea typeface="+mn-ea"/>
-                <a:cs typeface="+mn-cs"/>
-              </a:defRPr>
-            </a:lvl6pPr>
-            <a:lvl7pPr marL="2743090" indent="0" algn="ctr" defTabSz="914363" rtl="0" eaLnBrk="1" latinLnBrk="0" hangingPunct="1">
-              <a:spcBef>
-                <a:spcPct val="20000"/>
-              </a:spcBef>
-              <a:buFont typeface="Arial" pitchFamily="34" charset="0"/>
-              <a:buNone/>
-              <a:defRPr sz="2000" kern="1200">
-                <a:solidFill>
-                  <a:schemeClr val="tx1">
-                    <a:tint val="75000"/>
-                  </a:schemeClr>
-                </a:solidFill>
-                <a:latin typeface="+mn-lt"/>
-                <a:ea typeface="+mn-ea"/>
-                <a:cs typeface="+mn-cs"/>
-              </a:defRPr>
-            </a:lvl7pPr>
-            <a:lvl8pPr marL="3200272" indent="0" algn="ctr" defTabSz="914363" rtl="0" eaLnBrk="1" latinLnBrk="0" hangingPunct="1">
-              <a:spcBef>
-                <a:spcPct val="20000"/>
-              </a:spcBef>
-              <a:buFont typeface="Arial" pitchFamily="34" charset="0"/>
-              <a:buNone/>
-              <a:defRPr sz="2000" kern="1200">
-                <a:solidFill>
-                  <a:schemeClr val="tx1">
-                    <a:tint val="75000"/>
-                  </a:schemeClr>
-                </a:solidFill>
-                <a:latin typeface="+mn-lt"/>
-                <a:ea typeface="+mn-ea"/>
-                <a:cs typeface="+mn-cs"/>
-              </a:defRPr>
-            </a:lvl8pPr>
-            <a:lvl9pPr marL="3657454" indent="0" algn="ctr" defTabSz="914363" rtl="0" eaLnBrk="1" latinLnBrk="0" hangingPunct="1">
-              <a:spcBef>
-                <a:spcPct val="20000"/>
-              </a:spcBef>
-              <a:buFont typeface="Arial" pitchFamily="34" charset="0"/>
-              <a:buNone/>
-              <a:defRPr sz="2000" kern="1200">
-                <a:solidFill>
-                  <a:schemeClr val="tx1">
-                    <a:tint val="75000"/>
-                  </a:schemeClr>
-                </a:solidFill>
-                <a:latin typeface="+mn-lt"/>
-                <a:ea typeface="+mn-ea"/>
-                <a:cs typeface="+mn-cs"/>
-              </a:defRPr>
-            </a:lvl9pPr>
-          </a:lstStyle>
-          <a:p>
-            <a:pPr fontAlgn="base"/>
-            <a:r>
-              <a:rPr lang="en-US" sz="2400" dirty="0" err="1" smtClean="0"/>
-              <a:t>Mysql</a:t>
-            </a:r>
-            <a:r>
-              <a:rPr lang="en-US" sz="2400" dirty="0" smtClean="0"/>
-              <a:t> Server 5.5</a:t>
-            </a:r>
-            <a:endParaRPr lang="en-US" sz="2400" spc="-150" dirty="0">
-              <a:ln w="3175">
-                <a:noFill/>
-              </a:ln>
-              <a:gradFill flip="none" rotWithShape="1">
-                <a:gsLst>
-                  <a:gs pos="0">
-                    <a:srgbClr val="FFFFB9"/>
-                  </a:gs>
-                  <a:gs pos="36000">
-                    <a:srgbClr val="FFFF99"/>
-                  </a:gs>
-                  <a:gs pos="86000">
-                    <a:srgbClr val="F6AE1E"/>
-                  </a:gs>
-                </a:gsLst>
-                <a:lin ang="5400000" scaled="0"/>
-                <a:tileRect/>
-              </a:gradFill>
-              <a:effectLst>
-                <a:glow>
-                  <a:srgbClr val="000000"/>
-                </a:glow>
-                <a:outerShdw sx="0" sy="0">
-                  <a:srgbClr val="000000"/>
-                </a:outerShdw>
-                <a:reflection stA="0" endPos="0" fadeDir="0" sx="0" sy="0"/>
-              </a:effectLst>
-              <a:latin typeface="+mj-lt"/>
-              <a:cs typeface="Arial" charset="0"/>
-            </a:endParaRPr>
-          </a:p>
-        </p:txBody>
-      </p:sp>
-      <p:sp>
-        <p:nvSpPr>
-          <p:cNvPr id="14" name="Subtitle 2"/>
-          <p:cNvSpPr txBox="1">
-            <a:spLocks/>
-          </p:cNvSpPr>
+      </p:pic>
+      <p:pic>
+        <p:nvPicPr>
+          <p:cNvPr id="3076" name="Picture 4" descr="F:\workspace\Capstone Project\File Adobe Dreamweaver JavaScript.png"/>
+          <p:cNvPicPr>
+            <a:picLocks noChangeAspect="1" noChangeArrowheads="1"/>
+          </p:cNvPicPr>
           <p:nvPr/>
-        </p:nvSpPr>
-        <p:spPr>
+        </p:nvPicPr>
+        <p:blipFill>
+          <a:blip r:embed="rId4" cstate="print">
+            <a:extLst>
+              <a:ext uri="{28A0092B-C50C-407E-A947-70E740481C1C}">
+                <a14:useLocalDpi xmlns:a14="http://schemas.microsoft.com/office/drawing/2010/main" val="0"/>
+              </a:ext>
+            </a:extLst>
+          </a:blip>
+          <a:srcRect/>
+          <a:stretch>
+            <a:fillRect/>
+          </a:stretch>
+        </p:blipFill>
+        <p:spPr bwMode="auto">
           <a:xfrm>
-            <a:off x="2709545" y="5491161"/>
-            <a:ext cx="1664335" cy="452439"/>
+            <a:off x="3810000" y="2514600"/>
+            <a:ext cx="990599" cy="990599"/>
           </a:xfrm>
           <a:prstGeom prst="rect">
             <a:avLst/>
           </a:prstGeom>
+          <a:noFill/>
+          <a:extLst>
+            <a:ext uri="{909E8E84-426E-40DD-AFC4-6F175D3DCCD1}">
+              <a14:hiddenFill xmlns:a14="http://schemas.microsoft.com/office/drawing/2010/main">
+                <a:solidFill>
+                  <a:srgbClr val="FFFFFF"/>
+                </a:solidFill>
+              </a14:hiddenFill>
+            </a:ext>
+          </a:extLst>
         </p:spPr>
-        <p:txBody>
-          <a:bodyPr vert="horz" lIns="0" tIns="0" rIns="0" bIns="0" rtlCol="0">
-            <a:normAutofit/>
-          </a:bodyPr>
-          <a:lstStyle>
-            <a:lvl1pPr marL="0" indent="0" algn="l" defTabSz="914363" rtl="0" eaLnBrk="1" latinLnBrk="0" hangingPunct="1">
-              <a:lnSpc>
-                <a:spcPct val="90000"/>
-              </a:lnSpc>
-              <a:spcBef>
-                <a:spcPts val="0"/>
-              </a:spcBef>
-              <a:buFontTx/>
-              <a:buNone/>
-              <a:defRPr sz="3200" kern="1200">
-                <a:solidFill>
-                  <a:schemeClr val="tx1">
-                    <a:tint val="75000"/>
-                  </a:schemeClr>
-                </a:solidFill>
-                <a:latin typeface="+mn-lt"/>
-                <a:ea typeface="+mn-ea"/>
-                <a:cs typeface="+mn-cs"/>
-              </a:defRPr>
-            </a:lvl1pPr>
-            <a:lvl2pPr marL="457182" indent="0" algn="ctr" defTabSz="914363" rtl="0" eaLnBrk="1" latinLnBrk="0" hangingPunct="1">
-              <a:lnSpc>
-                <a:spcPct val="90000"/>
-              </a:lnSpc>
-              <a:spcBef>
-                <a:spcPct val="20000"/>
-              </a:spcBef>
-              <a:buFontTx/>
-              <a:buNone/>
-              <a:defRPr sz="2800" kern="1200">
-                <a:solidFill>
-                  <a:schemeClr val="tx1">
-                    <a:tint val="75000"/>
-                  </a:schemeClr>
-                </a:solidFill>
-                <a:latin typeface="+mn-lt"/>
-                <a:ea typeface="+mn-ea"/>
-                <a:cs typeface="+mn-cs"/>
-              </a:defRPr>
-            </a:lvl2pPr>
-            <a:lvl3pPr marL="914363" indent="0" algn="ctr" defTabSz="914363" rtl="0" eaLnBrk="1" latinLnBrk="0" hangingPunct="1">
-              <a:lnSpc>
-                <a:spcPct val="90000"/>
-              </a:lnSpc>
-              <a:spcBef>
-                <a:spcPct val="20000"/>
-              </a:spcBef>
-              <a:buFontTx/>
-              <a:buNone/>
-              <a:defRPr sz="2400" kern="1200">
-                <a:solidFill>
-                  <a:schemeClr val="tx1">
-                    <a:tint val="75000"/>
-                  </a:schemeClr>
-                </a:solidFill>
-                <a:latin typeface="+mn-lt"/>
-                <a:ea typeface="+mn-ea"/>
-                <a:cs typeface="+mn-cs"/>
-              </a:defRPr>
-            </a:lvl3pPr>
-            <a:lvl4pPr marL="1371545" indent="0" algn="ctr" defTabSz="914363" rtl="0" eaLnBrk="1" latinLnBrk="0" hangingPunct="1">
-              <a:lnSpc>
-                <a:spcPct val="90000"/>
-              </a:lnSpc>
-              <a:spcBef>
-                <a:spcPct val="20000"/>
-              </a:spcBef>
-              <a:buFontTx/>
-              <a:buNone/>
-              <a:defRPr sz="2400" kern="1200">
-                <a:solidFill>
-                  <a:schemeClr val="tx1">
-                    <a:tint val="75000"/>
-                  </a:schemeClr>
-                </a:solidFill>
-                <a:latin typeface="+mn-lt"/>
-                <a:ea typeface="+mn-ea"/>
-                <a:cs typeface="+mn-cs"/>
-              </a:defRPr>
-            </a:lvl4pPr>
-            <a:lvl5pPr marL="1828727" indent="0" algn="ctr" defTabSz="914363" rtl="0" eaLnBrk="1" latinLnBrk="0" hangingPunct="1">
-              <a:lnSpc>
-                <a:spcPct val="90000"/>
-              </a:lnSpc>
-              <a:spcBef>
-                <a:spcPct val="20000"/>
-              </a:spcBef>
-              <a:buFontTx/>
-              <a:buNone/>
-              <a:defRPr sz="2400" kern="1200">
-                <a:solidFill>
-                  <a:schemeClr val="tx1">
-                    <a:tint val="75000"/>
-                  </a:schemeClr>
-                </a:solidFill>
-                <a:latin typeface="+mn-lt"/>
-                <a:ea typeface="+mn-ea"/>
-                <a:cs typeface="+mn-cs"/>
-              </a:defRPr>
-            </a:lvl5pPr>
-            <a:lvl6pPr marL="2285909" indent="0" algn="ctr" defTabSz="914363" rtl="0" eaLnBrk="1" latinLnBrk="0" hangingPunct="1">
-              <a:spcBef>
-                <a:spcPct val="20000"/>
-              </a:spcBef>
-              <a:buFont typeface="Arial" pitchFamily="34" charset="0"/>
-              <a:buNone/>
-              <a:defRPr sz="2000" kern="1200">
-                <a:solidFill>
-                  <a:schemeClr val="tx1">
-                    <a:tint val="75000"/>
-                  </a:schemeClr>
-                </a:solidFill>
-                <a:latin typeface="+mn-lt"/>
-                <a:ea typeface="+mn-ea"/>
-                <a:cs typeface="+mn-cs"/>
-              </a:defRPr>
-            </a:lvl6pPr>
-            <a:lvl7pPr marL="2743090" indent="0" algn="ctr" defTabSz="914363" rtl="0" eaLnBrk="1" latinLnBrk="0" hangingPunct="1">
-              <a:spcBef>
-                <a:spcPct val="20000"/>
-              </a:spcBef>
-              <a:buFont typeface="Arial" pitchFamily="34" charset="0"/>
-              <a:buNone/>
-              <a:defRPr sz="2000" kern="1200">
-                <a:solidFill>
-                  <a:schemeClr val="tx1">
-                    <a:tint val="75000"/>
-                  </a:schemeClr>
-                </a:solidFill>
-                <a:latin typeface="+mn-lt"/>
-                <a:ea typeface="+mn-ea"/>
-                <a:cs typeface="+mn-cs"/>
-              </a:defRPr>
-            </a:lvl7pPr>
-            <a:lvl8pPr marL="3200272" indent="0" algn="ctr" defTabSz="914363" rtl="0" eaLnBrk="1" latinLnBrk="0" hangingPunct="1">
-              <a:spcBef>
-                <a:spcPct val="20000"/>
-              </a:spcBef>
-              <a:buFont typeface="Arial" pitchFamily="34" charset="0"/>
-              <a:buNone/>
-              <a:defRPr sz="2000" kern="1200">
-                <a:solidFill>
-                  <a:schemeClr val="tx1">
-                    <a:tint val="75000"/>
-                  </a:schemeClr>
-                </a:solidFill>
-                <a:latin typeface="+mn-lt"/>
-                <a:ea typeface="+mn-ea"/>
-                <a:cs typeface="+mn-cs"/>
-              </a:defRPr>
-            </a:lvl8pPr>
-            <a:lvl9pPr marL="3657454" indent="0" algn="ctr" defTabSz="914363" rtl="0" eaLnBrk="1" latinLnBrk="0" hangingPunct="1">
-              <a:spcBef>
-                <a:spcPct val="20000"/>
-              </a:spcBef>
-              <a:buFont typeface="Arial" pitchFamily="34" charset="0"/>
-              <a:buNone/>
-              <a:defRPr sz="2000" kern="1200">
-                <a:solidFill>
-                  <a:schemeClr val="tx1">
-                    <a:tint val="75000"/>
-                  </a:schemeClr>
-                </a:solidFill>
-                <a:latin typeface="+mn-lt"/>
-                <a:ea typeface="+mn-ea"/>
-                <a:cs typeface="+mn-cs"/>
-              </a:defRPr>
-            </a:lvl9pPr>
-          </a:lstStyle>
-          <a:p>
-            <a:pPr fontAlgn="base"/>
-            <a:r>
-              <a:rPr lang="en-US" sz="2400" dirty="0" smtClean="0"/>
-              <a:t>Google Code</a:t>
-            </a:r>
-            <a:endParaRPr lang="en-US" sz="2400" spc="-150" dirty="0">
-              <a:ln w="3175">
-                <a:noFill/>
-              </a:ln>
-              <a:gradFill flip="none" rotWithShape="1">
-                <a:gsLst>
-                  <a:gs pos="0">
-                    <a:srgbClr val="FFFFB9"/>
-                  </a:gs>
-                  <a:gs pos="36000">
-                    <a:srgbClr val="FFFF99"/>
-                  </a:gs>
-                  <a:gs pos="86000">
-                    <a:srgbClr val="F6AE1E"/>
-                  </a:gs>
-                </a:gsLst>
-                <a:lin ang="5400000" scaled="0"/>
-                <a:tileRect/>
-              </a:gradFill>
-              <a:effectLst>
-                <a:glow>
-                  <a:srgbClr val="000000"/>
-                </a:glow>
-                <a:outerShdw sx="0" sy="0">
-                  <a:srgbClr val="000000"/>
-                </a:outerShdw>
-                <a:reflection stA="0" endPos="0" fadeDir="0" sx="0" sy="0"/>
-              </a:effectLst>
-              <a:latin typeface="+mj-lt"/>
-              <a:cs typeface="Arial" charset="0"/>
-            </a:endParaRPr>
-          </a:p>
-        </p:txBody>
-      </p:sp>
-      <p:sp>
-        <p:nvSpPr>
-          <p:cNvPr id="15" name="Subtitle 2"/>
-          <p:cNvSpPr txBox="1">
-            <a:spLocks/>
-          </p:cNvSpPr>
+      </p:pic>
+      <p:pic>
+        <p:nvPicPr>
+          <p:cNvPr id="3077" name="Picture 5" descr="F:\workspace\Capstone Project\2.png"/>
+          <p:cNvPicPr>
+            <a:picLocks noChangeAspect="1" noChangeArrowheads="1"/>
+          </p:cNvPicPr>
           <p:nvPr/>
-        </p:nvSpPr>
-        <p:spPr>
+        </p:nvPicPr>
+        <p:blipFill>
+          <a:blip r:embed="rId5" cstate="print">
+            <a:extLst>
+              <a:ext uri="{28A0092B-C50C-407E-A947-70E740481C1C}">
+                <a14:useLocalDpi xmlns:a14="http://schemas.microsoft.com/office/drawing/2010/main" val="0"/>
+              </a:ext>
+            </a:extLst>
+          </a:blip>
+          <a:srcRect/>
+          <a:stretch>
+            <a:fillRect/>
+          </a:stretch>
+        </p:blipFill>
+        <p:spPr bwMode="auto">
           <a:xfrm>
-            <a:off x="5498465" y="5457822"/>
-            <a:ext cx="1664335" cy="452439"/>
+            <a:off x="5029200" y="2514600"/>
+            <a:ext cx="990600" cy="990600"/>
           </a:xfrm>
           <a:prstGeom prst="rect">
             <a:avLst/>
           </a:prstGeom>
+          <a:noFill/>
+          <a:extLst>
+            <a:ext uri="{909E8E84-426E-40DD-AFC4-6F175D3DCCD1}">
+              <a14:hiddenFill xmlns:a14="http://schemas.microsoft.com/office/drawing/2010/main">
+                <a:solidFill>
+                  <a:srgbClr val="FFFFFF"/>
+                </a:solidFill>
+              </a14:hiddenFill>
+            </a:ext>
+          </a:extLst>
         </p:spPr>
-        <p:txBody>
-          <a:bodyPr vert="horz" lIns="0" tIns="0" rIns="0" bIns="0" rtlCol="0">
-            <a:normAutofit/>
-          </a:bodyPr>
-          <a:lstStyle>
-            <a:lvl1pPr marL="0" indent="0" algn="l" defTabSz="914363" rtl="0" eaLnBrk="1" latinLnBrk="0" hangingPunct="1">
-              <a:lnSpc>
-                <a:spcPct val="90000"/>
-              </a:lnSpc>
-              <a:spcBef>
-                <a:spcPts val="0"/>
-              </a:spcBef>
-              <a:buFontTx/>
-              <a:buNone/>
-              <a:defRPr sz="3200" kern="1200">
-                <a:solidFill>
-                  <a:schemeClr val="tx1">
-                    <a:tint val="75000"/>
-                  </a:schemeClr>
-                </a:solidFill>
-                <a:latin typeface="+mn-lt"/>
-                <a:ea typeface="+mn-ea"/>
-                <a:cs typeface="+mn-cs"/>
-              </a:defRPr>
-            </a:lvl1pPr>
-            <a:lvl2pPr marL="457182" indent="0" algn="ctr" defTabSz="914363" rtl="0" eaLnBrk="1" latinLnBrk="0" hangingPunct="1">
-              <a:lnSpc>
-                <a:spcPct val="90000"/>
-              </a:lnSpc>
-              <a:spcBef>
-                <a:spcPct val="20000"/>
-              </a:spcBef>
-              <a:buFontTx/>
-              <a:buNone/>
-              <a:defRPr sz="2800" kern="1200">
-                <a:solidFill>
-                  <a:schemeClr val="tx1">
-                    <a:tint val="75000"/>
-                  </a:schemeClr>
-                </a:solidFill>
-                <a:latin typeface="+mn-lt"/>
-                <a:ea typeface="+mn-ea"/>
-                <a:cs typeface="+mn-cs"/>
-              </a:defRPr>
-            </a:lvl2pPr>
-            <a:lvl3pPr marL="914363" indent="0" algn="ctr" defTabSz="914363" rtl="0" eaLnBrk="1" latinLnBrk="0" hangingPunct="1">
-              <a:lnSpc>
-                <a:spcPct val="90000"/>
-              </a:lnSpc>
-              <a:spcBef>
-                <a:spcPct val="20000"/>
-              </a:spcBef>
-              <a:buFontTx/>
-              <a:buNone/>
-              <a:defRPr sz="2400" kern="1200">
-                <a:solidFill>
-                  <a:schemeClr val="tx1">
-                    <a:tint val="75000"/>
-                  </a:schemeClr>
-                </a:solidFill>
-                <a:latin typeface="+mn-lt"/>
-                <a:ea typeface="+mn-ea"/>
-                <a:cs typeface="+mn-cs"/>
-              </a:defRPr>
-            </a:lvl3pPr>
-            <a:lvl4pPr marL="1371545" indent="0" algn="ctr" defTabSz="914363" rtl="0" eaLnBrk="1" latinLnBrk="0" hangingPunct="1">
-              <a:lnSpc>
-                <a:spcPct val="90000"/>
-              </a:lnSpc>
-              <a:spcBef>
-                <a:spcPct val="20000"/>
-              </a:spcBef>
-              <a:buFontTx/>
-              <a:buNone/>
-              <a:defRPr sz="2400" kern="1200">
-                <a:solidFill>
-                  <a:schemeClr val="tx1">
-                    <a:tint val="75000"/>
-                  </a:schemeClr>
-                </a:solidFill>
-                <a:latin typeface="+mn-lt"/>
-                <a:ea typeface="+mn-ea"/>
-                <a:cs typeface="+mn-cs"/>
-              </a:defRPr>
-            </a:lvl4pPr>
-            <a:lvl5pPr marL="1828727" indent="0" algn="ctr" defTabSz="914363" rtl="0" eaLnBrk="1" latinLnBrk="0" hangingPunct="1">
-              <a:lnSpc>
-                <a:spcPct val="90000"/>
-              </a:lnSpc>
-              <a:spcBef>
-                <a:spcPct val="20000"/>
-              </a:spcBef>
-              <a:buFontTx/>
-              <a:buNone/>
-              <a:defRPr sz="2400" kern="1200">
-                <a:solidFill>
-                  <a:schemeClr val="tx1">
-                    <a:tint val="75000"/>
-                  </a:schemeClr>
-                </a:solidFill>
-                <a:latin typeface="+mn-lt"/>
-                <a:ea typeface="+mn-ea"/>
-                <a:cs typeface="+mn-cs"/>
-              </a:defRPr>
-            </a:lvl5pPr>
-            <a:lvl6pPr marL="2285909" indent="0" algn="ctr" defTabSz="914363" rtl="0" eaLnBrk="1" latinLnBrk="0" hangingPunct="1">
-              <a:spcBef>
-                <a:spcPct val="20000"/>
-              </a:spcBef>
-              <a:buFont typeface="Arial" pitchFamily="34" charset="0"/>
-              <a:buNone/>
-              <a:defRPr sz="2000" kern="1200">
-                <a:solidFill>
-                  <a:schemeClr val="tx1">
-                    <a:tint val="75000"/>
-                  </a:schemeClr>
-                </a:solidFill>
-                <a:latin typeface="+mn-lt"/>
-                <a:ea typeface="+mn-ea"/>
-                <a:cs typeface="+mn-cs"/>
-              </a:defRPr>
-            </a:lvl6pPr>
-            <a:lvl7pPr marL="2743090" indent="0" algn="ctr" defTabSz="914363" rtl="0" eaLnBrk="1" latinLnBrk="0" hangingPunct="1">
-              <a:spcBef>
-                <a:spcPct val="20000"/>
-              </a:spcBef>
-              <a:buFont typeface="Arial" pitchFamily="34" charset="0"/>
-              <a:buNone/>
-              <a:defRPr sz="2000" kern="1200">
-                <a:solidFill>
-                  <a:schemeClr val="tx1">
-                    <a:tint val="75000"/>
-                  </a:schemeClr>
-                </a:solidFill>
-                <a:latin typeface="+mn-lt"/>
-                <a:ea typeface="+mn-ea"/>
-                <a:cs typeface="+mn-cs"/>
-              </a:defRPr>
-            </a:lvl7pPr>
-            <a:lvl8pPr marL="3200272" indent="0" algn="ctr" defTabSz="914363" rtl="0" eaLnBrk="1" latinLnBrk="0" hangingPunct="1">
-              <a:spcBef>
-                <a:spcPct val="20000"/>
-              </a:spcBef>
-              <a:buFont typeface="Arial" pitchFamily="34" charset="0"/>
-              <a:buNone/>
-              <a:defRPr sz="2000" kern="1200">
-                <a:solidFill>
-                  <a:schemeClr val="tx1">
-                    <a:tint val="75000"/>
-                  </a:schemeClr>
-                </a:solidFill>
-                <a:latin typeface="+mn-lt"/>
-                <a:ea typeface="+mn-ea"/>
-                <a:cs typeface="+mn-cs"/>
-              </a:defRPr>
-            </a:lvl8pPr>
-            <a:lvl9pPr marL="3657454" indent="0" algn="ctr" defTabSz="914363" rtl="0" eaLnBrk="1" latinLnBrk="0" hangingPunct="1">
-              <a:spcBef>
-                <a:spcPct val="20000"/>
-              </a:spcBef>
-              <a:buFont typeface="Arial" pitchFamily="34" charset="0"/>
-              <a:buNone/>
-              <a:defRPr sz="2000" kern="1200">
-                <a:solidFill>
-                  <a:schemeClr val="tx1">
-                    <a:tint val="75000"/>
-                  </a:schemeClr>
-                </a:solidFill>
-                <a:latin typeface="+mn-lt"/>
-                <a:ea typeface="+mn-ea"/>
-                <a:cs typeface="+mn-cs"/>
-              </a:defRPr>
-            </a:lvl9pPr>
-          </a:lstStyle>
-          <a:p>
-            <a:pPr fontAlgn="base"/>
-            <a:r>
-              <a:rPr lang="en-US" sz="2400" dirty="0"/>
-              <a:t>Tortoise SVN</a:t>
-            </a:r>
-          </a:p>
-        </p:txBody>
-      </p:sp>
+      </p:pic>
+      <p:pic>
+        <p:nvPicPr>
+          <p:cNvPr id="3078" name="Picture 6" descr="F:\workspace\Capstone Project\features_json.png"/>
+          <p:cNvPicPr>
+            <a:picLocks noChangeAspect="1" noChangeArrowheads="1"/>
+          </p:cNvPicPr>
+          <p:nvPr/>
+        </p:nvPicPr>
+        <p:blipFill>
+          <a:blip r:embed="rId6" cstate="print">
+            <a:extLst>
+              <a:ext uri="{28A0092B-C50C-407E-A947-70E740481C1C}">
+                <a14:useLocalDpi xmlns:a14="http://schemas.microsoft.com/office/drawing/2010/main" val="0"/>
+              </a:ext>
+            </a:extLst>
+          </a:blip>
+          <a:srcRect/>
+          <a:stretch>
+            <a:fillRect/>
+          </a:stretch>
+        </p:blipFill>
+        <p:spPr bwMode="auto">
+          <a:xfrm>
+            <a:off x="6172200" y="2514600"/>
+            <a:ext cx="735353" cy="990600"/>
+          </a:xfrm>
+          <a:prstGeom prst="rect">
+            <a:avLst/>
+          </a:prstGeom>
+          <a:noFill/>
+          <a:extLst>
+            <a:ext uri="{909E8E84-426E-40DD-AFC4-6F175D3DCCD1}">
+              <a14:hiddenFill xmlns:a14="http://schemas.microsoft.com/office/drawing/2010/main">
+                <a:solidFill>
+                  <a:srgbClr val="FFFFFF"/>
+                </a:solidFill>
+              </a14:hiddenFill>
+            </a:ext>
+          </a:extLst>
+        </p:spPr>
+      </p:pic>
+      <p:pic>
+        <p:nvPicPr>
+          <p:cNvPr id="3079" name="Picture 7" descr="F:\workspace\Capstone Project\ajax.png"/>
+          <p:cNvPicPr>
+            <a:picLocks noChangeAspect="1" noChangeArrowheads="1"/>
+          </p:cNvPicPr>
+          <p:nvPr/>
+        </p:nvPicPr>
+        <p:blipFill>
+          <a:blip r:embed="rId7">
+            <a:extLst>
+              <a:ext uri="{28A0092B-C50C-407E-A947-70E740481C1C}">
+                <a14:useLocalDpi xmlns:a14="http://schemas.microsoft.com/office/drawing/2010/main" val="0"/>
+              </a:ext>
+            </a:extLst>
+          </a:blip>
+          <a:srcRect/>
+          <a:stretch>
+            <a:fillRect/>
+          </a:stretch>
+        </p:blipFill>
+        <p:spPr bwMode="auto">
+          <a:xfrm>
+            <a:off x="7043736" y="2514600"/>
+            <a:ext cx="1743929" cy="990599"/>
+          </a:xfrm>
+          <a:prstGeom prst="rect">
+            <a:avLst/>
+          </a:prstGeom>
+          <a:noFill/>
+          <a:extLst>
+            <a:ext uri="{909E8E84-426E-40DD-AFC4-6F175D3DCCD1}">
+              <a14:hiddenFill xmlns:a14="http://schemas.microsoft.com/office/drawing/2010/main">
+                <a:solidFill>
+                  <a:srgbClr val="FFFFFF"/>
+                </a:solidFill>
+              </a14:hiddenFill>
+            </a:ext>
+          </a:extLst>
+        </p:spPr>
+      </p:pic>
+      <p:pic>
+        <p:nvPicPr>
+          <p:cNvPr id="3080" name="Picture 8" descr="F:\workspace\Capstone Project\struts2.png"/>
+          <p:cNvPicPr>
+            <a:picLocks noChangeAspect="1" noChangeArrowheads="1"/>
+          </p:cNvPicPr>
+          <p:nvPr/>
+        </p:nvPicPr>
+        <p:blipFill>
+          <a:blip r:embed="rId8">
+            <a:extLst>
+              <a:ext uri="{28A0092B-C50C-407E-A947-70E740481C1C}">
+                <a14:useLocalDpi xmlns:a14="http://schemas.microsoft.com/office/drawing/2010/main" val="0"/>
+              </a:ext>
+            </a:extLst>
+          </a:blip>
+          <a:srcRect/>
+          <a:stretch>
+            <a:fillRect/>
+          </a:stretch>
+        </p:blipFill>
+        <p:spPr bwMode="auto">
+          <a:xfrm>
+            <a:off x="1502970" y="3856736"/>
+            <a:ext cx="1622885" cy="546100"/>
+          </a:xfrm>
+          <a:prstGeom prst="rect">
+            <a:avLst/>
+          </a:prstGeom>
+          <a:noFill/>
+          <a:extLst>
+            <a:ext uri="{909E8E84-426E-40DD-AFC4-6F175D3DCCD1}">
+              <a14:hiddenFill xmlns:a14="http://schemas.microsoft.com/office/drawing/2010/main">
+                <a:solidFill>
+                  <a:srgbClr val="FFFFFF"/>
+                </a:solidFill>
+              </a14:hiddenFill>
+            </a:ext>
+          </a:extLst>
+        </p:spPr>
+      </p:pic>
+      <p:pic>
+        <p:nvPicPr>
+          <p:cNvPr id="3081" name="Picture 9" descr="F:\workspace\Capstone Project\hibernate-logo.png"/>
+          <p:cNvPicPr>
+            <a:picLocks noChangeAspect="1" noChangeArrowheads="1"/>
+          </p:cNvPicPr>
+          <p:nvPr/>
+        </p:nvPicPr>
+        <p:blipFill>
+          <a:blip r:embed="rId9" cstate="print">
+            <a:extLst>
+              <a:ext uri="{28A0092B-C50C-407E-A947-70E740481C1C}">
+                <a14:useLocalDpi xmlns:a14="http://schemas.microsoft.com/office/drawing/2010/main" val="0"/>
+              </a:ext>
+            </a:extLst>
+          </a:blip>
+          <a:srcRect/>
+          <a:stretch>
+            <a:fillRect/>
+          </a:stretch>
+        </p:blipFill>
+        <p:spPr bwMode="auto">
+          <a:xfrm>
+            <a:off x="3421687" y="3889117"/>
+            <a:ext cx="3068637" cy="513719"/>
+          </a:xfrm>
+          <a:prstGeom prst="rect">
+            <a:avLst/>
+          </a:prstGeom>
+          <a:noFill/>
+          <a:extLst>
+            <a:ext uri="{909E8E84-426E-40DD-AFC4-6F175D3DCCD1}">
+              <a14:hiddenFill xmlns:a14="http://schemas.microsoft.com/office/drawing/2010/main">
+                <a:solidFill>
+                  <a:srgbClr val="FFFFFF"/>
+                </a:solidFill>
+              </a14:hiddenFill>
+            </a:ext>
+          </a:extLst>
+        </p:spPr>
+      </p:pic>
+      <p:pic>
+        <p:nvPicPr>
+          <p:cNvPr id="3082" name="Picture 10" descr="F:\workspace\Capstone Project\log4j-mini-logo.png"/>
+          <p:cNvPicPr>
+            <a:picLocks noChangeAspect="1" noChangeArrowheads="1"/>
+          </p:cNvPicPr>
+          <p:nvPr/>
+        </p:nvPicPr>
+        <p:blipFill>
+          <a:blip r:embed="rId10">
+            <a:extLst>
+              <a:ext uri="{28A0092B-C50C-407E-A947-70E740481C1C}">
+                <a14:useLocalDpi xmlns:a14="http://schemas.microsoft.com/office/drawing/2010/main" val="0"/>
+              </a:ext>
+            </a:extLst>
+          </a:blip>
+          <a:srcRect/>
+          <a:stretch>
+            <a:fillRect/>
+          </a:stretch>
+        </p:blipFill>
+        <p:spPr bwMode="auto">
+          <a:xfrm>
+            <a:off x="7010400" y="3505200"/>
+            <a:ext cx="1447800" cy="897636"/>
+          </a:xfrm>
+          <a:prstGeom prst="rect">
+            <a:avLst/>
+          </a:prstGeom>
+          <a:noFill/>
+          <a:extLst>
+            <a:ext uri="{909E8E84-426E-40DD-AFC4-6F175D3DCCD1}">
+              <a14:hiddenFill xmlns:a14="http://schemas.microsoft.com/office/drawing/2010/main">
+                <a:solidFill>
+                  <a:srgbClr val="FFFFFF"/>
+                </a:solidFill>
+              </a14:hiddenFill>
+            </a:ext>
+          </a:extLst>
+        </p:spPr>
+      </p:pic>
+      <p:pic>
+        <p:nvPicPr>
+          <p:cNvPr id="3085" name="Picture 13" descr="F:\workspace\Capstone Project\paypal (2).png"/>
+          <p:cNvPicPr>
+            <a:picLocks noChangeAspect="1" noChangeArrowheads="1"/>
+          </p:cNvPicPr>
+          <p:nvPr/>
+        </p:nvPicPr>
+        <p:blipFill>
+          <a:blip r:embed="rId11">
+            <a:extLst>
+              <a:ext uri="{28A0092B-C50C-407E-A947-70E740481C1C}">
+                <a14:useLocalDpi xmlns:a14="http://schemas.microsoft.com/office/drawing/2010/main" val="0"/>
+              </a:ext>
+            </a:extLst>
+          </a:blip>
+          <a:srcRect/>
+          <a:stretch>
+            <a:fillRect/>
+          </a:stretch>
+        </p:blipFill>
+        <p:spPr bwMode="auto">
+          <a:xfrm>
+            <a:off x="2292445" y="4876800"/>
+            <a:ext cx="1042113" cy="889000"/>
+          </a:xfrm>
+          <a:prstGeom prst="rect">
+            <a:avLst/>
+          </a:prstGeom>
+          <a:noFill/>
+          <a:extLst>
+            <a:ext uri="{909E8E84-426E-40DD-AFC4-6F175D3DCCD1}">
+              <a14:hiddenFill xmlns:a14="http://schemas.microsoft.com/office/drawing/2010/main">
+                <a:solidFill>
+                  <a:srgbClr val="FFFFFF"/>
+                </a:solidFill>
+              </a14:hiddenFill>
+            </a:ext>
+          </a:extLst>
+        </p:spPr>
+      </p:pic>
+      <p:pic>
+        <p:nvPicPr>
+          <p:cNvPr id="3086" name="Picture 14" descr="F:\workspace\Capstone Project\fop_logo.jpg"/>
+          <p:cNvPicPr>
+            <a:picLocks noChangeAspect="1" noChangeArrowheads="1"/>
+          </p:cNvPicPr>
+          <p:nvPr/>
+        </p:nvPicPr>
+        <p:blipFill>
+          <a:blip r:embed="rId12">
+            <a:extLst>
+              <a:ext uri="{28A0092B-C50C-407E-A947-70E740481C1C}">
+                <a14:useLocalDpi xmlns:a14="http://schemas.microsoft.com/office/drawing/2010/main" val="0"/>
+              </a:ext>
+            </a:extLst>
+          </a:blip>
+          <a:srcRect/>
+          <a:stretch>
+            <a:fillRect/>
+          </a:stretch>
+        </p:blipFill>
+        <p:spPr bwMode="auto">
+          <a:xfrm>
+            <a:off x="3782707" y="4876801"/>
+            <a:ext cx="1544820" cy="889000"/>
+          </a:xfrm>
+          <a:prstGeom prst="rect">
+            <a:avLst/>
+          </a:prstGeom>
+          <a:noFill/>
+          <a:extLst>
+            <a:ext uri="{909E8E84-426E-40DD-AFC4-6F175D3DCCD1}">
+              <a14:hiddenFill xmlns:a14="http://schemas.microsoft.com/office/drawing/2010/main">
+                <a:solidFill>
+                  <a:srgbClr val="FFFFFF"/>
+                </a:solidFill>
+              </a14:hiddenFill>
+            </a:ext>
+          </a:extLst>
+        </p:spPr>
+      </p:pic>
+      <p:pic>
+        <p:nvPicPr>
+          <p:cNvPr id="3087" name="Picture 15" descr="F:\workspace\Capstone Project\Spring_Logo.png"/>
+          <p:cNvPicPr>
+            <a:picLocks noChangeAspect="1" noChangeArrowheads="1"/>
+          </p:cNvPicPr>
+          <p:nvPr/>
+        </p:nvPicPr>
+        <p:blipFill>
+          <a:blip r:embed="rId13">
+            <a:extLst>
+              <a:ext uri="{28A0092B-C50C-407E-A947-70E740481C1C}">
+                <a14:useLocalDpi xmlns:a14="http://schemas.microsoft.com/office/drawing/2010/main" val="0"/>
+              </a:ext>
+            </a:extLst>
+          </a:blip>
+          <a:srcRect/>
+          <a:stretch>
+            <a:fillRect/>
+          </a:stretch>
+        </p:blipFill>
+        <p:spPr bwMode="auto">
+          <a:xfrm>
+            <a:off x="5745480" y="4876801"/>
+            <a:ext cx="1493520" cy="889000"/>
+          </a:xfrm>
+          <a:prstGeom prst="rect">
+            <a:avLst/>
+          </a:prstGeom>
+          <a:noFill/>
+          <a:extLst>
+            <a:ext uri="{909E8E84-426E-40DD-AFC4-6F175D3DCCD1}">
+              <a14:hiddenFill xmlns:a14="http://schemas.microsoft.com/office/drawing/2010/main">
+                <a:solidFill>
+                  <a:srgbClr val="FFFFFF"/>
+                </a:solidFill>
+              </a14:hiddenFill>
+            </a:ext>
+          </a:extLst>
+        </p:spPr>
+      </p:pic>
       <p:pic>
         <p:nvPicPr>
           <p:cNvPr id="16" name="Picture 2" descr="F:\workspace\Capstone Project\logo fpt university.jpg"/>
@@ -5966,7 +6843,7 @@
           <p:nvPr/>
         </p:nvPicPr>
         <p:blipFill>
-          <a:blip r:embed="rId7" cstate="print">
+          <a:blip r:embed="rId14" cstate="print">
             <a:extLst>
               <a:ext uri="{28A0092B-C50C-407E-A947-70E740481C1C}">
                 <a14:useLocalDpi xmlns:a14="http://schemas.microsoft.com/office/drawing/2010/main" val="0"/>
@@ -6001,7 +6878,7 @@
     </p:spTree>
     <p:extLst>
       <p:ext uri="{BB962C8B-B14F-4D97-AF65-F5344CB8AC3E}">
-        <p14:creationId xmlns:p14="http://schemas.microsoft.com/office/powerpoint/2010/main" val="3181807627"/>
+        <p14:creationId xmlns:p14="http://schemas.microsoft.com/office/powerpoint/2010/main" val="2046209442"/>
       </p:ext>
     </p:extLst>
   </p:cSld>
@@ -6040,6 +6917,37 @@
       </p:grpSpPr>
       <p:sp>
         <p:nvSpPr>
+          <p:cNvPr id="4" name="Title 3"/>
+          <p:cNvSpPr>
+            <a:spLocks noGrp="1"/>
+          </p:cNvSpPr>
+          <p:nvPr>
+            <p:ph type="ctrTitle"/>
+          </p:nvPr>
+        </p:nvSpPr>
+        <p:spPr>
+          <a:xfrm>
+            <a:off x="762000" y="2286000"/>
+            <a:ext cx="7772400" cy="1470025"/>
+          </a:xfrm>
+        </p:spPr>
+        <p:txBody>
+          <a:bodyPr>
+            <a:normAutofit/>
+          </a:bodyPr>
+          <a:lstStyle/>
+          <a:p>
+            <a:pPr marL="342900" lvl="0" indent="-342900" algn="ctr" fontAlgn="base"/>
+            <a:r>
+              <a:rPr lang="en-US" dirty="0" smtClean="0"/>
+              <a:t>Demo</a:t>
+            </a:r>
+            <a:endParaRPr lang="en-US" dirty="0"/>
+          </a:p>
+        </p:txBody>
+      </p:sp>
+      <p:sp>
+        <p:nvSpPr>
           <p:cNvPr id="3" name="Subtitle 2"/>
           <p:cNvSpPr>
             <a:spLocks noGrp="1"/>
@@ -6050,8 +6958,8 @@
         </p:nvSpPr>
         <p:spPr>
           <a:xfrm>
-            <a:off x="1371600" y="1676400"/>
-            <a:ext cx="2320051" cy="609600"/>
+            <a:off x="1371600" y="2133600"/>
+            <a:ext cx="6400800" cy="3505200"/>
           </a:xfrm>
         </p:spPr>
         <p:txBody>
@@ -6060,119 +6968,18 @@
           </a:bodyPr>
           <a:lstStyle/>
           <a:p>
-            <a:pPr algn="l" fontAlgn="base"/>
-            <a:r>
-              <a:rPr lang="en-US" sz="3600" spc="-150" dirty="0" smtClean="0">
-                <a:ln w="3175">
-                  <a:noFill/>
-                </a:ln>
-                <a:gradFill flip="none" rotWithShape="1">
-                  <a:gsLst>
-                    <a:gs pos="0">
-                      <a:srgbClr val="FFFFB9"/>
-                    </a:gs>
-                    <a:gs pos="36000">
-                      <a:srgbClr val="FFFF99"/>
-                    </a:gs>
-                    <a:gs pos="86000">
-                      <a:srgbClr val="F6AE1E"/>
-                    </a:gs>
-                  </a:gsLst>
-                  <a:lin ang="5400000" scaled="0"/>
-                  <a:tileRect/>
-                </a:gradFill>
-                <a:effectLst>
-                  <a:glow>
-                    <a:srgbClr val="000000"/>
-                  </a:glow>
-                  <a:outerShdw sx="0" sy="0">
-                    <a:srgbClr val="000000"/>
-                  </a:outerShdw>
-                  <a:reflection stA="0" endPos="0" fadeDir="0" sx="0" sy="0"/>
-                </a:effectLst>
-                <a:latin typeface="+mj-lt"/>
-                <a:cs typeface="Arial" charset="0"/>
-              </a:rPr>
-              <a:t>Techniques </a:t>
-            </a:r>
-            <a:r>
-              <a:rPr lang="en-US" sz="3600" spc="-150" dirty="0">
-                <a:ln w="3175">
-                  <a:noFill/>
-                </a:ln>
-                <a:gradFill flip="none" rotWithShape="1">
-                  <a:gsLst>
-                    <a:gs pos="0">
-                      <a:srgbClr val="FFFFB9"/>
-                    </a:gs>
-                    <a:gs pos="36000">
-                      <a:srgbClr val="FFFF99"/>
-                    </a:gs>
-                    <a:gs pos="86000">
-                      <a:srgbClr val="F6AE1E"/>
-                    </a:gs>
-                  </a:gsLst>
-                  <a:lin ang="5400000" scaled="0"/>
-                  <a:tileRect/>
-                </a:gradFill>
-                <a:effectLst>
-                  <a:glow>
-                    <a:srgbClr val="000000"/>
-                  </a:glow>
-                  <a:outerShdw sx="0" sy="0">
-                    <a:srgbClr val="000000"/>
-                  </a:outerShdw>
-                  <a:reflection stA="0" endPos="0" fadeDir="0" sx="0" sy="0"/>
-                </a:effectLst>
-                <a:latin typeface="+mj-lt"/>
-                <a:cs typeface="Arial" charset="0"/>
-              </a:rPr>
-              <a:t>:</a:t>
-            </a:r>
-          </a:p>
-        </p:txBody>
-      </p:sp>
-      <p:sp>
-        <p:nvSpPr>
-          <p:cNvPr id="2" name="Title 1"/>
-          <p:cNvSpPr>
-            <a:spLocks noGrp="1"/>
-          </p:cNvSpPr>
-          <p:nvPr>
-            <p:ph type="ctrTitle"/>
-          </p:nvPr>
-        </p:nvSpPr>
-        <p:spPr>
-          <a:xfrm>
-            <a:off x="609600" y="457200"/>
-            <a:ext cx="7681913" cy="1523495"/>
-          </a:xfrm>
-        </p:spPr>
-        <p:txBody>
-          <a:bodyPr/>
-          <a:lstStyle/>
-          <a:p>
-            <a:r>
-              <a:rPr lang="en-US" dirty="0">
-                <a:effectLst>
-                  <a:glow>
-                    <a:srgbClr val="000000"/>
-                  </a:glow>
-                  <a:outerShdw sx="0" sy="0">
-                    <a:srgbClr val="000000"/>
-                  </a:outerShdw>
-                  <a:reflection stA="0" endPos="0" fadeDir="0" sx="0" sy="0"/>
-                </a:effectLst>
-              </a:rPr>
-              <a:t>Tools And Techniques</a:t>
-            </a:r>
-            <a:endParaRPr lang="en-US" dirty="0"/>
+            <a:pPr lvl="0" algn="l" fontAlgn="base"/>
+            <a:endParaRPr lang="en-US" sz="2000" dirty="0">
+              <a:solidFill>
+                <a:schemeClr val="tx1"/>
+              </a:solidFill>
+            </a:endParaRPr>
           </a:p>
         </p:txBody>
       </p:sp>
       <p:pic>
         <p:nvPicPr>
-          <p:cNvPr id="3074" name="Picture 2" descr="F:\workspace\Capstone Project\html2.png"/>
+          <p:cNvPr id="5" name="Picture 2" descr="F:\workspace\Capstone Project\logo fpt university.jpg"/>
           <p:cNvPicPr>
             <a:picLocks noChangeAspect="1" noChangeArrowheads="1"/>
           </p:cNvPicPr>
@@ -6180,498 +6987,6 @@
         </p:nvPicPr>
         <p:blipFill>
           <a:blip r:embed="rId2" cstate="print">
-            <a:extLst>
-              <a:ext uri="{28A0092B-C50C-407E-A947-70E740481C1C}">
-                <a14:useLocalDpi xmlns:a14="http://schemas.microsoft.com/office/drawing/2010/main" val="0"/>
-              </a:ext>
-            </a:extLst>
-          </a:blip>
-          <a:srcRect/>
-          <a:stretch>
-            <a:fillRect/>
-          </a:stretch>
-        </p:blipFill>
-        <p:spPr bwMode="auto">
-          <a:xfrm>
-            <a:off x="1371600" y="2514600"/>
-            <a:ext cx="990599" cy="990599"/>
-          </a:xfrm>
-          <a:prstGeom prst="rect">
-            <a:avLst/>
-          </a:prstGeom>
-          <a:noFill/>
-          <a:extLst>
-            <a:ext uri="{909E8E84-426E-40DD-AFC4-6F175D3DCCD1}">
-              <a14:hiddenFill xmlns:a14="http://schemas.microsoft.com/office/drawing/2010/main">
-                <a:solidFill>
-                  <a:srgbClr val="FFFFFF"/>
-                </a:solidFill>
-              </a14:hiddenFill>
-            </a:ext>
-          </a:extLst>
-        </p:spPr>
-      </p:pic>
-      <p:pic>
-        <p:nvPicPr>
-          <p:cNvPr id="3075" name="Picture 3" descr="F:\workspace\Capstone Project\File Adobe Dreamweaver CSS-01.png"/>
-          <p:cNvPicPr>
-            <a:picLocks noChangeAspect="1" noChangeArrowheads="1"/>
-          </p:cNvPicPr>
-          <p:nvPr/>
-        </p:nvPicPr>
-        <p:blipFill>
-          <a:blip r:embed="rId3" cstate="print">
-            <a:extLst>
-              <a:ext uri="{28A0092B-C50C-407E-A947-70E740481C1C}">
-                <a14:useLocalDpi xmlns:a14="http://schemas.microsoft.com/office/drawing/2010/main" val="0"/>
-              </a:ext>
-            </a:extLst>
-          </a:blip>
-          <a:srcRect/>
-          <a:stretch>
-            <a:fillRect/>
-          </a:stretch>
-        </p:blipFill>
-        <p:spPr bwMode="auto">
-          <a:xfrm>
-            <a:off x="2701052" y="2514600"/>
-            <a:ext cx="990599" cy="990599"/>
-          </a:xfrm>
-          <a:prstGeom prst="rect">
-            <a:avLst/>
-          </a:prstGeom>
-          <a:noFill/>
-          <a:extLst>
-            <a:ext uri="{909E8E84-426E-40DD-AFC4-6F175D3DCCD1}">
-              <a14:hiddenFill xmlns:a14="http://schemas.microsoft.com/office/drawing/2010/main">
-                <a:solidFill>
-                  <a:srgbClr val="FFFFFF"/>
-                </a:solidFill>
-              </a14:hiddenFill>
-            </a:ext>
-          </a:extLst>
-        </p:spPr>
-      </p:pic>
-      <p:pic>
-        <p:nvPicPr>
-          <p:cNvPr id="3076" name="Picture 4" descr="F:\workspace\Capstone Project\File Adobe Dreamweaver JavaScript.png"/>
-          <p:cNvPicPr>
-            <a:picLocks noChangeAspect="1" noChangeArrowheads="1"/>
-          </p:cNvPicPr>
-          <p:nvPr/>
-        </p:nvPicPr>
-        <p:blipFill>
-          <a:blip r:embed="rId4" cstate="print">
-            <a:extLst>
-              <a:ext uri="{28A0092B-C50C-407E-A947-70E740481C1C}">
-                <a14:useLocalDpi xmlns:a14="http://schemas.microsoft.com/office/drawing/2010/main" val="0"/>
-              </a:ext>
-            </a:extLst>
-          </a:blip>
-          <a:srcRect/>
-          <a:stretch>
-            <a:fillRect/>
-          </a:stretch>
-        </p:blipFill>
-        <p:spPr bwMode="auto">
-          <a:xfrm>
-            <a:off x="3810000" y="2514600"/>
-            <a:ext cx="990599" cy="990599"/>
-          </a:xfrm>
-          <a:prstGeom prst="rect">
-            <a:avLst/>
-          </a:prstGeom>
-          <a:noFill/>
-          <a:extLst>
-            <a:ext uri="{909E8E84-426E-40DD-AFC4-6F175D3DCCD1}">
-              <a14:hiddenFill xmlns:a14="http://schemas.microsoft.com/office/drawing/2010/main">
-                <a:solidFill>
-                  <a:srgbClr val="FFFFFF"/>
-                </a:solidFill>
-              </a14:hiddenFill>
-            </a:ext>
-          </a:extLst>
-        </p:spPr>
-      </p:pic>
-      <p:pic>
-        <p:nvPicPr>
-          <p:cNvPr id="3077" name="Picture 5" descr="F:\workspace\Capstone Project\2.png"/>
-          <p:cNvPicPr>
-            <a:picLocks noChangeAspect="1" noChangeArrowheads="1"/>
-          </p:cNvPicPr>
-          <p:nvPr/>
-        </p:nvPicPr>
-        <p:blipFill>
-          <a:blip r:embed="rId5" cstate="print">
-            <a:extLst>
-              <a:ext uri="{28A0092B-C50C-407E-A947-70E740481C1C}">
-                <a14:useLocalDpi xmlns:a14="http://schemas.microsoft.com/office/drawing/2010/main" val="0"/>
-              </a:ext>
-            </a:extLst>
-          </a:blip>
-          <a:srcRect/>
-          <a:stretch>
-            <a:fillRect/>
-          </a:stretch>
-        </p:blipFill>
-        <p:spPr bwMode="auto">
-          <a:xfrm>
-            <a:off x="5029200" y="2514600"/>
-            <a:ext cx="990600" cy="990600"/>
-          </a:xfrm>
-          <a:prstGeom prst="rect">
-            <a:avLst/>
-          </a:prstGeom>
-          <a:noFill/>
-          <a:extLst>
-            <a:ext uri="{909E8E84-426E-40DD-AFC4-6F175D3DCCD1}">
-              <a14:hiddenFill xmlns:a14="http://schemas.microsoft.com/office/drawing/2010/main">
-                <a:solidFill>
-                  <a:srgbClr val="FFFFFF"/>
-                </a:solidFill>
-              </a14:hiddenFill>
-            </a:ext>
-          </a:extLst>
-        </p:spPr>
-      </p:pic>
-      <p:pic>
-        <p:nvPicPr>
-          <p:cNvPr id="3078" name="Picture 6" descr="F:\workspace\Capstone Project\features_json.png"/>
-          <p:cNvPicPr>
-            <a:picLocks noChangeAspect="1" noChangeArrowheads="1"/>
-          </p:cNvPicPr>
-          <p:nvPr/>
-        </p:nvPicPr>
-        <p:blipFill>
-          <a:blip r:embed="rId6" cstate="print">
-            <a:extLst>
-              <a:ext uri="{28A0092B-C50C-407E-A947-70E740481C1C}">
-                <a14:useLocalDpi xmlns:a14="http://schemas.microsoft.com/office/drawing/2010/main" val="0"/>
-              </a:ext>
-            </a:extLst>
-          </a:blip>
-          <a:srcRect/>
-          <a:stretch>
-            <a:fillRect/>
-          </a:stretch>
-        </p:blipFill>
-        <p:spPr bwMode="auto">
-          <a:xfrm>
-            <a:off x="6172200" y="2514600"/>
-            <a:ext cx="735353" cy="990600"/>
-          </a:xfrm>
-          <a:prstGeom prst="rect">
-            <a:avLst/>
-          </a:prstGeom>
-          <a:noFill/>
-          <a:extLst>
-            <a:ext uri="{909E8E84-426E-40DD-AFC4-6F175D3DCCD1}">
-              <a14:hiddenFill xmlns:a14="http://schemas.microsoft.com/office/drawing/2010/main">
-                <a:solidFill>
-                  <a:srgbClr val="FFFFFF"/>
-                </a:solidFill>
-              </a14:hiddenFill>
-            </a:ext>
-          </a:extLst>
-        </p:spPr>
-      </p:pic>
-      <p:pic>
-        <p:nvPicPr>
-          <p:cNvPr id="3079" name="Picture 7" descr="F:\workspace\Capstone Project\ajax.png"/>
-          <p:cNvPicPr>
-            <a:picLocks noChangeAspect="1" noChangeArrowheads="1"/>
-          </p:cNvPicPr>
-          <p:nvPr/>
-        </p:nvPicPr>
-        <p:blipFill>
-          <a:blip r:embed="rId7">
-            <a:extLst>
-              <a:ext uri="{28A0092B-C50C-407E-A947-70E740481C1C}">
-                <a14:useLocalDpi xmlns:a14="http://schemas.microsoft.com/office/drawing/2010/main" val="0"/>
-              </a:ext>
-            </a:extLst>
-          </a:blip>
-          <a:srcRect/>
-          <a:stretch>
-            <a:fillRect/>
-          </a:stretch>
-        </p:blipFill>
-        <p:spPr bwMode="auto">
-          <a:xfrm>
-            <a:off x="7043736" y="2514600"/>
-            <a:ext cx="1743929" cy="990599"/>
-          </a:xfrm>
-          <a:prstGeom prst="rect">
-            <a:avLst/>
-          </a:prstGeom>
-          <a:noFill/>
-          <a:extLst>
-            <a:ext uri="{909E8E84-426E-40DD-AFC4-6F175D3DCCD1}">
-              <a14:hiddenFill xmlns:a14="http://schemas.microsoft.com/office/drawing/2010/main">
-                <a:solidFill>
-                  <a:srgbClr val="FFFFFF"/>
-                </a:solidFill>
-              </a14:hiddenFill>
-            </a:ext>
-          </a:extLst>
-        </p:spPr>
-      </p:pic>
-      <p:pic>
-        <p:nvPicPr>
-          <p:cNvPr id="3080" name="Picture 8" descr="F:\workspace\Capstone Project\struts2.png"/>
-          <p:cNvPicPr>
-            <a:picLocks noChangeAspect="1" noChangeArrowheads="1"/>
-          </p:cNvPicPr>
-          <p:nvPr/>
-        </p:nvPicPr>
-        <p:blipFill>
-          <a:blip r:embed="rId8">
-            <a:extLst>
-              <a:ext uri="{28A0092B-C50C-407E-A947-70E740481C1C}">
-                <a14:useLocalDpi xmlns:a14="http://schemas.microsoft.com/office/drawing/2010/main" val="0"/>
-              </a:ext>
-            </a:extLst>
-          </a:blip>
-          <a:srcRect/>
-          <a:stretch>
-            <a:fillRect/>
-          </a:stretch>
-        </p:blipFill>
-        <p:spPr bwMode="auto">
-          <a:xfrm>
-            <a:off x="1502970" y="3856736"/>
-            <a:ext cx="1622885" cy="546100"/>
-          </a:xfrm>
-          <a:prstGeom prst="rect">
-            <a:avLst/>
-          </a:prstGeom>
-          <a:noFill/>
-          <a:extLst>
-            <a:ext uri="{909E8E84-426E-40DD-AFC4-6F175D3DCCD1}">
-              <a14:hiddenFill xmlns:a14="http://schemas.microsoft.com/office/drawing/2010/main">
-                <a:solidFill>
-                  <a:srgbClr val="FFFFFF"/>
-                </a:solidFill>
-              </a14:hiddenFill>
-            </a:ext>
-          </a:extLst>
-        </p:spPr>
-      </p:pic>
-      <p:pic>
-        <p:nvPicPr>
-          <p:cNvPr id="3081" name="Picture 9" descr="F:\workspace\Capstone Project\hibernate-logo.png"/>
-          <p:cNvPicPr>
-            <a:picLocks noChangeAspect="1" noChangeArrowheads="1"/>
-          </p:cNvPicPr>
-          <p:nvPr/>
-        </p:nvPicPr>
-        <p:blipFill>
-          <a:blip r:embed="rId9" cstate="print">
-            <a:extLst>
-              <a:ext uri="{28A0092B-C50C-407E-A947-70E740481C1C}">
-                <a14:useLocalDpi xmlns:a14="http://schemas.microsoft.com/office/drawing/2010/main" val="0"/>
-              </a:ext>
-            </a:extLst>
-          </a:blip>
-          <a:srcRect/>
-          <a:stretch>
-            <a:fillRect/>
-          </a:stretch>
-        </p:blipFill>
-        <p:spPr bwMode="auto">
-          <a:xfrm>
-            <a:off x="3421687" y="3889117"/>
-            <a:ext cx="3068637" cy="513719"/>
-          </a:xfrm>
-          <a:prstGeom prst="rect">
-            <a:avLst/>
-          </a:prstGeom>
-          <a:noFill/>
-          <a:extLst>
-            <a:ext uri="{909E8E84-426E-40DD-AFC4-6F175D3DCCD1}">
-              <a14:hiddenFill xmlns:a14="http://schemas.microsoft.com/office/drawing/2010/main">
-                <a:solidFill>
-                  <a:srgbClr val="FFFFFF"/>
-                </a:solidFill>
-              </a14:hiddenFill>
-            </a:ext>
-          </a:extLst>
-        </p:spPr>
-      </p:pic>
-      <p:pic>
-        <p:nvPicPr>
-          <p:cNvPr id="3082" name="Picture 10" descr="F:\workspace\Capstone Project\log4j-mini-logo.png"/>
-          <p:cNvPicPr>
-            <a:picLocks noChangeAspect="1" noChangeArrowheads="1"/>
-          </p:cNvPicPr>
-          <p:nvPr/>
-        </p:nvPicPr>
-        <p:blipFill>
-          <a:blip r:embed="rId10">
-            <a:extLst>
-              <a:ext uri="{28A0092B-C50C-407E-A947-70E740481C1C}">
-                <a14:useLocalDpi xmlns:a14="http://schemas.microsoft.com/office/drawing/2010/main" val="0"/>
-              </a:ext>
-            </a:extLst>
-          </a:blip>
-          <a:srcRect/>
-          <a:stretch>
-            <a:fillRect/>
-          </a:stretch>
-        </p:blipFill>
-        <p:spPr bwMode="auto">
-          <a:xfrm>
-            <a:off x="7010400" y="3505200"/>
-            <a:ext cx="1447800" cy="897636"/>
-          </a:xfrm>
-          <a:prstGeom prst="rect">
-            <a:avLst/>
-          </a:prstGeom>
-          <a:noFill/>
-          <a:extLst>
-            <a:ext uri="{909E8E84-426E-40DD-AFC4-6F175D3DCCD1}">
-              <a14:hiddenFill xmlns:a14="http://schemas.microsoft.com/office/drawing/2010/main">
-                <a:solidFill>
-                  <a:srgbClr val="FFFFFF"/>
-                </a:solidFill>
-              </a14:hiddenFill>
-            </a:ext>
-          </a:extLst>
-        </p:spPr>
-      </p:pic>
-      <p:pic>
-        <p:nvPicPr>
-          <p:cNvPr id="3085" name="Picture 13" descr="F:\workspace\Capstone Project\paypal (2).png"/>
-          <p:cNvPicPr>
-            <a:picLocks noChangeAspect="1" noChangeArrowheads="1"/>
-          </p:cNvPicPr>
-          <p:nvPr/>
-        </p:nvPicPr>
-        <p:blipFill>
-          <a:blip r:embed="rId11">
-            <a:extLst>
-              <a:ext uri="{28A0092B-C50C-407E-A947-70E740481C1C}">
-                <a14:useLocalDpi xmlns:a14="http://schemas.microsoft.com/office/drawing/2010/main" val="0"/>
-              </a:ext>
-            </a:extLst>
-          </a:blip>
-          <a:srcRect/>
-          <a:stretch>
-            <a:fillRect/>
-          </a:stretch>
-        </p:blipFill>
-        <p:spPr bwMode="auto">
-          <a:xfrm>
-            <a:off x="2292445" y="4876800"/>
-            <a:ext cx="1042113" cy="889000"/>
-          </a:xfrm>
-          <a:prstGeom prst="rect">
-            <a:avLst/>
-          </a:prstGeom>
-          <a:noFill/>
-          <a:extLst>
-            <a:ext uri="{909E8E84-426E-40DD-AFC4-6F175D3DCCD1}">
-              <a14:hiddenFill xmlns:a14="http://schemas.microsoft.com/office/drawing/2010/main">
-                <a:solidFill>
-                  <a:srgbClr val="FFFFFF"/>
-                </a:solidFill>
-              </a14:hiddenFill>
-            </a:ext>
-          </a:extLst>
-        </p:spPr>
-      </p:pic>
-      <p:pic>
-        <p:nvPicPr>
-          <p:cNvPr id="3086" name="Picture 14" descr="F:\workspace\Capstone Project\fop_logo.jpg"/>
-          <p:cNvPicPr>
-            <a:picLocks noChangeAspect="1" noChangeArrowheads="1"/>
-          </p:cNvPicPr>
-          <p:nvPr/>
-        </p:nvPicPr>
-        <p:blipFill>
-          <a:blip r:embed="rId12">
-            <a:extLst>
-              <a:ext uri="{28A0092B-C50C-407E-A947-70E740481C1C}">
-                <a14:useLocalDpi xmlns:a14="http://schemas.microsoft.com/office/drawing/2010/main" val="0"/>
-              </a:ext>
-            </a:extLst>
-          </a:blip>
-          <a:srcRect/>
-          <a:stretch>
-            <a:fillRect/>
-          </a:stretch>
-        </p:blipFill>
-        <p:spPr bwMode="auto">
-          <a:xfrm>
-            <a:off x="3782707" y="4876801"/>
-            <a:ext cx="1544820" cy="889000"/>
-          </a:xfrm>
-          <a:prstGeom prst="rect">
-            <a:avLst/>
-          </a:prstGeom>
-          <a:noFill/>
-          <a:extLst>
-            <a:ext uri="{909E8E84-426E-40DD-AFC4-6F175D3DCCD1}">
-              <a14:hiddenFill xmlns:a14="http://schemas.microsoft.com/office/drawing/2010/main">
-                <a:solidFill>
-                  <a:srgbClr val="FFFFFF"/>
-                </a:solidFill>
-              </a14:hiddenFill>
-            </a:ext>
-          </a:extLst>
-        </p:spPr>
-      </p:pic>
-      <p:pic>
-        <p:nvPicPr>
-          <p:cNvPr id="3087" name="Picture 15" descr="F:\workspace\Capstone Project\Spring_Logo.png"/>
-          <p:cNvPicPr>
-            <a:picLocks noChangeAspect="1" noChangeArrowheads="1"/>
-          </p:cNvPicPr>
-          <p:nvPr/>
-        </p:nvPicPr>
-        <p:blipFill>
-          <a:blip r:embed="rId13">
-            <a:extLst>
-              <a:ext uri="{28A0092B-C50C-407E-A947-70E740481C1C}">
-                <a14:useLocalDpi xmlns:a14="http://schemas.microsoft.com/office/drawing/2010/main" val="0"/>
-              </a:ext>
-            </a:extLst>
-          </a:blip>
-          <a:srcRect/>
-          <a:stretch>
-            <a:fillRect/>
-          </a:stretch>
-        </p:blipFill>
-        <p:spPr bwMode="auto">
-          <a:xfrm>
-            <a:off x="5745480" y="4876801"/>
-            <a:ext cx="1493520" cy="889000"/>
-          </a:xfrm>
-          <a:prstGeom prst="rect">
-            <a:avLst/>
-          </a:prstGeom>
-          <a:noFill/>
-          <a:extLst>
-            <a:ext uri="{909E8E84-426E-40DD-AFC4-6F175D3DCCD1}">
-              <a14:hiddenFill xmlns:a14="http://schemas.microsoft.com/office/drawing/2010/main">
-                <a:solidFill>
-                  <a:srgbClr val="FFFFFF"/>
-                </a:solidFill>
-              </a14:hiddenFill>
-            </a:ext>
-          </a:extLst>
-        </p:spPr>
-      </p:pic>
-      <p:pic>
-        <p:nvPicPr>
-          <p:cNvPr id="16" name="Picture 2" descr="F:\workspace\Capstone Project\logo fpt university.jpg"/>
-          <p:cNvPicPr>
-            <a:picLocks noChangeAspect="1" noChangeArrowheads="1"/>
-          </p:cNvPicPr>
-          <p:nvPr/>
-        </p:nvPicPr>
-        <p:blipFill>
-          <a:blip r:embed="rId14" cstate="print">
             <a:extLst>
               <a:ext uri="{28A0092B-C50C-407E-A947-70E740481C1C}">
                 <a14:useLocalDpi xmlns:a14="http://schemas.microsoft.com/office/drawing/2010/main" val="0"/>
@@ -6706,7 +7021,7 @@
     </p:spTree>
     <p:extLst>
       <p:ext uri="{BB962C8B-B14F-4D97-AF65-F5344CB8AC3E}">
-        <p14:creationId xmlns:p14="http://schemas.microsoft.com/office/powerpoint/2010/main" val="2046209442"/>
+        <p14:creationId xmlns:p14="http://schemas.microsoft.com/office/powerpoint/2010/main" val="545985493"/>
       </p:ext>
     </p:extLst>
   </p:cSld>
@@ -6802,12 +7117,9 @@
                   <a:schemeClr val="tx1"/>
                 </a:solidFill>
               </a:rPr>
-              <a:t>Accomplishments:</a:t>
-            </a:r>
-          </a:p>
-          <a:p>
-            <a:pPr lvl="0" algn="l" fontAlgn="base"/>
-            <a:endParaRPr lang="en-US" b="1" dirty="0">
+              <a:t>Advantages</a:t>
+            </a:r>
+            <a:endParaRPr lang="en-US" b="1" dirty="0" smtClean="0">
               <a:solidFill>
                 <a:schemeClr val="tx1"/>
               </a:solidFill>
@@ -6824,24 +7136,13 @@
                   <a:schemeClr val="tx1"/>
                 </a:solidFill>
               </a:rPr>
-              <a:t>Developed </a:t>
-            </a:r>
-            <a:r>
-              <a:rPr lang="en-US" sz="2000" dirty="0">
-                <a:solidFill>
-                  <a:schemeClr val="tx1"/>
-                </a:solidFill>
-              </a:rPr>
-              <a:t>a system </a:t>
-            </a:r>
-            <a:r>
-              <a:rPr lang="en-US" sz="2000" dirty="0" smtClean="0">
-                <a:solidFill>
-                  <a:schemeClr val="tx1"/>
-                </a:solidFill>
-              </a:rPr>
-              <a:t>for booking long travel bus ‘s ticket.</a:t>
-            </a:r>
+              <a:t>Customer can book for tickets easily and choose the seats they want.</a:t>
+            </a:r>
+            <a:endParaRPr lang="en-US" sz="2000" dirty="0" smtClean="0">
+              <a:solidFill>
+                <a:schemeClr val="tx1"/>
+              </a:solidFill>
+            </a:endParaRPr>
           </a:p>
           <a:p>
             <a:pPr marL="342900" lvl="0" indent="-342900" algn="l" fontAlgn="base">
@@ -6876,163 +7177,87 @@
               <a:t>Payment with </a:t>
             </a:r>
             <a:r>
-              <a:rPr lang="en-US" sz="2000" dirty="0" err="1" smtClean="0">
+              <a:rPr lang="en-US" sz="2000" dirty="0" smtClean="0">
                 <a:solidFill>
                   <a:schemeClr val="tx1"/>
                 </a:solidFill>
               </a:rPr>
-              <a:t>Paypal</a:t>
-            </a:r>
-            <a:r>
-              <a:rPr lang="en-US" sz="2000" dirty="0" smtClean="0">
-                <a:solidFill>
-                  <a:schemeClr val="tx1"/>
-                </a:solidFill>
-              </a:rPr>
-              <a:t>.</a:t>
-            </a:r>
+              <a:t>PayPal.</a:t>
+            </a:r>
+            <a:endParaRPr lang="en-US" sz="2000" dirty="0" smtClean="0">
+              <a:solidFill>
+                <a:schemeClr val="tx1"/>
+              </a:solidFill>
+            </a:endParaRPr>
           </a:p>
           <a:p>
             <a:pPr marL="342900" lvl="0" indent="-342900" algn="l" fontAlgn="base">
               <a:buFont typeface="Arial" pitchFamily="34" charset="0"/>
               <a:buChar char="•"/>
             </a:pPr>
+            <a:endParaRPr lang="en-US" sz="2000" dirty="0" smtClean="0">
+              <a:solidFill>
+                <a:schemeClr val="tx1"/>
+              </a:solidFill>
+            </a:endParaRPr>
+          </a:p>
+          <a:p>
+            <a:pPr lvl="0" algn="l" fontAlgn="base"/>
+            <a:r>
+              <a:rPr lang="en-US" sz="2800" b="1" dirty="0" smtClean="0">
+                <a:solidFill>
+                  <a:schemeClr val="tx1"/>
+                </a:solidFill>
+              </a:rPr>
+              <a:t>Disadvantages</a:t>
+            </a:r>
+          </a:p>
+          <a:p>
+            <a:pPr marL="342900" lvl="0" indent="-342900" algn="l" fontAlgn="base">
+              <a:buFont typeface="Arial" panose="020B0604020202020204" pitchFamily="34" charset="0"/>
+              <a:buChar char="•"/>
+            </a:pPr>
+            <a:r>
+              <a:rPr lang="en-US" sz="2000" dirty="0" smtClean="0">
+                <a:solidFill>
+                  <a:schemeClr val="tx1"/>
+                </a:solidFill>
+              </a:rPr>
+              <a:t>Staff have to schedule for each journey.</a:t>
+            </a:r>
+          </a:p>
+          <a:p>
+            <a:pPr marL="342900" lvl="0" indent="-342900" algn="l" fontAlgn="base">
+              <a:buFont typeface="Arial" panose="020B0604020202020204" pitchFamily="34" charset="0"/>
+              <a:buChar char="•"/>
+            </a:pPr>
+            <a:r>
+              <a:rPr lang="en-US" sz="2000" dirty="0" smtClean="0">
+                <a:solidFill>
+                  <a:schemeClr val="tx1"/>
+                </a:solidFill>
+              </a:rPr>
+              <a:t>Support only one online payment method.</a:t>
+            </a:r>
+          </a:p>
+          <a:p>
+            <a:pPr marL="342900" lvl="0" indent="-342900" algn="l" fontAlgn="base">
+              <a:buFont typeface="Arial" panose="020B0604020202020204" pitchFamily="34" charset="0"/>
+              <a:buChar char="•"/>
+            </a:pPr>
+            <a:r>
+              <a:rPr lang="en-US" sz="2000" dirty="0" smtClean="0">
+                <a:solidFill>
+                  <a:schemeClr val="tx1"/>
+                </a:solidFill>
+              </a:rPr>
+              <a:t>User cannot change tickets or change seats in past reservation</a:t>
+            </a:r>
             <a:endParaRPr lang="en-US" sz="2000" dirty="0">
               <a:solidFill>
                 <a:schemeClr val="tx1"/>
               </a:solidFill>
             </a:endParaRPr>
-          </a:p>
-          <a:p>
-            <a:pPr lvl="0" algn="l" fontAlgn="base"/>
-            <a:r>
-              <a:rPr lang="en-US" b="1" dirty="0" smtClean="0">
-                <a:solidFill>
-                  <a:schemeClr val="tx1"/>
-                </a:solidFill>
-              </a:rPr>
-              <a:t>Future </a:t>
-            </a:r>
-            <a:r>
-              <a:rPr lang="en-US" b="1" dirty="0">
-                <a:solidFill>
-                  <a:schemeClr val="tx1"/>
-                </a:solidFill>
-              </a:rPr>
-              <a:t>plan</a:t>
-            </a:r>
-            <a:r>
-              <a:rPr lang="en-US" b="1" dirty="0" smtClean="0">
-                <a:solidFill>
-                  <a:schemeClr val="tx1"/>
-                </a:solidFill>
-              </a:rPr>
-              <a:t>:</a:t>
-            </a:r>
-          </a:p>
-          <a:p>
-            <a:pPr lvl="0" algn="l" fontAlgn="base"/>
-            <a:endParaRPr lang="en-US" b="1" dirty="0">
-              <a:solidFill>
-                <a:schemeClr val="tx1"/>
-              </a:solidFill>
-            </a:endParaRPr>
-          </a:p>
-          <a:p>
-            <a:pPr marL="342900" lvl="0" indent="-342900" algn="l" fontAlgn="base">
-              <a:buFont typeface="Arial" pitchFamily="34" charset="0"/>
-              <a:buChar char="•"/>
-            </a:pPr>
-            <a:r>
-              <a:rPr lang="en-US" sz="2000" dirty="0" smtClean="0">
-                <a:solidFill>
-                  <a:schemeClr val="tx1"/>
-                </a:solidFill>
-              </a:rPr>
-              <a:t>Continue developing.</a:t>
-            </a:r>
-          </a:p>
-          <a:p>
-            <a:pPr marL="342900" lvl="0" indent="-342900" algn="l" fontAlgn="base">
-              <a:buFont typeface="Arial" pitchFamily="34" charset="0"/>
-              <a:buChar char="•"/>
-            </a:pPr>
-            <a:r>
-              <a:rPr lang="en-US" sz="2000" dirty="0" smtClean="0">
-                <a:solidFill>
-                  <a:schemeClr val="tx1"/>
-                </a:solidFill>
-              </a:rPr>
-              <a:t>Improve </a:t>
-            </a:r>
-            <a:r>
-              <a:rPr lang="en-US" sz="2000" dirty="0">
-                <a:solidFill>
-                  <a:schemeClr val="tx1"/>
-                </a:solidFill>
-              </a:rPr>
-              <a:t>performance, security.</a:t>
-            </a:r>
-          </a:p>
-          <a:p>
-            <a:pPr marL="342900" lvl="0" indent="-342900" algn="l" fontAlgn="base">
-              <a:buFont typeface="Arial" pitchFamily="34" charset="0"/>
-              <a:buChar char="•"/>
-            </a:pPr>
-            <a:r>
-              <a:rPr lang="en-US" sz="2000" dirty="0" smtClean="0">
-                <a:solidFill>
-                  <a:schemeClr val="tx1"/>
-                </a:solidFill>
-              </a:rPr>
-              <a:t>Improve </a:t>
-            </a:r>
-            <a:r>
-              <a:rPr lang="en-US" sz="2000" dirty="0">
-                <a:solidFill>
-                  <a:schemeClr val="tx1"/>
-                </a:solidFill>
-              </a:rPr>
-              <a:t>system as user friendly as possible</a:t>
-            </a:r>
-            <a:r>
-              <a:rPr lang="en-US" sz="2000" dirty="0" smtClean="0">
-                <a:solidFill>
-                  <a:schemeClr val="tx1"/>
-                </a:solidFill>
-              </a:rPr>
-              <a:t>.</a:t>
-            </a:r>
-          </a:p>
-          <a:p>
-            <a:pPr marL="342900" lvl="0" indent="-342900" algn="l" fontAlgn="base">
-              <a:buFont typeface="Arial" pitchFamily="34" charset="0"/>
-              <a:buChar char="•"/>
-            </a:pPr>
-            <a:r>
-              <a:rPr lang="en-US" sz="2000" dirty="0">
-                <a:solidFill>
-                  <a:schemeClr val="tx1"/>
-                </a:solidFill>
-              </a:rPr>
-              <a:t>I</a:t>
-            </a:r>
-            <a:r>
-              <a:rPr lang="en-US" sz="2000" dirty="0" smtClean="0">
-                <a:solidFill>
-                  <a:schemeClr val="tx1"/>
-                </a:solidFill>
-              </a:rPr>
-              <a:t>ntegrate more </a:t>
-            </a:r>
-            <a:r>
-              <a:rPr lang="en-US" sz="2000" dirty="0">
-                <a:solidFill>
-                  <a:schemeClr val="tx1"/>
-                </a:solidFill>
-              </a:rPr>
-              <a:t>payment methods</a:t>
-            </a:r>
           </a:p>
         </p:txBody>
       </p:sp>
@@ -7129,7 +7354,7 @@
         </p:nvSpPr>
         <p:spPr>
           <a:xfrm>
-            <a:off x="762000" y="2286000"/>
+            <a:off x="685800" y="304800"/>
             <a:ext cx="7772400" cy="1470025"/>
           </a:xfrm>
         </p:spPr>
@@ -7139,12 +7364,11 @@
           </a:bodyPr>
           <a:lstStyle/>
           <a:p>
-            <a:pPr marL="342900" lvl="0" indent="-342900" algn="ctr" fontAlgn="base"/>
-            <a:r>
-              <a:rPr lang="en-US" dirty="0" smtClean="0"/>
-              <a:t>Demo</a:t>
-            </a:r>
-            <a:endParaRPr lang="en-US" dirty="0"/>
+            <a:pPr marL="342900" lvl="0" indent="-342900" fontAlgn="base"/>
+            <a:r>
+              <a:rPr lang="en-US" dirty="0"/>
+              <a:t>Summary</a:t>
+            </a:r>
           </a:p>
         </p:txBody>
       </p:sp>
@@ -7160,8 +7384,8 @@
         </p:nvSpPr>
         <p:spPr>
           <a:xfrm>
-            <a:off x="1371600" y="2133600"/>
-            <a:ext cx="6400800" cy="3505200"/>
+            <a:off x="1371600" y="1600200"/>
+            <a:ext cx="6400800" cy="4038600"/>
           </a:xfrm>
         </p:spPr>
         <p:txBody>
@@ -7171,7 +7395,175 @@
           <a:lstStyle/>
           <a:p>
             <a:pPr lvl="0" algn="l" fontAlgn="base"/>
+            <a:r>
+              <a:rPr lang="en-US" b="1" dirty="0" smtClean="0">
+                <a:solidFill>
+                  <a:schemeClr val="tx1"/>
+                </a:solidFill>
+              </a:rPr>
+              <a:t>Future plan</a:t>
+            </a:r>
+            <a:endParaRPr lang="en-US" b="1" dirty="0">
+              <a:solidFill>
+                <a:schemeClr val="tx1"/>
+              </a:solidFill>
+            </a:endParaRPr>
+          </a:p>
+          <a:p>
+            <a:pPr marL="342900" lvl="0" indent="-342900" fontAlgn="base">
+              <a:buFont typeface="Arial" pitchFamily="34" charset="0"/>
+              <a:buChar char="•"/>
+            </a:pPr>
+            <a:r>
+              <a:rPr lang="en-US" sz="2000" dirty="0" smtClean="0">
+                <a:solidFill>
+                  <a:schemeClr val="tx1"/>
+                </a:solidFill>
+              </a:rPr>
+              <a:t>Auto-schedule for each route, bus in a fixed time.</a:t>
+            </a:r>
+          </a:p>
+          <a:p>
+            <a:pPr marL="342900" lvl="0" indent="-342900" fontAlgn="base">
+              <a:buFont typeface="Arial" pitchFamily="34" charset="0"/>
+              <a:buChar char="•"/>
+            </a:pPr>
+            <a:r>
+              <a:rPr lang="en-US" sz="2000" dirty="0" smtClean="0">
+                <a:solidFill>
+                  <a:schemeClr val="tx1"/>
+                </a:solidFill>
+              </a:rPr>
+              <a:t>Integrate </a:t>
+            </a:r>
+            <a:r>
+              <a:rPr lang="en-US" sz="2000" dirty="0">
+                <a:solidFill>
+                  <a:schemeClr val="tx1"/>
+                </a:solidFill>
+              </a:rPr>
+              <a:t>more </a:t>
+            </a:r>
+            <a:r>
+              <a:rPr lang="en-US" sz="2000" dirty="0" smtClean="0">
+                <a:solidFill>
+                  <a:schemeClr val="tx1"/>
+                </a:solidFill>
+              </a:rPr>
+              <a:t>online payment methods (</a:t>
+            </a:r>
+            <a:r>
+              <a:rPr lang="en-US" sz="2000" dirty="0" err="1" smtClean="0">
+                <a:solidFill>
+                  <a:schemeClr val="tx1"/>
+                </a:solidFill>
+              </a:rPr>
+              <a:t>Bảo</a:t>
+            </a:r>
+            <a:r>
+              <a:rPr lang="en-US" sz="2000" dirty="0" smtClean="0">
+                <a:solidFill>
+                  <a:schemeClr val="tx1"/>
+                </a:solidFill>
+              </a:rPr>
+              <a:t> Kim, </a:t>
+            </a:r>
+            <a:r>
+              <a:rPr lang="en-US" sz="2000" dirty="0" err="1" smtClean="0">
+                <a:solidFill>
+                  <a:schemeClr val="tx1"/>
+                </a:solidFill>
+              </a:rPr>
+              <a:t>Ngân</a:t>
+            </a:r>
+            <a:r>
+              <a:rPr lang="en-US" sz="2000" dirty="0" smtClean="0">
+                <a:solidFill>
+                  <a:schemeClr val="tx1"/>
+                </a:solidFill>
+              </a:rPr>
+              <a:t> </a:t>
+            </a:r>
+            <a:r>
+              <a:rPr lang="en-US" sz="2000" dirty="0" err="1" smtClean="0">
+                <a:solidFill>
+                  <a:schemeClr val="tx1"/>
+                </a:solidFill>
+              </a:rPr>
+              <a:t>Lượng</a:t>
+            </a:r>
+            <a:r>
+              <a:rPr lang="en-US" sz="2000" dirty="0" smtClean="0">
+                <a:solidFill>
+                  <a:schemeClr val="tx1"/>
+                </a:solidFill>
+              </a:rPr>
+              <a:t>)</a:t>
+            </a:r>
+          </a:p>
+          <a:p>
+            <a:pPr marL="342900" lvl="0" indent="-342900" fontAlgn="base">
+              <a:buFont typeface="Arial" pitchFamily="34" charset="0"/>
+              <a:buChar char="•"/>
+            </a:pPr>
+            <a:r>
+              <a:rPr lang="en-US" sz="2000" dirty="0" smtClean="0">
+                <a:solidFill>
+                  <a:schemeClr val="tx1"/>
+                </a:solidFill>
+              </a:rPr>
+              <a:t>Support user to change tickets or seats.</a:t>
+            </a:r>
+          </a:p>
+          <a:p>
+            <a:pPr marL="342900" lvl="0" indent="-342900" algn="l" fontAlgn="base">
+              <a:buFont typeface="Arial" pitchFamily="34" charset="0"/>
+              <a:buChar char="•"/>
+            </a:pPr>
+            <a:r>
+              <a:rPr lang="en-US" sz="2000" dirty="0" smtClean="0">
+                <a:solidFill>
+                  <a:schemeClr val="tx1"/>
+                </a:solidFill>
+              </a:rPr>
+              <a:t>Improve system performance.</a:t>
+            </a:r>
             <a:endParaRPr lang="en-US" sz="2000" dirty="0">
+              <a:solidFill>
+                <a:schemeClr val="tx1"/>
+              </a:solidFill>
+            </a:endParaRPr>
+          </a:p>
+          <a:p>
+            <a:pPr marL="342900" lvl="0" indent="-342900" algn="l" fontAlgn="base">
+              <a:buFont typeface="Arial" pitchFamily="34" charset="0"/>
+              <a:buChar char="•"/>
+            </a:pPr>
+            <a:r>
+              <a:rPr lang="en-US" sz="2000" dirty="0" smtClean="0">
+                <a:solidFill>
+                  <a:schemeClr val="tx1"/>
+                </a:solidFill>
+              </a:rPr>
+              <a:t>Improve </a:t>
+            </a:r>
+            <a:r>
+              <a:rPr lang="en-US" sz="2000" dirty="0">
+                <a:solidFill>
+                  <a:schemeClr val="tx1"/>
+                </a:solidFill>
+              </a:rPr>
+              <a:t>system as user friendly as possible</a:t>
+            </a:r>
+            <a:r>
+              <a:rPr lang="en-US" sz="2000" dirty="0" smtClean="0">
+                <a:solidFill>
+                  <a:schemeClr val="tx1"/>
+                </a:solidFill>
+              </a:rPr>
+              <a:t>.</a:t>
+            </a:r>
+            <a:endParaRPr lang="en-US" sz="2000" dirty="0" smtClean="0">
               <a:solidFill>
                 <a:schemeClr val="tx1"/>
               </a:solidFill>
@@ -7223,7 +7615,7 @@
     </p:spTree>
     <p:extLst>
       <p:ext uri="{BB962C8B-B14F-4D97-AF65-F5344CB8AC3E}">
-        <p14:creationId xmlns:p14="http://schemas.microsoft.com/office/powerpoint/2010/main" val="545985493"/>
+        <p14:creationId xmlns:p14="http://schemas.microsoft.com/office/powerpoint/2010/main" val="3636129923"/>
       </p:ext>
     </p:extLst>
   </p:cSld>
@@ -7432,7 +7824,7 @@
       </p:grpSpPr>
       <p:sp>
         <p:nvSpPr>
-          <p:cNvPr id="4" name="Title 3"/>
+          <p:cNvPr id="2" name="Title 1"/>
           <p:cNvSpPr>
             <a:spLocks noGrp="1"/>
           </p:cNvSpPr>
@@ -7442,7 +7834,7 @@
         </p:nvSpPr>
         <p:spPr>
           <a:xfrm>
-            <a:off x="685800" y="304800"/>
+            <a:off x="685800" y="381000"/>
             <a:ext cx="7772400" cy="1470025"/>
           </a:xfrm>
         </p:spPr>
@@ -7451,10 +7843,9 @@
           <a:lstStyle/>
           <a:p>
             <a:r>
-              <a:rPr lang="en-US" b="1" dirty="0"/>
-              <a:t>Group 4</a:t>
-            </a:r>
-            <a:endParaRPr lang="en-US" dirty="0"/>
+              <a:rPr lang="en-US" dirty="0"/>
+              <a:t>Contents</a:t>
+            </a:r>
           </a:p>
         </p:txBody>
       </p:sp>
@@ -7470,8 +7861,8 @@
         </p:nvSpPr>
         <p:spPr>
           <a:xfrm>
-            <a:off x="1371600" y="2133600"/>
-            <a:ext cx="6400800" cy="3505200"/>
+            <a:off x="1371600" y="1676400"/>
+            <a:ext cx="6400800" cy="3962400"/>
           </a:xfrm>
         </p:spPr>
         <p:txBody>
@@ -7480,331 +7871,133 @@
           </a:bodyPr>
           <a:lstStyle/>
           <a:p>
-            <a:pPr algn="l"/>
+            <a:pPr marL="514350" indent="-514350" algn="l">
+              <a:buFont typeface="+mj-lt"/>
+              <a:buAutoNum type="arabicPeriod"/>
+            </a:pPr>
             <a:r>
               <a:rPr lang="en-US" dirty="0" smtClean="0">
                 <a:solidFill>
                   <a:schemeClr val="tx1"/>
                 </a:solidFill>
               </a:rPr>
-              <a:t>Group member :</a:t>
-            </a:r>
-          </a:p>
-          <a:p>
-            <a:pPr marL="285750" indent="-285750" algn="l">
-              <a:buFont typeface="Arial" pitchFamily="34" charset="0"/>
-              <a:buChar char="•"/>
-            </a:pPr>
-            <a:r>
-              <a:rPr lang="en-US" sz="2400" dirty="0" err="1">
-                <a:solidFill>
-                  <a:schemeClr val="tx1"/>
-                </a:solidFill>
-              </a:rPr>
-              <a:t>Nguyễn</a:t>
-            </a:r>
-            <a:r>
-              <a:rPr lang="en-US" sz="2400" dirty="0">
-                <a:solidFill>
-                  <a:schemeClr val="tx1"/>
-                </a:solidFill>
-              </a:rPr>
-              <a:t> </a:t>
-            </a:r>
-            <a:r>
-              <a:rPr lang="en-US" sz="2400" dirty="0" err="1">
-                <a:solidFill>
-                  <a:schemeClr val="tx1"/>
-                </a:solidFill>
-              </a:rPr>
-              <a:t>Sơn</a:t>
-            </a:r>
-            <a:r>
-              <a:rPr lang="en-US" sz="2400" dirty="0">
-                <a:solidFill>
-                  <a:schemeClr val="tx1"/>
-                </a:solidFill>
-              </a:rPr>
-              <a:t> </a:t>
-            </a:r>
-            <a:r>
-              <a:rPr lang="en-US" sz="2400" dirty="0" err="1">
-                <a:solidFill>
-                  <a:schemeClr val="tx1"/>
-                </a:solidFill>
-              </a:rPr>
-              <a:t>Trường</a:t>
-            </a:r>
-            <a:r>
-              <a:rPr lang="en-US" sz="2400" dirty="0">
-                <a:solidFill>
-                  <a:schemeClr val="tx1"/>
-                </a:solidFill>
-              </a:rPr>
-              <a:t> – Team Leader – 60466</a:t>
-            </a:r>
-          </a:p>
-          <a:p>
-            <a:pPr marL="285750" indent="-285750" algn="l">
-              <a:buFont typeface="Arial" pitchFamily="34" charset="0"/>
-              <a:buChar char="•"/>
-            </a:pPr>
-            <a:r>
-              <a:rPr lang="en-US" sz="2400" dirty="0" err="1">
-                <a:solidFill>
-                  <a:schemeClr val="tx1"/>
-                </a:solidFill>
-              </a:rPr>
-              <a:t>Nguyễn</a:t>
-            </a:r>
-            <a:r>
-              <a:rPr lang="en-US" sz="2400" dirty="0">
-                <a:solidFill>
-                  <a:schemeClr val="tx1"/>
-                </a:solidFill>
-              </a:rPr>
-              <a:t> </a:t>
-            </a:r>
-            <a:r>
-              <a:rPr lang="en-US" sz="2400" dirty="0" err="1">
-                <a:solidFill>
-                  <a:schemeClr val="tx1"/>
-                </a:solidFill>
-              </a:rPr>
-              <a:t>Lương</a:t>
-            </a:r>
-            <a:r>
-              <a:rPr lang="en-US" sz="2400" dirty="0">
-                <a:solidFill>
-                  <a:schemeClr val="tx1"/>
-                </a:solidFill>
-              </a:rPr>
-              <a:t> </a:t>
-            </a:r>
-            <a:r>
-              <a:rPr lang="en-US" sz="2400" dirty="0" err="1">
-                <a:solidFill>
-                  <a:schemeClr val="tx1"/>
-                </a:solidFill>
-              </a:rPr>
-              <a:t>Hải</a:t>
-            </a:r>
-            <a:r>
-              <a:rPr lang="en-US" sz="2400" dirty="0">
-                <a:solidFill>
-                  <a:schemeClr val="tx1"/>
-                </a:solidFill>
-              </a:rPr>
-              <a:t> – Member – 60335</a:t>
-            </a:r>
-          </a:p>
-          <a:p>
-            <a:pPr marL="285750" indent="-285750" algn="l">
-              <a:buFont typeface="Arial" pitchFamily="34" charset="0"/>
-              <a:buChar char="•"/>
-            </a:pPr>
-            <a:r>
-              <a:rPr lang="en-US" sz="2400" dirty="0" err="1">
-                <a:solidFill>
-                  <a:schemeClr val="tx1"/>
-                </a:solidFill>
-              </a:rPr>
-              <a:t>Nguyễn</a:t>
-            </a:r>
-            <a:r>
-              <a:rPr lang="en-US" sz="2400" dirty="0">
-                <a:solidFill>
-                  <a:schemeClr val="tx1"/>
-                </a:solidFill>
-              </a:rPr>
-              <a:t> </a:t>
-            </a:r>
-            <a:r>
-              <a:rPr lang="en-US" sz="2400" dirty="0" err="1">
-                <a:solidFill>
-                  <a:schemeClr val="tx1"/>
-                </a:solidFill>
-              </a:rPr>
-              <a:t>Thị</a:t>
-            </a:r>
-            <a:r>
-              <a:rPr lang="en-US" sz="2400" dirty="0">
-                <a:solidFill>
-                  <a:schemeClr val="tx1"/>
-                </a:solidFill>
-              </a:rPr>
-              <a:t> </a:t>
-            </a:r>
-            <a:r>
-              <a:rPr lang="en-US" sz="2400" dirty="0" err="1">
-                <a:solidFill>
-                  <a:schemeClr val="tx1"/>
-                </a:solidFill>
-              </a:rPr>
-              <a:t>Bích</a:t>
-            </a:r>
-            <a:r>
-              <a:rPr lang="en-US" sz="2400" dirty="0">
-                <a:solidFill>
-                  <a:schemeClr val="tx1"/>
-                </a:solidFill>
-              </a:rPr>
-              <a:t> </a:t>
-            </a:r>
-            <a:r>
-              <a:rPr lang="en-US" sz="2400" dirty="0" err="1">
-                <a:solidFill>
-                  <a:schemeClr val="tx1"/>
-                </a:solidFill>
-              </a:rPr>
-              <a:t>Trâm</a:t>
-            </a:r>
-            <a:r>
-              <a:rPr lang="en-US" sz="2400" dirty="0">
-                <a:solidFill>
-                  <a:schemeClr val="tx1"/>
-                </a:solidFill>
-              </a:rPr>
-              <a:t> – Member – 60156</a:t>
-            </a:r>
-          </a:p>
-          <a:p>
-            <a:pPr marL="285750" indent="-285750" algn="l">
-              <a:buFont typeface="Arial" pitchFamily="34" charset="0"/>
-              <a:buChar char="•"/>
-            </a:pPr>
-            <a:r>
-              <a:rPr lang="en-US" sz="2400" dirty="0" err="1">
-                <a:solidFill>
-                  <a:schemeClr val="tx1"/>
-                </a:solidFill>
-              </a:rPr>
-              <a:t>Nguyễn</a:t>
-            </a:r>
-            <a:r>
-              <a:rPr lang="en-US" sz="2400" dirty="0">
-                <a:solidFill>
-                  <a:schemeClr val="tx1"/>
-                </a:solidFill>
-              </a:rPr>
-              <a:t> </a:t>
-            </a:r>
-            <a:r>
-              <a:rPr lang="en-US" sz="2400" dirty="0" err="1">
-                <a:solidFill>
-                  <a:schemeClr val="tx1"/>
-                </a:solidFill>
-              </a:rPr>
-              <a:t>Ngọc</a:t>
-            </a:r>
-            <a:r>
-              <a:rPr lang="en-US" sz="2400" dirty="0">
-                <a:solidFill>
-                  <a:schemeClr val="tx1"/>
-                </a:solidFill>
-              </a:rPr>
-              <a:t> </a:t>
-            </a:r>
-            <a:r>
-              <a:rPr lang="en-US" sz="2400" dirty="0" err="1">
-                <a:solidFill>
-                  <a:schemeClr val="tx1"/>
-                </a:solidFill>
-              </a:rPr>
-              <a:t>Sơn</a:t>
-            </a:r>
-            <a:r>
-              <a:rPr lang="en-US" sz="2400" dirty="0">
-                <a:solidFill>
-                  <a:schemeClr val="tx1"/>
-                </a:solidFill>
-              </a:rPr>
-              <a:t> – Member – </a:t>
-            </a:r>
-            <a:r>
-              <a:rPr lang="en-US" sz="2400" dirty="0" smtClean="0">
-                <a:solidFill>
-                  <a:schemeClr val="tx1"/>
-                </a:solidFill>
-              </a:rPr>
-              <a:t>60409</a:t>
-            </a:r>
-          </a:p>
-          <a:p>
-            <a:pPr algn="l"/>
-            <a:r>
-              <a:rPr lang="en-US" dirty="0">
-                <a:solidFill>
-                  <a:schemeClr val="tx1"/>
-                </a:solidFill>
-              </a:rPr>
-              <a:t>Supervisor </a:t>
-            </a:r>
-            <a:r>
-              <a:rPr lang="en-US" dirty="0" smtClean="0">
-                <a:solidFill>
-                  <a:schemeClr val="tx1"/>
-                </a:solidFill>
-              </a:rPr>
-              <a:t>:</a:t>
-            </a:r>
-          </a:p>
-          <a:p>
-            <a:pPr marL="285750" indent="-285750" algn="l">
-              <a:buFont typeface="Arial" pitchFamily="34" charset="0"/>
-              <a:buChar char="•"/>
-            </a:pPr>
-            <a:r>
-              <a:rPr lang="en-US" sz="2400" dirty="0" err="1">
-                <a:solidFill>
-                  <a:schemeClr val="tx1"/>
-                </a:solidFill>
-              </a:rPr>
-              <a:t>Kiều</a:t>
-            </a:r>
-            <a:r>
-              <a:rPr lang="en-US" sz="2400" dirty="0">
-                <a:solidFill>
-                  <a:schemeClr val="tx1"/>
-                </a:solidFill>
-              </a:rPr>
-              <a:t> </a:t>
-            </a:r>
-            <a:r>
-              <a:rPr lang="en-US" sz="2400" dirty="0" err="1">
-                <a:solidFill>
-                  <a:schemeClr val="tx1"/>
-                </a:solidFill>
-              </a:rPr>
-              <a:t>Trọng</a:t>
-            </a:r>
-            <a:r>
-              <a:rPr lang="en-US" sz="2400" dirty="0">
-                <a:solidFill>
-                  <a:schemeClr val="tx1"/>
-                </a:solidFill>
-              </a:rPr>
-              <a:t> </a:t>
-            </a:r>
-            <a:r>
-              <a:rPr lang="en-US" sz="2400" dirty="0" err="1" smtClean="0">
-                <a:solidFill>
-                  <a:schemeClr val="tx1"/>
-                </a:solidFill>
-              </a:rPr>
-              <a:t>Khánh</a:t>
-            </a:r>
-            <a:endParaRPr lang="en-US" sz="2400" dirty="0" smtClean="0">
+              <a:t>Problem</a:t>
+            </a:r>
+            <a:endParaRPr lang="en-US" dirty="0">
               <a:solidFill>
                 <a:schemeClr val="tx1"/>
               </a:solidFill>
             </a:endParaRPr>
           </a:p>
+          <a:p>
+            <a:pPr marL="514350" indent="-514350" algn="l">
+              <a:buFont typeface="+mj-lt"/>
+              <a:buAutoNum type="arabicPeriod"/>
+            </a:pPr>
+            <a:r>
+              <a:rPr lang="en-US" dirty="0" smtClean="0">
+                <a:solidFill>
+                  <a:schemeClr val="tx1"/>
+                </a:solidFill>
+              </a:rPr>
+              <a:t>Solution</a:t>
+            </a:r>
+          </a:p>
+          <a:p>
+            <a:pPr marL="514350" indent="-514350" algn="l">
+              <a:buFont typeface="+mj-lt"/>
+              <a:buAutoNum type="arabicPeriod"/>
+            </a:pPr>
+            <a:r>
+              <a:rPr lang="en-US" dirty="0">
+                <a:solidFill>
+                  <a:schemeClr val="tx1"/>
+                </a:solidFill>
+              </a:rPr>
+              <a:t>Main Functions</a:t>
+            </a:r>
+          </a:p>
+          <a:p>
+            <a:pPr marL="514350" indent="-514350" algn="l">
+              <a:buFont typeface="+mj-lt"/>
+              <a:buAutoNum type="arabicPeriod"/>
+            </a:pPr>
+            <a:r>
+              <a:rPr lang="en-US" dirty="0" smtClean="0">
+                <a:solidFill>
+                  <a:schemeClr val="tx1"/>
+                </a:solidFill>
+              </a:rPr>
+              <a:t>Technologies</a:t>
+            </a:r>
+            <a:endParaRPr lang="en-US" dirty="0">
+              <a:solidFill>
+                <a:schemeClr val="tx1"/>
+              </a:solidFill>
+            </a:endParaRPr>
+          </a:p>
+          <a:p>
+            <a:pPr marL="514350" indent="-514350" algn="l">
+              <a:buFont typeface="+mj-lt"/>
+              <a:buAutoNum type="arabicPeriod"/>
+            </a:pPr>
+            <a:r>
+              <a:rPr lang="en-US" dirty="0" smtClean="0">
+                <a:solidFill>
+                  <a:schemeClr val="tx1"/>
+                </a:solidFill>
+              </a:rPr>
+              <a:t>Summary</a:t>
+            </a:r>
+            <a:endParaRPr lang="en-US" dirty="0">
+              <a:solidFill>
+                <a:schemeClr val="tx1"/>
+              </a:solidFill>
+            </a:endParaRPr>
+          </a:p>
+          <a:p>
+            <a:pPr marL="514350" indent="-514350" algn="l">
+              <a:buFont typeface="+mj-lt"/>
+              <a:buAutoNum type="arabicPeriod"/>
+            </a:pPr>
+            <a:r>
+              <a:rPr lang="en-US" dirty="0" smtClean="0">
+                <a:solidFill>
+                  <a:schemeClr val="tx1"/>
+                </a:solidFill>
+              </a:rPr>
+              <a:t>Demo</a:t>
+            </a:r>
+            <a:endParaRPr lang="en-US" dirty="0">
+              <a:solidFill>
+                <a:schemeClr val="tx1"/>
+              </a:solidFill>
+            </a:endParaRPr>
+          </a:p>
+          <a:p>
+            <a:pPr marL="514350" indent="-514350" algn="l">
+              <a:buFont typeface="+mj-lt"/>
+              <a:buAutoNum type="arabicPeriod"/>
+            </a:pPr>
+            <a:r>
+              <a:rPr lang="en-US" dirty="0" smtClean="0">
+                <a:solidFill>
+                  <a:schemeClr val="tx1"/>
+                </a:solidFill>
+              </a:rPr>
+              <a:t>Q&amp;A</a:t>
+            </a:r>
+            <a:endParaRPr lang="en-US" dirty="0">
+              <a:solidFill>
+                <a:schemeClr val="tx1"/>
+              </a:solidFill>
+            </a:endParaRPr>
+          </a:p>
         </p:txBody>
       </p:sp>
       <p:pic>
         <p:nvPicPr>
-          <p:cNvPr id="5" name="Picture 2" descr="F:\workspace\Capstone Project\logo fpt university.jpg"/>
+          <p:cNvPr id="4" name="Picture 2" descr="F:\workspace\Capstone Project\logo fpt university.jpg"/>
           <p:cNvPicPr>
             <a:picLocks noChangeAspect="1" noChangeArrowheads="1"/>
           </p:cNvPicPr>
@@ -7846,7 +8039,7 @@
     </p:spTree>
     <p:extLst>
       <p:ext uri="{BB962C8B-B14F-4D97-AF65-F5344CB8AC3E}">
-        <p14:creationId xmlns:p14="http://schemas.microsoft.com/office/powerpoint/2010/main" val="2453207310"/>
+        <p14:creationId xmlns:p14="http://schemas.microsoft.com/office/powerpoint/2010/main" val="2853134108"/>
       </p:ext>
     </p:extLst>
   </p:cSld>
@@ -7885,7 +8078,7 @@
       </p:grpSpPr>
       <p:sp>
         <p:nvSpPr>
-          <p:cNvPr id="2" name="Title 1"/>
+          <p:cNvPr id="4" name="Title 3"/>
           <p:cNvSpPr>
             <a:spLocks noGrp="1"/>
           </p:cNvSpPr>
@@ -7895,8 +8088,8 @@
         </p:nvSpPr>
         <p:spPr>
           <a:xfrm>
-            <a:off x="685800" y="381000"/>
-            <a:ext cx="7772400" cy="1470025"/>
+            <a:off x="685800" y="304801"/>
+            <a:ext cx="7772400" cy="838200"/>
           </a:xfrm>
         </p:spPr>
         <p:txBody>
@@ -7904,168 +8097,67 @@
           <a:lstStyle/>
           <a:p>
             <a:r>
-              <a:rPr lang="en-US" dirty="0"/>
-              <a:t>Contents</a:t>
-            </a:r>
+              <a:rPr lang="en-US" dirty="0" smtClean="0"/>
+              <a:t>Problem</a:t>
+            </a:r>
+            <a:endParaRPr lang="en-US" dirty="0"/>
           </a:p>
         </p:txBody>
       </p:sp>
-      <p:sp>
-        <p:nvSpPr>
-          <p:cNvPr id="3" name="Subtitle 2"/>
-          <p:cNvSpPr>
-            <a:spLocks noGrp="1"/>
-          </p:cNvSpPr>
+      <p:graphicFrame>
+        <p:nvGraphicFramePr>
+          <p:cNvPr id="2" name="Chart 1"/>
+          <p:cNvGraphicFramePr/>
           <p:nvPr>
-            <p:ph type="subTitle" idx="1"/>
+            <p:extLst>
+              <p:ext uri="{D42A27DB-BD31-4B8C-83A1-F6EECF244321}">
+                <p14:modId xmlns:p14="http://schemas.microsoft.com/office/powerpoint/2010/main" val="39722280"/>
+              </p:ext>
+            </p:extLst>
           </p:nvPr>
-        </p:nvSpPr>
-        <p:spPr>
-          <a:xfrm>
-            <a:off x="1371600" y="1676400"/>
-            <a:ext cx="6400800" cy="3962400"/>
-          </a:xfrm>
-        </p:spPr>
-        <p:txBody>
-          <a:bodyPr>
-            <a:normAutofit/>
-          </a:bodyPr>
-          <a:lstStyle/>
-          <a:p>
-            <a:pPr marL="514350" indent="-514350" algn="l">
-              <a:buFont typeface="+mj-lt"/>
-              <a:buAutoNum type="arabicPeriod"/>
-            </a:pPr>
-            <a:r>
-              <a:rPr lang="en-US" dirty="0" smtClean="0">
-                <a:solidFill>
-                  <a:schemeClr val="tx1"/>
-                </a:solidFill>
-              </a:rPr>
-              <a:t>Problem</a:t>
-            </a:r>
-            <a:endParaRPr lang="en-US" dirty="0">
-              <a:solidFill>
-                <a:schemeClr val="tx1"/>
-              </a:solidFill>
-            </a:endParaRPr>
-          </a:p>
-          <a:p>
-            <a:pPr marL="514350" indent="-514350" algn="l">
-              <a:buFont typeface="+mj-lt"/>
-              <a:buAutoNum type="arabicPeriod"/>
-            </a:pPr>
-            <a:r>
-              <a:rPr lang="en-US" dirty="0" smtClean="0">
-                <a:solidFill>
-                  <a:schemeClr val="tx1"/>
-                </a:solidFill>
-              </a:rPr>
-              <a:t>Solution</a:t>
-            </a:r>
-          </a:p>
-          <a:p>
-            <a:pPr marL="514350" indent="-514350" algn="l">
-              <a:buFont typeface="+mj-lt"/>
-              <a:buAutoNum type="arabicPeriod"/>
-            </a:pPr>
-            <a:r>
-              <a:rPr lang="en-US" dirty="0">
-                <a:solidFill>
-                  <a:schemeClr val="tx1"/>
-                </a:solidFill>
-              </a:rPr>
-              <a:t>Main Functions</a:t>
-            </a:r>
-          </a:p>
-          <a:p>
-            <a:pPr marL="514350" indent="-514350" algn="l">
-              <a:buFont typeface="+mj-lt"/>
-              <a:buAutoNum type="arabicPeriod"/>
-            </a:pPr>
-            <a:r>
-              <a:rPr lang="en-US" dirty="0" smtClean="0">
-                <a:solidFill>
-                  <a:schemeClr val="tx1"/>
-                </a:solidFill>
-              </a:rPr>
-              <a:t>Technologies</a:t>
-            </a:r>
-            <a:endParaRPr lang="en-US" dirty="0">
-              <a:solidFill>
-                <a:schemeClr val="tx1"/>
-              </a:solidFill>
-            </a:endParaRPr>
-          </a:p>
-          <a:p>
-            <a:pPr marL="514350" indent="-514350" algn="l">
-              <a:buFont typeface="+mj-lt"/>
-              <a:buAutoNum type="arabicPeriod"/>
-            </a:pPr>
-            <a:r>
-              <a:rPr lang="en-US" dirty="0" smtClean="0">
-                <a:solidFill>
-                  <a:schemeClr val="tx1"/>
-                </a:solidFill>
-              </a:rPr>
-              <a:t>Summary</a:t>
-            </a:r>
-            <a:endParaRPr lang="en-US" dirty="0">
-              <a:solidFill>
-                <a:schemeClr val="tx1"/>
-              </a:solidFill>
-            </a:endParaRPr>
-          </a:p>
-          <a:p>
-            <a:pPr marL="514350" indent="-514350" algn="l">
-              <a:buFont typeface="+mj-lt"/>
-              <a:buAutoNum type="arabicPeriod"/>
-            </a:pPr>
-            <a:r>
-              <a:rPr lang="en-US" dirty="0" smtClean="0">
-                <a:solidFill>
-                  <a:schemeClr val="tx1"/>
-                </a:solidFill>
-              </a:rPr>
-              <a:t>Demo</a:t>
-            </a:r>
-            <a:endParaRPr lang="en-US" dirty="0">
-              <a:solidFill>
-                <a:schemeClr val="tx1"/>
-              </a:solidFill>
-            </a:endParaRPr>
-          </a:p>
-          <a:p>
-            <a:pPr marL="514350" indent="-514350" algn="l">
-              <a:buFont typeface="+mj-lt"/>
-              <a:buAutoNum type="arabicPeriod"/>
-            </a:pPr>
-            <a:r>
-              <a:rPr lang="en-US" dirty="0" smtClean="0">
-                <a:solidFill>
-                  <a:schemeClr val="tx1"/>
-                </a:solidFill>
-              </a:rPr>
-              <a:t>Q&amp;A</a:t>
-            </a:r>
-            <a:endParaRPr lang="en-US" dirty="0">
-              <a:solidFill>
-                <a:schemeClr val="tx1"/>
-              </a:solidFill>
-            </a:endParaRPr>
-          </a:p>
-        </p:txBody>
-      </p:sp>
+        </p:nvGraphicFramePr>
+        <p:xfrm>
+          <a:off x="4267200" y="1143000"/>
+          <a:ext cx="4876800" cy="4241799"/>
+        </p:xfrm>
+        <a:graphic>
+          <a:graphicData uri="http://schemas.openxmlformats.org/drawingml/2006/chart">
+            <c:chart xmlns:c="http://schemas.openxmlformats.org/drawingml/2006/chart" xmlns:r="http://schemas.openxmlformats.org/officeDocument/2006/relationships" r:id="rId3"/>
+          </a:graphicData>
+        </a:graphic>
+      </p:graphicFrame>
+      <p:graphicFrame>
+        <p:nvGraphicFramePr>
+          <p:cNvPr id="5" name="Chart 4"/>
+          <p:cNvGraphicFramePr/>
+          <p:nvPr>
+            <p:extLst>
+              <p:ext uri="{D42A27DB-BD31-4B8C-83A1-F6EECF244321}">
+                <p14:modId xmlns:p14="http://schemas.microsoft.com/office/powerpoint/2010/main" val="1065936325"/>
+              </p:ext>
+            </p:extLst>
+          </p:nvPr>
+        </p:nvGraphicFramePr>
+        <p:xfrm>
+          <a:off x="0" y="1143001"/>
+          <a:ext cx="4267200" cy="4343399"/>
+        </p:xfrm>
+        <a:graphic>
+          <a:graphicData uri="http://schemas.openxmlformats.org/drawingml/2006/chart">
+            <c:chart xmlns:c="http://schemas.openxmlformats.org/drawingml/2006/chart" xmlns:r="http://schemas.openxmlformats.org/officeDocument/2006/relationships" r:id="rId4"/>
+          </a:graphicData>
+        </a:graphic>
+      </p:graphicFrame>
       <p:pic>
         <p:nvPicPr>
-          <p:cNvPr id="4" name="Picture 2" descr="F:\workspace\Capstone Project\logo fpt university.jpg"/>
+          <p:cNvPr id="6" name="Picture 2" descr="F:\workspace\Capstone Project\logo fpt university.jpg"/>
           <p:cNvPicPr>
             <a:picLocks noChangeAspect="1" noChangeArrowheads="1"/>
           </p:cNvPicPr>
           <p:nvPr/>
         </p:nvPicPr>
         <p:blipFill>
-          <a:blip r:embed="rId2" cstate="print">
+          <a:blip r:embed="rId5" cstate="print">
             <a:extLst>
               <a:ext uri="{28A0092B-C50C-407E-A947-70E740481C1C}">
                 <a14:useLocalDpi xmlns:a14="http://schemas.microsoft.com/office/drawing/2010/main" val="0"/>
@@ -8097,10 +8189,43 @@
           </a:extLst>
         </p:spPr>
       </p:pic>
+      <p:sp>
+        <p:nvSpPr>
+          <p:cNvPr id="3" name="TextBox 2"/>
+          <p:cNvSpPr txBox="1"/>
+          <p:nvPr/>
+        </p:nvSpPr>
+        <p:spPr>
+          <a:xfrm>
+            <a:off x="152400" y="5943600"/>
+            <a:ext cx="4114800" cy="646331"/>
+          </a:xfrm>
+          <a:prstGeom prst="rect">
+            <a:avLst/>
+          </a:prstGeom>
+          <a:noFill/>
+        </p:spPr>
+        <p:txBody>
+          <a:bodyPr wrap="square" rtlCol="0">
+            <a:spAutoFit/>
+          </a:bodyPr>
+          <a:lstStyle/>
+          <a:p>
+            <a:r>
+              <a:rPr lang="en-GB" dirty="0" smtClean="0"/>
+              <a:t>*statistic in 2010 from http</a:t>
+            </a:r>
+            <a:r>
+              <a:rPr lang="en-GB" dirty="0"/>
+              <a:t>://www.benxemiendong.com.vn/ </a:t>
+            </a:r>
+          </a:p>
+        </p:txBody>
+      </p:sp>
     </p:spTree>
     <p:extLst>
       <p:ext uri="{BB962C8B-B14F-4D97-AF65-F5344CB8AC3E}">
-        <p14:creationId xmlns:p14="http://schemas.microsoft.com/office/powerpoint/2010/main" val="2853134108"/>
+        <p14:creationId xmlns:p14="http://schemas.microsoft.com/office/powerpoint/2010/main" val="3354027083"/>
       </p:ext>
     </p:extLst>
   </p:cSld>
@@ -8320,159 +8445,6 @@
       </p:grpSpPr>
       <p:sp>
         <p:nvSpPr>
-          <p:cNvPr id="4" name="Title 3"/>
-          <p:cNvSpPr>
-            <a:spLocks noGrp="1"/>
-          </p:cNvSpPr>
-          <p:nvPr>
-            <p:ph type="ctrTitle"/>
-          </p:nvPr>
-        </p:nvSpPr>
-        <p:spPr>
-          <a:xfrm>
-            <a:off x="685800" y="304800"/>
-            <a:ext cx="7772400" cy="1470025"/>
-          </a:xfrm>
-        </p:spPr>
-        <p:txBody>
-          <a:bodyPr/>
-          <a:lstStyle/>
-          <a:p>
-            <a:r>
-              <a:rPr lang="en-US" dirty="0" smtClean="0"/>
-              <a:t>Problem</a:t>
-            </a:r>
-            <a:endParaRPr lang="en-US" dirty="0"/>
-          </a:p>
-        </p:txBody>
-      </p:sp>
-      <p:graphicFrame>
-        <p:nvGraphicFramePr>
-          <p:cNvPr id="2" name="Chart 1"/>
-          <p:cNvGraphicFramePr/>
-          <p:nvPr>
-            <p:extLst>
-              <p:ext uri="{D42A27DB-BD31-4B8C-83A1-F6EECF244321}">
-                <p14:modId xmlns:p14="http://schemas.microsoft.com/office/powerpoint/2010/main" val="506609584"/>
-              </p:ext>
-            </p:extLst>
-          </p:nvPr>
-        </p:nvGraphicFramePr>
-        <p:xfrm>
-          <a:off x="4114800" y="1219200"/>
-          <a:ext cx="4876800" cy="4165600"/>
-        </p:xfrm>
-        <a:graphic>
-          <a:graphicData uri="http://schemas.openxmlformats.org/drawingml/2006/chart">
-            <c:chart xmlns:c="http://schemas.openxmlformats.org/drawingml/2006/chart" xmlns:r="http://schemas.openxmlformats.org/officeDocument/2006/relationships" r:id="rId3"/>
-          </a:graphicData>
-        </a:graphic>
-      </p:graphicFrame>
-      <p:graphicFrame>
-        <p:nvGraphicFramePr>
-          <p:cNvPr id="5" name="Chart 4"/>
-          <p:cNvGraphicFramePr/>
-          <p:nvPr>
-            <p:extLst>
-              <p:ext uri="{D42A27DB-BD31-4B8C-83A1-F6EECF244321}">
-                <p14:modId xmlns:p14="http://schemas.microsoft.com/office/powerpoint/2010/main" val="3139658477"/>
-              </p:ext>
-            </p:extLst>
-          </p:nvPr>
-        </p:nvGraphicFramePr>
-        <p:xfrm>
-          <a:off x="152400" y="1219200"/>
-          <a:ext cx="3886200" cy="4445000"/>
-        </p:xfrm>
-        <a:graphic>
-          <a:graphicData uri="http://schemas.openxmlformats.org/drawingml/2006/chart">
-            <c:chart xmlns:c="http://schemas.openxmlformats.org/drawingml/2006/chart" xmlns:r="http://schemas.openxmlformats.org/officeDocument/2006/relationships" r:id="rId4"/>
-          </a:graphicData>
-        </a:graphic>
-      </p:graphicFrame>
-      <p:pic>
-        <p:nvPicPr>
-          <p:cNvPr id="6" name="Picture 2" descr="F:\workspace\Capstone Project\logo fpt university.jpg"/>
-          <p:cNvPicPr>
-            <a:picLocks noChangeAspect="1" noChangeArrowheads="1"/>
-          </p:cNvPicPr>
-          <p:nvPr/>
-        </p:nvPicPr>
-        <p:blipFill>
-          <a:blip r:embed="rId5" cstate="print">
-            <a:extLst>
-              <a:ext uri="{28A0092B-C50C-407E-A947-70E740481C1C}">
-                <a14:useLocalDpi xmlns:a14="http://schemas.microsoft.com/office/drawing/2010/main" val="0"/>
-              </a:ext>
-            </a:extLst>
-          </a:blip>
-          <a:srcRect/>
-          <a:stretch>
-            <a:fillRect/>
-          </a:stretch>
-        </p:blipFill>
-        <p:spPr bwMode="auto">
-          <a:xfrm>
-            <a:off x="7482841" y="6019800"/>
-            <a:ext cx="1143000" cy="730972"/>
-          </a:xfrm>
-          <a:prstGeom prst="rect">
-            <a:avLst/>
-          </a:prstGeom>
-          <a:noFill/>
-          <a:extLst>
-            <a:ext uri="{909E8E84-426E-40DD-AFC4-6F175D3DCCD1}">
-              <a14:hiddenFill xmlns:a14="http://schemas.microsoft.com/office/drawing/2010/main">
-                <a:solidFill>
-                  <a:srgbClr val="FFFFFF"/>
-                </a:solidFill>
-              </a14:hiddenFill>
-            </a:ext>
-          </a:extLst>
-        </p:spPr>
-      </p:pic>
-    </p:spTree>
-    <p:extLst>
-      <p:ext uri="{BB962C8B-B14F-4D97-AF65-F5344CB8AC3E}">
-        <p14:creationId xmlns:p14="http://schemas.microsoft.com/office/powerpoint/2010/main" val="3354027083"/>
-      </p:ext>
-    </p:extLst>
-  </p:cSld>
-  <p:clrMapOvr>
-    <a:masterClrMapping/>
-  </p:clrMapOvr>
-  <p:transition>
-    <p:fade/>
-  </p:transition>
-  <p:timing>
-    <p:tnLst>
-      <p:par>
-        <p:cTn id="1" dur="indefinite" restart="never" nodeType="tmRoot"/>
-      </p:par>
-    </p:tnLst>
-  </p:timing>
-</p:sld>
-</file>
-
-<file path=ppt/slides/slide6.xml><?xml version="1.0" encoding="utf-8"?>
-<p:sld xmlns:a="http://schemas.openxmlformats.org/drawingml/2006/main" xmlns:r="http://schemas.openxmlformats.org/officeDocument/2006/relationships" xmlns:p="http://schemas.openxmlformats.org/presentationml/2006/main">
-  <p:cSld>
-    <p:spTree>
-      <p:nvGrpSpPr>
-        <p:cNvPr id="1" name=""/>
-        <p:cNvGrpSpPr/>
-        <p:nvPr/>
-      </p:nvGrpSpPr>
-      <p:grpSpPr>
-        <a:xfrm>
-          <a:off x="0" y="0"/>
-          <a:ext cx="0" cy="0"/>
-          <a:chOff x="0" y="0"/>
-          <a:chExt cx="0" cy="0"/>
-        </a:xfrm>
-      </p:grpSpPr>
-      <p:sp>
-        <p:nvSpPr>
           <p:cNvPr id="3" name="Subtitle 2"/>
           <p:cNvSpPr>
             <a:spLocks noGrp="1"/>
@@ -8679,7 +8651,7 @@
 </p:sld>
 </file>
 
-<file path=ppt/slides/slide7.xml><?xml version="1.0" encoding="utf-8"?>
+<file path=ppt/slides/slide6.xml><?xml version="1.0" encoding="utf-8"?>
 <p:sld xmlns:a="http://schemas.openxmlformats.org/drawingml/2006/main" xmlns:r="http://schemas.openxmlformats.org/officeDocument/2006/relationships" xmlns:p="http://schemas.openxmlformats.org/presentationml/2006/main">
   <p:cSld>
     <p:spTree>
@@ -8778,8 +8750,21 @@
                   <a:schemeClr val="tx1"/>
                 </a:solidFill>
               </a:rPr>
-              <a:t>Vehicles Management</a:t>
-            </a:r>
+              <a:t>Vehicles </a:t>
+            </a:r>
+            <a:r>
+              <a:rPr lang="en-US" dirty="0" smtClean="0">
+                <a:solidFill>
+                  <a:schemeClr val="tx1"/>
+                </a:solidFill>
+              </a:rPr>
+              <a:t>management</a:t>
+            </a:r>
+            <a:endParaRPr lang="en-US" dirty="0" smtClean="0">
+              <a:solidFill>
+                <a:schemeClr val="tx1"/>
+              </a:solidFill>
+            </a:endParaRPr>
           </a:p>
           <a:p>
             <a:pPr marL="342900" indent="-342900" algn="l" fontAlgn="base">
@@ -8806,7 +8791,7 @@
                   <a:schemeClr val="tx1"/>
                 </a:solidFill>
               </a:rPr>
-              <a:t>User Management</a:t>
+              <a:t>User management</a:t>
             </a:r>
             <a:endParaRPr lang="en-US" dirty="0">
               <a:solidFill>
@@ -8951,6 +8936,187 @@
 </p:sld>
 </file>
 
+<file path=ppt/slides/slide7.xml><?xml version="1.0" encoding="utf-8"?>
+<p:sld xmlns:a="http://schemas.openxmlformats.org/drawingml/2006/main" xmlns:r="http://schemas.openxmlformats.org/officeDocument/2006/relationships" xmlns:p="http://schemas.openxmlformats.org/presentationml/2006/main">
+  <p:cSld>
+    <p:spTree>
+      <p:nvGrpSpPr>
+        <p:cNvPr id="1" name=""/>
+        <p:cNvGrpSpPr/>
+        <p:nvPr/>
+      </p:nvGrpSpPr>
+      <p:grpSpPr>
+        <a:xfrm>
+          <a:off x="0" y="0"/>
+          <a:ext cx="0" cy="0"/>
+          <a:chOff x="0" y="0"/>
+          <a:chExt cx="0" cy="0"/>
+        </a:xfrm>
+      </p:grpSpPr>
+      <p:sp>
+        <p:nvSpPr>
+          <p:cNvPr id="3" name="Subtitle 2"/>
+          <p:cNvSpPr>
+            <a:spLocks noGrp="1"/>
+          </p:cNvSpPr>
+          <p:nvPr>
+            <p:ph type="subTitle" idx="1"/>
+          </p:nvPr>
+        </p:nvSpPr>
+        <p:spPr>
+          <a:xfrm>
+            <a:off x="1371600" y="2133600"/>
+            <a:ext cx="6400800" cy="3505200"/>
+          </a:xfrm>
+        </p:spPr>
+        <p:txBody>
+          <a:bodyPr>
+            <a:normAutofit/>
+          </a:bodyPr>
+          <a:lstStyle/>
+          <a:p>
+            <a:pPr algn="l" fontAlgn="base"/>
+            <a:endParaRPr lang="en-US" sz="2000" dirty="0">
+              <a:solidFill>
+                <a:schemeClr val="tx1"/>
+              </a:solidFill>
+            </a:endParaRPr>
+          </a:p>
+        </p:txBody>
+      </p:sp>
+      <p:sp>
+        <p:nvSpPr>
+          <p:cNvPr id="2" name="Title 1"/>
+          <p:cNvSpPr>
+            <a:spLocks noGrp="1"/>
+          </p:cNvSpPr>
+          <p:nvPr>
+            <p:ph type="ctrTitle"/>
+          </p:nvPr>
+        </p:nvSpPr>
+        <p:spPr>
+          <a:xfrm>
+            <a:off x="783429" y="457200"/>
+            <a:ext cx="7681913" cy="1523495"/>
+          </a:xfrm>
+        </p:spPr>
+        <p:txBody>
+          <a:bodyPr/>
+          <a:lstStyle/>
+          <a:p>
+            <a:r>
+              <a:rPr lang="en-US" dirty="0" smtClean="0"/>
+              <a:t>System Flow</a:t>
+            </a:r>
+            <a:endParaRPr lang="en-US" dirty="0"/>
+          </a:p>
+        </p:txBody>
+      </p:sp>
+      <p:pic>
+        <p:nvPicPr>
+          <p:cNvPr id="1026" name="Picture 2" descr="F:\workspace\Capstone Project\Scheduling_Flow.png"/>
+          <p:cNvPicPr>
+            <a:picLocks noChangeAspect="1" noChangeArrowheads="1"/>
+          </p:cNvPicPr>
+          <p:nvPr/>
+        </p:nvPicPr>
+        <p:blipFill>
+          <a:blip r:embed="rId2">
+            <a:extLst>
+              <a:ext uri="{28A0092B-C50C-407E-A947-70E740481C1C}">
+                <a14:useLocalDpi xmlns:a14="http://schemas.microsoft.com/office/drawing/2010/main" val="0"/>
+              </a:ext>
+            </a:extLst>
+          </a:blip>
+          <a:srcRect/>
+          <a:stretch>
+            <a:fillRect/>
+          </a:stretch>
+        </p:blipFill>
+        <p:spPr bwMode="auto">
+          <a:xfrm>
+            <a:off x="1371600" y="1447800"/>
+            <a:ext cx="6429375" cy="5181600"/>
+          </a:xfrm>
+          <a:prstGeom prst="rect">
+            <a:avLst/>
+          </a:prstGeom>
+          <a:noFill/>
+          <a:extLst>
+            <a:ext uri="{909E8E84-426E-40DD-AFC4-6F175D3DCCD1}">
+              <a14:hiddenFill xmlns:a14="http://schemas.microsoft.com/office/drawing/2010/main">
+                <a:solidFill>
+                  <a:srgbClr val="FFFFFF"/>
+                </a:solidFill>
+              </a14:hiddenFill>
+            </a:ext>
+          </a:extLst>
+        </p:spPr>
+      </p:pic>
+      <p:pic>
+        <p:nvPicPr>
+          <p:cNvPr id="5" name="Picture 2" descr="F:\workspace\Capstone Project\logo fpt university.jpg"/>
+          <p:cNvPicPr>
+            <a:picLocks noChangeAspect="1" noChangeArrowheads="1"/>
+          </p:cNvPicPr>
+          <p:nvPr/>
+        </p:nvPicPr>
+        <p:blipFill>
+          <a:blip r:embed="rId3" cstate="print">
+            <a:extLst>
+              <a:ext uri="{28A0092B-C50C-407E-A947-70E740481C1C}">
+                <a14:useLocalDpi xmlns:a14="http://schemas.microsoft.com/office/drawing/2010/main" val="0"/>
+              </a:ext>
+            </a:extLst>
+          </a:blip>
+          <a:srcRect/>
+          <a:stretch>
+            <a:fillRect/>
+          </a:stretch>
+        </p:blipFill>
+        <p:spPr bwMode="auto">
+          <a:xfrm>
+            <a:off x="7482841" y="6019800"/>
+            <a:ext cx="1143000" cy="730972"/>
+          </a:xfrm>
+          <a:prstGeom prst="rect">
+            <a:avLst/>
+          </a:prstGeom>
+          <a:noFill/>
+          <a:extLst>
+            <a:ext uri="{909E8E84-426E-40DD-AFC4-6F175D3DCCD1}">
+              <a14:hiddenFill xmlns:a14="http://schemas.microsoft.com/office/drawing/2010/main">
+                <a:solidFill>
+                  <a:srgbClr val="FFFFFF"/>
+                </a:solidFill>
+              </a14:hiddenFill>
+            </a:ext>
+          </a:extLst>
+        </p:spPr>
+      </p:pic>
+    </p:spTree>
+    <p:extLst>
+      <p:ext uri="{BB962C8B-B14F-4D97-AF65-F5344CB8AC3E}">
+        <p14:creationId xmlns:p14="http://schemas.microsoft.com/office/powerpoint/2010/main" val="1413376389"/>
+      </p:ext>
+    </p:extLst>
+  </p:cSld>
+  <p:clrMapOvr>
+    <a:masterClrMapping/>
+  </p:clrMapOvr>
+  <p:transition>
+    <p:fade/>
+  </p:transition>
+  <p:timing>
+    <p:tnLst>
+      <p:par>
+        <p:cTn id="1" dur="indefinite" restart="never" nodeType="tmRoot"/>
+      </p:par>
+    </p:tnLst>
+  </p:timing>
+</p:sld>
+</file>
+
 <file path=ppt/slides/slide8.xml><?xml version="1.0" encoding="utf-8"?>
 <p:sld xmlns:a="http://schemas.openxmlformats.org/drawingml/2006/main" xmlns:r="http://schemas.openxmlformats.org/officeDocument/2006/relationships" xmlns:p="http://schemas.openxmlformats.org/presentationml/2006/main">
   <p:cSld>
@@ -8999,37 +9165,9 @@
           </a:p>
         </p:txBody>
       </p:sp>
-      <p:sp>
-        <p:nvSpPr>
-          <p:cNvPr id="2" name="Title 1"/>
-          <p:cNvSpPr>
-            <a:spLocks noGrp="1"/>
-          </p:cNvSpPr>
-          <p:nvPr>
-            <p:ph type="ctrTitle"/>
-          </p:nvPr>
-        </p:nvSpPr>
-        <p:spPr>
-          <a:xfrm>
-            <a:off x="783429" y="457200"/>
-            <a:ext cx="7681913" cy="1523495"/>
-          </a:xfrm>
-        </p:spPr>
-        <p:txBody>
-          <a:bodyPr/>
-          <a:lstStyle/>
-          <a:p>
-            <a:r>
-              <a:rPr lang="en-US" dirty="0" smtClean="0"/>
-              <a:t>System Flow</a:t>
-            </a:r>
-            <a:endParaRPr lang="en-US" dirty="0"/>
-          </a:p>
-        </p:txBody>
-      </p:sp>
       <p:pic>
         <p:nvPicPr>
-          <p:cNvPr id="1026" name="Picture 2" descr="F:\workspace\Capstone Project\Scheduling_Flow.png"/>
+          <p:cNvPr id="2050" name="Picture 2" descr="C:\Users\NoName\Desktop\Booking_Flow_-_mini.png"/>
           <p:cNvPicPr>
             <a:picLocks noChangeAspect="1" noChangeArrowheads="1"/>
           </p:cNvPicPr>
@@ -9050,8 +9188,8 @@
         </p:blipFill>
         <p:spPr bwMode="auto">
           <a:xfrm>
-            <a:off x="1371600" y="1447800"/>
-            <a:ext cx="6429375" cy="5181600"/>
+            <a:off x="533400" y="2304033"/>
+            <a:ext cx="8153399" cy="2687065"/>
           </a:xfrm>
           <a:prstGeom prst="rect">
             <a:avLst/>
@@ -9068,6 +9206,34 @@
           </a:extLst>
         </p:spPr>
       </p:pic>
+      <p:sp>
+        <p:nvSpPr>
+          <p:cNvPr id="2" name="Title 1"/>
+          <p:cNvSpPr>
+            <a:spLocks noGrp="1"/>
+          </p:cNvSpPr>
+          <p:nvPr>
+            <p:ph type="ctrTitle"/>
+          </p:nvPr>
+        </p:nvSpPr>
+        <p:spPr>
+          <a:xfrm>
+            <a:off x="783429" y="457200"/>
+            <a:ext cx="7681913" cy="1523495"/>
+          </a:xfrm>
+        </p:spPr>
+        <p:txBody>
+          <a:bodyPr/>
+          <a:lstStyle/>
+          <a:p>
+            <a:r>
+              <a:rPr lang="en-US" dirty="0" smtClean="0"/>
+              <a:t>Booking Flow</a:t>
+            </a:r>
+            <a:endParaRPr lang="en-US" dirty="0"/>
+          </a:p>
+        </p:txBody>
+      </p:sp>
       <p:pic>
         <p:nvPicPr>
           <p:cNvPr id="5" name="Picture 2" descr="F:\workspace\Capstone Project\logo fpt university.jpg"/>
@@ -9112,7 +9278,7 @@
     </p:spTree>
     <p:extLst>
       <p:ext uri="{BB962C8B-B14F-4D97-AF65-F5344CB8AC3E}">
-        <p14:creationId xmlns:p14="http://schemas.microsoft.com/office/powerpoint/2010/main" val="1413376389"/>
+        <p14:creationId xmlns:p14="http://schemas.microsoft.com/office/powerpoint/2010/main" val="2586316841"/>
       </p:ext>
     </p:extLst>
   </p:cSld>
@@ -9182,13 +9348,11 @@
       </p:sp>
       <p:pic>
         <p:nvPicPr>
-          <p:cNvPr id="2050" name="Picture 2" descr="C:\Users\NoName\Desktop\Booking_Flow_-_mini.png"/>
-          <p:cNvPicPr>
-            <a:picLocks noChangeAspect="1" noChangeArrowheads="1"/>
-          </p:cNvPicPr>
+          <p:cNvPr id="6" name="Picture 5" descr="ScrumCycle"/>
+          <p:cNvPicPr/>
           <p:nvPr/>
         </p:nvPicPr>
-        <p:blipFill>
+        <p:blipFill rotWithShape="1">
           <a:blip r:embed="rId2">
             <a:extLst>
               <a:ext uri="{28A0092B-C50C-407E-A947-70E740481C1C}">
@@ -9196,27 +9360,24 @@
               </a:ext>
             </a:extLst>
           </a:blip>
-          <a:srcRect/>
-          <a:stretch>
-            <a:fillRect/>
-          </a:stretch>
+          <a:srcRect t="-685"/>
+          <a:stretch/>
         </p:blipFill>
         <p:spPr bwMode="auto">
           <a:xfrm>
-            <a:off x="533400" y="2304033"/>
-            <a:ext cx="8153399" cy="2687065"/>
+            <a:off x="914400" y="1676400"/>
+            <a:ext cx="7257697" cy="3966210"/>
           </a:xfrm>
           <a:prstGeom prst="rect">
             <a:avLst/>
           </a:prstGeom>
           <a:noFill/>
+          <a:ln>
+            <a:noFill/>
+          </a:ln>
           <a:extLst>
-            <a:ext uri="{909E8E84-426E-40DD-AFC4-6F175D3DCCD1}">
-              <a14:hiddenFill xmlns:a14="http://schemas.microsoft.com/office/drawing/2010/main">
-                <a:solidFill>
-                  <a:srgbClr val="FFFFFF"/>
-                </a:solidFill>
-              </a14:hiddenFill>
+            <a:ext uri="{53640926-AAD7-44D8-BBD7-CCE9431645EC}">
+              <a14:shadowObscured xmlns:a14="http://schemas.microsoft.com/office/drawing/2010/main"/>
             </a:ext>
           </a:extLst>
         </p:spPr>
@@ -9233,7 +9394,7 @@
         </p:nvSpPr>
         <p:spPr>
           <a:xfrm>
-            <a:off x="783429" y="457200"/>
+            <a:off x="609600" y="457200"/>
             <a:ext cx="7681913" cy="1523495"/>
           </a:xfrm>
         </p:spPr>
@@ -9242,8 +9403,18 @@
           <a:lstStyle/>
           <a:p>
             <a:r>
-              <a:rPr lang="en-US" dirty="0" smtClean="0"/>
-              <a:t>Booking Flow</a:t>
+              <a:rPr lang="en-US" dirty="0">
+                <a:effectLst>
+                  <a:glow>
+                    <a:srgbClr val="000000"/>
+                  </a:glow>
+                  <a:outerShdw sx="0" sy="0">
+                    <a:srgbClr val="000000"/>
+                  </a:outerShdw>
+                  <a:reflection stA="0" endPos="0" fadeDir="0" sx="0" sy="0"/>
+                </a:effectLst>
+              </a:rPr>
+              <a:t>Software Process Model</a:t>
             </a:r>
             <a:endParaRPr lang="en-US" dirty="0"/>
           </a:p>
@@ -9293,7 +9464,7 @@
     </p:spTree>
     <p:extLst>
       <p:ext uri="{BB962C8B-B14F-4D97-AF65-F5344CB8AC3E}">
-        <p14:creationId xmlns:p14="http://schemas.microsoft.com/office/powerpoint/2010/main" val="2586316841"/>
+        <p14:creationId xmlns:p14="http://schemas.microsoft.com/office/powerpoint/2010/main" val="716443205"/>
       </p:ext>
     </p:extLst>
   </p:cSld>
